--- a/Presentations/eBPM-measurements-Mar2019.pptx
+++ b/Presentations/eBPM-measurements-Mar2019.pptx
@@ -5,24 +5,32 @@
     <p:sldMasterId id="2147483672" r:id="rId1"/>
   </p:sldMasterIdLst>
   <p:notesMasterIdLst>
-    <p:notesMasterId r:id="rId17"/>
+    <p:notesMasterId r:id="rId25"/>
   </p:notesMasterIdLst>
   <p:sldIdLst>
     <p:sldId id="256" r:id="rId2"/>
     <p:sldId id="257" r:id="rId3"/>
-    <p:sldId id="288" r:id="rId4"/>
-    <p:sldId id="289" r:id="rId5"/>
-    <p:sldId id="290" r:id="rId6"/>
-    <p:sldId id="296" r:id="rId7"/>
-    <p:sldId id="297" r:id="rId8"/>
-    <p:sldId id="298" r:id="rId9"/>
-    <p:sldId id="299" r:id="rId10"/>
-    <p:sldId id="294" r:id="rId11"/>
-    <p:sldId id="300" r:id="rId12"/>
-    <p:sldId id="291" r:id="rId13"/>
-    <p:sldId id="292" r:id="rId14"/>
-    <p:sldId id="293" r:id="rId15"/>
-    <p:sldId id="295" r:id="rId16"/>
+    <p:sldId id="303" r:id="rId4"/>
+    <p:sldId id="288" r:id="rId5"/>
+    <p:sldId id="289" r:id="rId6"/>
+    <p:sldId id="290" r:id="rId7"/>
+    <p:sldId id="296" r:id="rId8"/>
+    <p:sldId id="297" r:id="rId9"/>
+    <p:sldId id="304" r:id="rId10"/>
+    <p:sldId id="305" r:id="rId11"/>
+    <p:sldId id="294" r:id="rId12"/>
+    <p:sldId id="300" r:id="rId13"/>
+    <p:sldId id="306" r:id="rId14"/>
+    <p:sldId id="299" r:id="rId15"/>
+    <p:sldId id="291" r:id="rId16"/>
+    <p:sldId id="307" r:id="rId17"/>
+    <p:sldId id="292" r:id="rId18"/>
+    <p:sldId id="293" r:id="rId19"/>
+    <p:sldId id="308" r:id="rId20"/>
+    <p:sldId id="295" r:id="rId21"/>
+    <p:sldId id="309" r:id="rId22"/>
+    <p:sldId id="310" r:id="rId23"/>
+    <p:sldId id="311" r:id="rId24"/>
   </p:sldIdLst>
   <p:sldSz cx="9144000" cy="6858000" type="screen4x3"/>
   <p:notesSz cx="6858000" cy="9144000"/>
@@ -129,12 +137,12 @@
             <a:srgbClr val="A4A3A4"/>
           </p15:clr>
         </p15:guide>
-        <p15:guide id="2" pos="5465" userDrawn="1">
+        <p15:guide id="2" pos="5624" userDrawn="1">
           <p15:clr>
             <a:srgbClr val="A4A3A4"/>
           </p15:clr>
         </p15:guide>
-        <p15:guide id="3" pos="363" userDrawn="1">
+        <p15:guide id="3" pos="68" userDrawn="1">
           <p15:clr>
             <a:srgbClr val="A4A3A4"/>
           </p15:clr>
@@ -227,7 +235,7 @@
           <a:p>
             <a:fld id="{6D6CB4E9-9F10-445D-898A-4C7FDF6A12A9}" type="datetimeFigureOut">
               <a:rPr lang="en-US" smtClean="0"/>
-              <a:t>3/4/19</a:t>
+              <a:t>3/7/19</a:t>
             </a:fld>
             <a:endParaRPr lang="en-US"/>
           </a:p>
@@ -5910,15 +5918,7 @@
                   <a:schemeClr val="tx1"/>
                 </a:solidFill>
               </a:rPr>
-              <a:t> </a:t>
-            </a:r>
-            <a:r>
-              <a:rPr lang="es-ES" dirty="0" smtClean="0">
-                <a:solidFill>
-                  <a:schemeClr val="tx1"/>
-                </a:solidFill>
-              </a:rPr>
-              <a:t>F.M. </a:t>
+              <a:t> F.M. </a:t>
             </a:r>
             <a:r>
               <a:rPr lang="es-ES" dirty="0" err="1" smtClean="0">
@@ -6007,2078 +6007,6 @@
       </p:grpSpPr>
       <p:pic>
         <p:nvPicPr>
-          <p:cNvPr id="7" name="Picture 6"/>
-          <p:cNvPicPr>
-            <a:picLocks noChangeAspect="1"/>
-          </p:cNvPicPr>
-          <p:nvPr/>
-        </p:nvPicPr>
-        <p:blipFill>
-          <a:blip r:embed="rId2">
-            <a:extLst>
-              <a:ext uri="{28A0092B-C50C-407E-A947-70E740481C1C}">
-                <a14:useLocalDpi xmlns:a14="http://schemas.microsoft.com/office/drawing/2010/main" val="0"/>
-              </a:ext>
-            </a:extLst>
-          </a:blip>
-          <a:stretch>
-            <a:fillRect/>
-          </a:stretch>
-        </p:blipFill>
-        <p:spPr>
-          <a:xfrm>
-            <a:off x="3429794" y="2540530"/>
-            <a:ext cx="5942806" cy="3961870"/>
-          </a:xfrm>
-          <a:prstGeom prst="rect">
-            <a:avLst/>
-          </a:prstGeom>
-        </p:spPr>
-      </p:pic>
-      <p:sp>
-        <p:nvSpPr>
-          <p:cNvPr id="2" name="Title 1"/>
-          <p:cNvSpPr>
-            <a:spLocks noGrp="1"/>
-          </p:cNvSpPr>
-          <p:nvPr>
-            <p:ph type="title"/>
-          </p:nvPr>
-        </p:nvSpPr>
-        <p:spPr/>
-        <p:txBody>
-          <a:bodyPr/>
-          <a:lstStyle/>
-          <a:p>
-            <a:r>
-              <a:rPr lang="en-US" dirty="0" smtClean="0"/>
-              <a:t>VNA measurements on a prototype</a:t>
-            </a:r>
-            <a:endParaRPr lang="en-US" dirty="0"/>
-          </a:p>
-        </p:txBody>
-      </p:sp>
-      <p:sp>
-        <p:nvSpPr>
-          <p:cNvPr id="3" name="Content Placeholder 2"/>
-          <p:cNvSpPr>
-            <a:spLocks noGrp="1"/>
-          </p:cNvSpPr>
-          <p:nvPr>
-            <p:ph idx="1"/>
-          </p:nvPr>
-        </p:nvSpPr>
-        <p:spPr/>
-        <p:txBody>
-          <a:bodyPr>
-            <a:normAutofit/>
-          </a:bodyPr>
-          <a:lstStyle/>
-          <a:p>
-            <a:r>
-              <a:rPr lang="en-US" dirty="0" smtClean="0"/>
-              <a:t>A 60 mm type </a:t>
-            </a:r>
-            <a:r>
-              <a:rPr lang="en-US" dirty="0" err="1" smtClean="0"/>
-              <a:t>eBPM</a:t>
-            </a:r>
-            <a:r>
-              <a:rPr lang="en-US" dirty="0" smtClean="0"/>
-              <a:t> </a:t>
-            </a:r>
-            <a:r>
-              <a:rPr lang="en-US" dirty="0" err="1" smtClean="0"/>
-              <a:t>protoype</a:t>
-            </a:r>
-            <a:r>
-              <a:rPr lang="en-US" dirty="0" smtClean="0"/>
-              <a:t> was tested in the </a:t>
-            </a:r>
-            <a:r>
-              <a:rPr lang="en-US" dirty="0" smtClean="0"/>
-              <a:t>lab</a:t>
-            </a:r>
-          </a:p>
-          <a:p>
-            <a:pPr lvl="1"/>
-            <a:r>
-              <a:rPr lang="en-US" dirty="0" smtClean="0"/>
-              <a:t>Installed in the tunnel before the AWAKE operation started</a:t>
-            </a:r>
-          </a:p>
-          <a:p>
-            <a:pPr lvl="1"/>
-            <a:r>
-              <a:rPr lang="en-US" dirty="0" smtClean="0"/>
-              <a:t>Then removed and brought to the lab</a:t>
-            </a:r>
-            <a:endParaRPr lang="en-US" dirty="0" smtClean="0"/>
-          </a:p>
-          <a:p>
-            <a:r>
-              <a:rPr lang="en-US" dirty="0" smtClean="0"/>
-              <a:t>Absorptive foam in the beam pipe</a:t>
-            </a:r>
-          </a:p>
-          <a:p>
-            <a:r>
-              <a:rPr lang="en-US" dirty="0" smtClean="0"/>
-              <a:t>One of the feedthrough </a:t>
-            </a:r>
-            <a:r>
-              <a:rPr lang="en-US" dirty="0" smtClean="0"/>
-              <a:t/>
-            </a:r>
-            <a:br>
-              <a:rPr lang="en-US" dirty="0" smtClean="0"/>
-            </a:br>
-            <a:r>
-              <a:rPr lang="en-US" dirty="0" smtClean="0"/>
-              <a:t>seems </a:t>
-            </a:r>
-            <a:r>
-              <a:rPr lang="en-US" dirty="0" smtClean="0"/>
-              <a:t>to be bad </a:t>
-            </a:r>
-            <a:r>
-              <a:rPr lang="en-US" dirty="0" smtClean="0"/>
-              <a:t>(</a:t>
-            </a:r>
-            <a:r>
-              <a:rPr lang="en-US" dirty="0" smtClean="0"/>
-              <a:t>very </a:t>
-            </a:r>
-            <a:r>
-              <a:rPr lang="en-US" dirty="0" smtClean="0"/>
-              <a:t/>
-            </a:r>
-            <a:br>
-              <a:rPr lang="en-US" dirty="0" smtClean="0"/>
-            </a:br>
-            <a:r>
-              <a:rPr lang="en-US" dirty="0" smtClean="0"/>
-              <a:t>sensible </a:t>
-            </a:r>
-            <a:r>
-              <a:rPr lang="en-US" dirty="0" smtClean="0"/>
-              <a:t>to mechanical </a:t>
-            </a:r>
-            <a:r>
-              <a:rPr lang="en-US" dirty="0" smtClean="0"/>
-              <a:t/>
-            </a:r>
-            <a:br>
-              <a:rPr lang="en-US" dirty="0" smtClean="0"/>
-            </a:br>
-            <a:r>
-              <a:rPr lang="en-US" dirty="0" smtClean="0"/>
-              <a:t>stress)</a:t>
-            </a:r>
-            <a:endParaRPr lang="en-US" dirty="0" smtClean="0"/>
-          </a:p>
-          <a:p>
-            <a:endParaRPr lang="en-US" dirty="0"/>
-          </a:p>
-        </p:txBody>
-      </p:sp>
-      <p:sp>
-        <p:nvSpPr>
-          <p:cNvPr id="5" name="Footer Placeholder 4"/>
-          <p:cNvSpPr>
-            <a:spLocks noGrp="1"/>
-          </p:cNvSpPr>
-          <p:nvPr>
-            <p:ph type="ftr" sz="quarter" idx="11"/>
-          </p:nvPr>
-        </p:nvSpPr>
-        <p:spPr/>
-        <p:txBody>
-          <a:bodyPr/>
-          <a:lstStyle/>
-          <a:p>
-            <a:r>
-              <a:rPr lang="en-US" smtClean="0"/>
-              <a:t>Status of the AWAKE eBPM studies - E. Senes</a:t>
-            </a:r>
-            <a:endParaRPr lang="en-US" dirty="0"/>
-          </a:p>
-        </p:txBody>
-      </p:sp>
-    </p:spTree>
-    <p:extLst>
-      <p:ext uri="{BB962C8B-B14F-4D97-AF65-F5344CB8AC3E}">
-        <p14:creationId xmlns:p14="http://schemas.microsoft.com/office/powerpoint/2010/main" val="976979205"/>
-      </p:ext>
-    </p:extLst>
-  </p:cSld>
-  <p:clrMapOvr>
-    <a:masterClrMapping/>
-  </p:clrMapOvr>
-  <p:timing>
-    <p:tnLst>
-      <p:par>
-        <p:cTn id="1" dur="indefinite" restart="never" nodeType="tmRoot"/>
-      </p:par>
-    </p:tnLst>
-  </p:timing>
-</p:sld>
-</file>
-
-<file path=ppt/slides/slide11.xml><?xml version="1.0" encoding="utf-8"?>
-<p:sld xmlns:a="http://schemas.openxmlformats.org/drawingml/2006/main" xmlns:r="http://schemas.openxmlformats.org/officeDocument/2006/relationships" xmlns:p="http://schemas.openxmlformats.org/presentationml/2006/main">
-  <p:cSld>
-    <p:spTree>
-      <p:nvGrpSpPr>
-        <p:cNvPr id="1" name=""/>
-        <p:cNvGrpSpPr/>
-        <p:nvPr/>
-      </p:nvGrpSpPr>
-      <p:grpSpPr>
-        <a:xfrm>
-          <a:off x="0" y="0"/>
-          <a:ext cx="0" cy="0"/>
-          <a:chOff x="0" y="0"/>
-          <a:chExt cx="0" cy="0"/>
-        </a:xfrm>
-      </p:grpSpPr>
-      <p:sp>
-        <p:nvSpPr>
-          <p:cNvPr id="4" name="Footer Placeholder 3"/>
-          <p:cNvSpPr>
-            <a:spLocks noGrp="1"/>
-          </p:cNvSpPr>
-          <p:nvPr>
-            <p:ph type="ftr" sz="quarter" idx="11"/>
-          </p:nvPr>
-        </p:nvSpPr>
-        <p:spPr/>
-        <p:txBody>
-          <a:bodyPr/>
-          <a:lstStyle/>
-          <a:p>
-            <a:r>
-              <a:rPr lang="en-US" smtClean="0"/>
-              <a:t>Status of the AWAKE eBPM studies - E. Senes</a:t>
-            </a:r>
-            <a:endParaRPr lang="en-US" dirty="0"/>
-          </a:p>
-        </p:txBody>
-      </p:sp>
-      <p:pic>
-        <p:nvPicPr>
-          <p:cNvPr id="13" name="Content Placeholder 12"/>
-          <p:cNvPicPr>
-            <a:picLocks noGrp="1" noChangeAspect="1"/>
-          </p:cNvPicPr>
-          <p:nvPr>
-            <p:ph idx="1"/>
-          </p:nvPr>
-        </p:nvPicPr>
-        <p:blipFill>
-          <a:blip r:embed="rId2">
-            <a:extLst>
-              <a:ext uri="{28A0092B-C50C-407E-A947-70E740481C1C}">
-                <a14:useLocalDpi xmlns:a14="http://schemas.microsoft.com/office/drawing/2010/main" val="0"/>
-              </a:ext>
-            </a:extLst>
-          </a:blip>
-          <a:stretch>
-            <a:fillRect/>
-          </a:stretch>
-        </p:blipFill>
-        <p:spPr>
-          <a:xfrm>
-            <a:off x="182834" y="617899"/>
-            <a:ext cx="4734007" cy="3156004"/>
-          </a:xfrm>
-        </p:spPr>
-      </p:pic>
-      <p:pic>
-        <p:nvPicPr>
-          <p:cNvPr id="14" name="Picture 13"/>
-          <p:cNvPicPr>
-            <a:picLocks noChangeAspect="1"/>
-          </p:cNvPicPr>
-          <p:nvPr/>
-        </p:nvPicPr>
-        <p:blipFill>
-          <a:blip r:embed="rId3">
-            <a:extLst>
-              <a:ext uri="{28A0092B-C50C-407E-A947-70E740481C1C}">
-                <a14:useLocalDpi xmlns:a14="http://schemas.microsoft.com/office/drawing/2010/main" val="0"/>
-              </a:ext>
-            </a:extLst>
-          </a:blip>
-          <a:stretch>
-            <a:fillRect/>
-          </a:stretch>
-        </p:blipFill>
-        <p:spPr>
-          <a:xfrm>
-            <a:off x="4583874" y="613327"/>
-            <a:ext cx="4737100" cy="3158066"/>
-          </a:xfrm>
-          <a:prstGeom prst="rect">
-            <a:avLst/>
-          </a:prstGeom>
-        </p:spPr>
-      </p:pic>
-      <p:pic>
-        <p:nvPicPr>
-          <p:cNvPr id="15" name="Picture 14"/>
-          <p:cNvPicPr>
-            <a:picLocks noChangeAspect="1"/>
-          </p:cNvPicPr>
-          <p:nvPr/>
-        </p:nvPicPr>
-        <p:blipFill>
-          <a:blip r:embed="rId4">
-            <a:extLst>
-              <a:ext uri="{28A0092B-C50C-407E-A947-70E740481C1C}">
-                <a14:useLocalDpi xmlns:a14="http://schemas.microsoft.com/office/drawing/2010/main" val="0"/>
-              </a:ext>
-            </a:extLst>
-          </a:blip>
-          <a:stretch>
-            <a:fillRect/>
-          </a:stretch>
-        </p:blipFill>
-        <p:spPr>
-          <a:xfrm>
-            <a:off x="177800" y="3588305"/>
-            <a:ext cx="4762500" cy="3175000"/>
-          </a:xfrm>
-          <a:prstGeom prst="rect">
-            <a:avLst/>
-          </a:prstGeom>
-        </p:spPr>
-      </p:pic>
-      <p:pic>
-        <p:nvPicPr>
-          <p:cNvPr id="16" name="Picture 15"/>
-          <p:cNvPicPr>
-            <a:picLocks noChangeAspect="1"/>
-          </p:cNvPicPr>
-          <p:nvPr/>
-        </p:nvPicPr>
-        <p:blipFill>
-          <a:blip r:embed="rId5">
-            <a:extLst>
-              <a:ext uri="{28A0092B-C50C-407E-A947-70E740481C1C}">
-                <a14:useLocalDpi xmlns:a14="http://schemas.microsoft.com/office/drawing/2010/main" val="0"/>
-              </a:ext>
-            </a:extLst>
-          </a:blip>
-          <a:stretch>
-            <a:fillRect/>
-          </a:stretch>
-        </p:blipFill>
-        <p:spPr>
-          <a:xfrm>
-            <a:off x="4584700" y="3590598"/>
-            <a:ext cx="4737100" cy="3158066"/>
-          </a:xfrm>
-          <a:prstGeom prst="rect">
-            <a:avLst/>
-          </a:prstGeom>
-        </p:spPr>
-      </p:pic>
-      <p:sp>
-        <p:nvSpPr>
-          <p:cNvPr id="7" name="Title 1"/>
-          <p:cNvSpPr>
-            <a:spLocks noGrp="1"/>
-          </p:cNvSpPr>
-          <p:nvPr>
-            <p:ph type="title"/>
-          </p:nvPr>
-        </p:nvSpPr>
-        <p:spPr>
-          <a:xfrm>
-            <a:off x="457200" y="116632"/>
-            <a:ext cx="8229600" cy="714996"/>
-          </a:xfrm>
-        </p:spPr>
-        <p:txBody>
-          <a:bodyPr/>
-          <a:lstStyle/>
-          <a:p>
-            <a:r>
-              <a:rPr lang="en-US" dirty="0" smtClean="0"/>
-              <a:t>Electrodes cross-couplings</a:t>
-            </a:r>
-            <a:endParaRPr lang="en-US" dirty="0"/>
-          </a:p>
-        </p:txBody>
-      </p:sp>
-    </p:spTree>
-    <p:extLst>
-      <p:ext uri="{BB962C8B-B14F-4D97-AF65-F5344CB8AC3E}">
-        <p14:creationId xmlns:p14="http://schemas.microsoft.com/office/powerpoint/2010/main" val="798631141"/>
-      </p:ext>
-    </p:extLst>
-  </p:cSld>
-  <p:clrMapOvr>
-    <a:masterClrMapping/>
-  </p:clrMapOvr>
-  <p:timing>
-    <p:tnLst>
-      <p:par>
-        <p:cTn id="1" dur="indefinite" restart="never" nodeType="tmRoot"/>
-      </p:par>
-    </p:tnLst>
-  </p:timing>
-</p:sld>
-</file>
-
-<file path=ppt/slides/slide12.xml><?xml version="1.0" encoding="utf-8"?>
-<p:sld xmlns:a="http://schemas.openxmlformats.org/drawingml/2006/main" xmlns:r="http://schemas.openxmlformats.org/officeDocument/2006/relationships" xmlns:p="http://schemas.openxmlformats.org/presentationml/2006/main">
-  <p:cSld>
-    <p:spTree>
-      <p:nvGrpSpPr>
-        <p:cNvPr id="1" name=""/>
-        <p:cNvGrpSpPr/>
-        <p:nvPr/>
-      </p:nvGrpSpPr>
-      <p:grpSpPr>
-        <a:xfrm>
-          <a:off x="0" y="0"/>
-          <a:ext cx="0" cy="0"/>
-          <a:chOff x="0" y="0"/>
-          <a:chExt cx="0" cy="0"/>
-        </a:xfrm>
-      </p:grpSpPr>
-      <p:sp>
-        <p:nvSpPr>
-          <p:cNvPr id="2" name="Title 1"/>
-          <p:cNvSpPr>
-            <a:spLocks noGrp="1"/>
-          </p:cNvSpPr>
-          <p:nvPr>
-            <p:ph type="title"/>
-          </p:nvPr>
-        </p:nvSpPr>
-        <p:spPr/>
-        <p:txBody>
-          <a:bodyPr>
-            <a:normAutofit fontScale="90000"/>
-          </a:bodyPr>
-          <a:lstStyle/>
-          <a:p>
-            <a:r>
-              <a:rPr lang="en-US" dirty="0" smtClean="0"/>
-              <a:t>EM simulation of the present 60 mm design</a:t>
-            </a:r>
-            <a:endParaRPr lang="en-US" dirty="0"/>
-          </a:p>
-        </p:txBody>
-      </p:sp>
-      <p:sp>
-        <p:nvSpPr>
-          <p:cNvPr id="3" name="Content Placeholder 2"/>
-          <p:cNvSpPr>
-            <a:spLocks noGrp="1"/>
-          </p:cNvSpPr>
-          <p:nvPr>
-            <p:ph idx="1"/>
-          </p:nvPr>
-        </p:nvSpPr>
-        <p:spPr/>
-        <p:txBody>
-          <a:bodyPr/>
-          <a:lstStyle/>
-          <a:p>
-            <a:endParaRPr lang="en-US"/>
-          </a:p>
-        </p:txBody>
-      </p:sp>
-      <p:sp>
-        <p:nvSpPr>
-          <p:cNvPr id="5" name="Footer Placeholder 4"/>
-          <p:cNvSpPr>
-            <a:spLocks noGrp="1"/>
-          </p:cNvSpPr>
-          <p:nvPr>
-            <p:ph type="ftr" sz="quarter" idx="11"/>
-          </p:nvPr>
-        </p:nvSpPr>
-        <p:spPr/>
-        <p:txBody>
-          <a:bodyPr/>
-          <a:lstStyle/>
-          <a:p>
-            <a:r>
-              <a:rPr lang="en-US" smtClean="0"/>
-              <a:t>Status of the AWAKE eBPM studies - E. Senes</a:t>
-            </a:r>
-            <a:endParaRPr lang="en-US" dirty="0"/>
-          </a:p>
-        </p:txBody>
-      </p:sp>
-    </p:spTree>
-    <p:extLst>
-      <p:ext uri="{BB962C8B-B14F-4D97-AF65-F5344CB8AC3E}">
-        <p14:creationId xmlns:p14="http://schemas.microsoft.com/office/powerpoint/2010/main" val="1408773516"/>
-      </p:ext>
-    </p:extLst>
-  </p:cSld>
-  <p:clrMapOvr>
-    <a:masterClrMapping/>
-  </p:clrMapOvr>
-  <p:timing>
-    <p:tnLst>
-      <p:par>
-        <p:cTn id="1" dur="indefinite" restart="never" nodeType="tmRoot"/>
-      </p:par>
-    </p:tnLst>
-  </p:timing>
-</p:sld>
-</file>
-
-<file path=ppt/slides/slide13.xml><?xml version="1.0" encoding="utf-8"?>
-<p:sld xmlns:a="http://schemas.openxmlformats.org/drawingml/2006/main" xmlns:r="http://schemas.openxmlformats.org/officeDocument/2006/relationships" xmlns:p="http://schemas.openxmlformats.org/presentationml/2006/main">
-  <p:cSld>
-    <p:spTree>
-      <p:nvGrpSpPr>
-        <p:cNvPr id="1" name=""/>
-        <p:cNvGrpSpPr/>
-        <p:nvPr/>
-      </p:nvGrpSpPr>
-      <p:grpSpPr>
-        <a:xfrm>
-          <a:off x="0" y="0"/>
-          <a:ext cx="0" cy="0"/>
-          <a:chOff x="0" y="0"/>
-          <a:chExt cx="0" cy="0"/>
-        </a:xfrm>
-      </p:grpSpPr>
-      <p:sp>
-        <p:nvSpPr>
-          <p:cNvPr id="2" name="Title 1"/>
-          <p:cNvSpPr>
-            <a:spLocks noGrp="1"/>
-          </p:cNvSpPr>
-          <p:nvPr>
-            <p:ph type="title"/>
-          </p:nvPr>
-        </p:nvSpPr>
-        <p:spPr/>
-        <p:txBody>
-          <a:bodyPr/>
-          <a:lstStyle/>
-          <a:p>
-            <a:endParaRPr lang="en-US"/>
-          </a:p>
-        </p:txBody>
-      </p:sp>
-      <p:sp>
-        <p:nvSpPr>
-          <p:cNvPr id="3" name="Content Placeholder 2"/>
-          <p:cNvSpPr>
-            <a:spLocks noGrp="1"/>
-          </p:cNvSpPr>
-          <p:nvPr>
-            <p:ph idx="1"/>
-          </p:nvPr>
-        </p:nvSpPr>
-        <p:spPr/>
-        <p:txBody>
-          <a:bodyPr/>
-          <a:lstStyle/>
-          <a:p>
-            <a:endParaRPr lang="en-US"/>
-          </a:p>
-        </p:txBody>
-      </p:sp>
-      <p:sp>
-        <p:nvSpPr>
-          <p:cNvPr id="5" name="Footer Placeholder 4"/>
-          <p:cNvSpPr>
-            <a:spLocks noGrp="1"/>
-          </p:cNvSpPr>
-          <p:nvPr>
-            <p:ph type="ftr" sz="quarter" idx="11"/>
-          </p:nvPr>
-        </p:nvSpPr>
-        <p:spPr/>
-        <p:txBody>
-          <a:bodyPr/>
-          <a:lstStyle/>
-          <a:p>
-            <a:r>
-              <a:rPr lang="en-US" smtClean="0"/>
-              <a:t>Status of the AWAKE eBPM studies - E. Senes</a:t>
-            </a:r>
-            <a:endParaRPr lang="en-US" dirty="0"/>
-          </a:p>
-        </p:txBody>
-      </p:sp>
-    </p:spTree>
-    <p:extLst>
-      <p:ext uri="{BB962C8B-B14F-4D97-AF65-F5344CB8AC3E}">
-        <p14:creationId xmlns:p14="http://schemas.microsoft.com/office/powerpoint/2010/main" val="1249275237"/>
-      </p:ext>
-    </p:extLst>
-  </p:cSld>
-  <p:clrMapOvr>
-    <a:masterClrMapping/>
-  </p:clrMapOvr>
-  <p:timing>
-    <p:tnLst>
-      <p:par>
-        <p:cTn id="1" dur="indefinite" restart="never" nodeType="tmRoot"/>
-      </p:par>
-    </p:tnLst>
-  </p:timing>
-</p:sld>
-</file>
-
-<file path=ppt/slides/slide14.xml><?xml version="1.0" encoding="utf-8"?>
-<p:sld xmlns:a="http://schemas.openxmlformats.org/drawingml/2006/main" xmlns:r="http://schemas.openxmlformats.org/officeDocument/2006/relationships" xmlns:p="http://schemas.openxmlformats.org/presentationml/2006/main">
-  <p:cSld>
-    <p:spTree>
-      <p:nvGrpSpPr>
-        <p:cNvPr id="1" name=""/>
-        <p:cNvGrpSpPr/>
-        <p:nvPr/>
-      </p:nvGrpSpPr>
-      <p:grpSpPr>
-        <a:xfrm>
-          <a:off x="0" y="0"/>
-          <a:ext cx="0" cy="0"/>
-          <a:chOff x="0" y="0"/>
-          <a:chExt cx="0" cy="0"/>
-        </a:xfrm>
-      </p:grpSpPr>
-      <p:sp>
-        <p:nvSpPr>
-          <p:cNvPr id="2" name="Title 1"/>
-          <p:cNvSpPr>
-            <a:spLocks noGrp="1"/>
-          </p:cNvSpPr>
-          <p:nvPr>
-            <p:ph type="title"/>
-          </p:nvPr>
-        </p:nvSpPr>
-        <p:spPr/>
-        <p:txBody>
-          <a:bodyPr/>
-          <a:lstStyle/>
-          <a:p>
-            <a:endParaRPr lang="en-US"/>
-          </a:p>
-        </p:txBody>
-      </p:sp>
-      <p:sp>
-        <p:nvSpPr>
-          <p:cNvPr id="3" name="Content Placeholder 2"/>
-          <p:cNvSpPr>
-            <a:spLocks noGrp="1"/>
-          </p:cNvSpPr>
-          <p:nvPr>
-            <p:ph idx="1"/>
-          </p:nvPr>
-        </p:nvSpPr>
-        <p:spPr/>
-        <p:txBody>
-          <a:bodyPr/>
-          <a:lstStyle/>
-          <a:p>
-            <a:endParaRPr lang="en-US"/>
-          </a:p>
-        </p:txBody>
-      </p:sp>
-      <p:sp>
-        <p:nvSpPr>
-          <p:cNvPr id="5" name="Footer Placeholder 4"/>
-          <p:cNvSpPr>
-            <a:spLocks noGrp="1"/>
-          </p:cNvSpPr>
-          <p:nvPr>
-            <p:ph type="ftr" sz="quarter" idx="11"/>
-          </p:nvPr>
-        </p:nvSpPr>
-        <p:spPr/>
-        <p:txBody>
-          <a:bodyPr/>
-          <a:lstStyle/>
-          <a:p>
-            <a:r>
-              <a:rPr lang="en-US" smtClean="0"/>
-              <a:t>Status of the AWAKE eBPM studies - E. Senes</a:t>
-            </a:r>
-            <a:endParaRPr lang="en-US" dirty="0"/>
-          </a:p>
-        </p:txBody>
-      </p:sp>
-    </p:spTree>
-    <p:extLst>
-      <p:ext uri="{BB962C8B-B14F-4D97-AF65-F5344CB8AC3E}">
-        <p14:creationId xmlns:p14="http://schemas.microsoft.com/office/powerpoint/2010/main" val="782796561"/>
-      </p:ext>
-    </p:extLst>
-  </p:cSld>
-  <p:clrMapOvr>
-    <a:masterClrMapping/>
-  </p:clrMapOvr>
-</p:sld>
-</file>
-
-<file path=ppt/slides/slide15.xml><?xml version="1.0" encoding="utf-8"?>
-<p:sld xmlns:a="http://schemas.openxmlformats.org/drawingml/2006/main" xmlns:r="http://schemas.openxmlformats.org/officeDocument/2006/relationships" xmlns:p="http://schemas.openxmlformats.org/presentationml/2006/main">
-  <p:cSld>
-    <p:spTree>
-      <p:nvGrpSpPr>
-        <p:cNvPr id="1" name=""/>
-        <p:cNvGrpSpPr/>
-        <p:nvPr/>
-      </p:nvGrpSpPr>
-      <p:grpSpPr>
-        <a:xfrm>
-          <a:off x="0" y="0"/>
-          <a:ext cx="0" cy="0"/>
-          <a:chOff x="0" y="0"/>
-          <a:chExt cx="0" cy="0"/>
-        </a:xfrm>
-      </p:grpSpPr>
-      <p:sp>
-        <p:nvSpPr>
-          <p:cNvPr id="2" name="Title 1"/>
-          <p:cNvSpPr>
-            <a:spLocks noGrp="1"/>
-          </p:cNvSpPr>
-          <p:nvPr>
-            <p:ph type="title"/>
-          </p:nvPr>
-        </p:nvSpPr>
-        <p:spPr/>
-        <p:txBody>
-          <a:bodyPr/>
-          <a:lstStyle/>
-          <a:p>
-            <a:endParaRPr lang="en-US"/>
-          </a:p>
-        </p:txBody>
-      </p:sp>
-      <p:sp>
-        <p:nvSpPr>
-          <p:cNvPr id="3" name="Content Placeholder 2"/>
-          <p:cNvSpPr>
-            <a:spLocks noGrp="1"/>
-          </p:cNvSpPr>
-          <p:nvPr>
-            <p:ph idx="1"/>
-          </p:nvPr>
-        </p:nvSpPr>
-        <p:spPr/>
-        <p:txBody>
-          <a:bodyPr/>
-          <a:lstStyle/>
-          <a:p>
-            <a:endParaRPr lang="en-US"/>
-          </a:p>
-        </p:txBody>
-      </p:sp>
-      <p:sp>
-        <p:nvSpPr>
-          <p:cNvPr id="5" name="Footer Placeholder 4"/>
-          <p:cNvSpPr>
-            <a:spLocks noGrp="1"/>
-          </p:cNvSpPr>
-          <p:nvPr>
-            <p:ph type="ftr" sz="quarter" idx="11"/>
-          </p:nvPr>
-        </p:nvSpPr>
-        <p:spPr/>
-        <p:txBody>
-          <a:bodyPr/>
-          <a:lstStyle/>
-          <a:p>
-            <a:r>
-              <a:rPr lang="en-US" smtClean="0"/>
-              <a:t>Status of the AWAKE eBPM studies - E. Senes</a:t>
-            </a:r>
-            <a:endParaRPr lang="en-US" dirty="0"/>
-          </a:p>
-        </p:txBody>
-      </p:sp>
-    </p:spTree>
-    <p:extLst>
-      <p:ext uri="{BB962C8B-B14F-4D97-AF65-F5344CB8AC3E}">
-        <p14:creationId xmlns:p14="http://schemas.microsoft.com/office/powerpoint/2010/main" val="2119265282"/>
-      </p:ext>
-    </p:extLst>
-  </p:cSld>
-  <p:clrMapOvr>
-    <a:masterClrMapping/>
-  </p:clrMapOvr>
-  <p:timing>
-    <p:tnLst>
-      <p:par>
-        <p:cTn id="1" dur="indefinite" restart="never" nodeType="tmRoot"/>
-      </p:par>
-    </p:tnLst>
-  </p:timing>
-</p:sld>
-</file>
-
-<file path=ppt/slides/slide2.xml><?xml version="1.0" encoding="utf-8"?>
-<p:sld xmlns:a="http://schemas.openxmlformats.org/drawingml/2006/main" xmlns:r="http://schemas.openxmlformats.org/officeDocument/2006/relationships" xmlns:p="http://schemas.openxmlformats.org/presentationml/2006/main">
-  <p:cSld>
-    <p:spTree>
-      <p:nvGrpSpPr>
-        <p:cNvPr id="1" name=""/>
-        <p:cNvGrpSpPr/>
-        <p:nvPr/>
-      </p:nvGrpSpPr>
-      <p:grpSpPr>
-        <a:xfrm>
-          <a:off x="0" y="0"/>
-          <a:ext cx="0" cy="0"/>
-          <a:chOff x="0" y="0"/>
-          <a:chExt cx="0" cy="0"/>
-        </a:xfrm>
-      </p:grpSpPr>
-      <p:sp>
-        <p:nvSpPr>
-          <p:cNvPr id="2" name="Title 1"/>
-          <p:cNvSpPr>
-            <a:spLocks noGrp="1"/>
-          </p:cNvSpPr>
-          <p:nvPr>
-            <p:ph type="title"/>
-          </p:nvPr>
-        </p:nvSpPr>
-        <p:spPr/>
-        <p:txBody>
-          <a:bodyPr/>
-          <a:lstStyle/>
-          <a:p>
-            <a:r>
-              <a:rPr lang="en-US" dirty="0" smtClean="0"/>
-              <a:t>Outline</a:t>
-            </a:r>
-            <a:endParaRPr lang="en-US" dirty="0"/>
-          </a:p>
-        </p:txBody>
-      </p:sp>
-      <p:sp>
-        <p:nvSpPr>
-          <p:cNvPr id="3" name="Content Placeholder 2"/>
-          <p:cNvSpPr>
-            <a:spLocks noGrp="1"/>
-          </p:cNvSpPr>
-          <p:nvPr>
-            <p:ph idx="1"/>
-          </p:nvPr>
-        </p:nvSpPr>
-        <p:spPr/>
-        <p:txBody>
-          <a:bodyPr>
-            <a:normAutofit/>
-          </a:bodyPr>
-          <a:lstStyle/>
-          <a:p>
-            <a:r>
-              <a:rPr lang="en-US" sz="2800" dirty="0" smtClean="0"/>
-              <a:t>Proton spectrum </a:t>
-            </a:r>
-          </a:p>
-          <a:p>
-            <a:pPr lvl="1"/>
-            <a:r>
-              <a:rPr lang="en-US" dirty="0" smtClean="0"/>
-              <a:t>Ideal case</a:t>
-            </a:r>
-          </a:p>
-          <a:p>
-            <a:pPr lvl="1"/>
-            <a:r>
-              <a:rPr lang="en-US" dirty="0" smtClean="0"/>
-              <a:t>Streak camera measurements</a:t>
-            </a:r>
-          </a:p>
-          <a:p>
-            <a:pPr lvl="1"/>
-            <a:r>
-              <a:rPr lang="en-US" dirty="0" smtClean="0"/>
-              <a:t>Run2 parameters</a:t>
-            </a:r>
-          </a:p>
-          <a:p>
-            <a:r>
-              <a:rPr lang="en-US" sz="2800" dirty="0" smtClean="0"/>
-              <a:t>Review </a:t>
-            </a:r>
-            <a:r>
-              <a:rPr lang="en-US" sz="2800" dirty="0"/>
-              <a:t>of the data of </a:t>
-            </a:r>
-            <a:r>
-              <a:rPr lang="en-US" sz="2800" dirty="0" smtClean="0"/>
-              <a:t>November</a:t>
-            </a:r>
-          </a:p>
-          <a:p>
-            <a:pPr lvl="1"/>
-            <a:r>
-              <a:rPr lang="en-US" dirty="0" smtClean="0"/>
-              <a:t>Some notes on the beam pipe aperture and the two BPM models</a:t>
-            </a:r>
-            <a:endParaRPr lang="en-US" dirty="0"/>
-          </a:p>
-          <a:p>
-            <a:r>
-              <a:rPr lang="en-US" sz="2800" dirty="0" smtClean="0"/>
-              <a:t>EM simulation of the present BPM</a:t>
-            </a:r>
-          </a:p>
-          <a:p>
-            <a:r>
-              <a:rPr lang="en-US" sz="2800" dirty="0" smtClean="0"/>
-              <a:t>VNA measurements in the lab on a spare</a:t>
-            </a:r>
-          </a:p>
-          <a:p>
-            <a:r>
-              <a:rPr lang="en-US" sz="2800" dirty="0" smtClean="0"/>
-              <a:t>Measurement proposal for the summer run</a:t>
-            </a:r>
-          </a:p>
-          <a:p>
-            <a:endParaRPr lang="en-US" sz="2800" dirty="0"/>
-          </a:p>
-        </p:txBody>
-      </p:sp>
-      <p:sp>
-        <p:nvSpPr>
-          <p:cNvPr id="8" name="Footer Placeholder 7"/>
-          <p:cNvSpPr>
-            <a:spLocks noGrp="1"/>
-          </p:cNvSpPr>
-          <p:nvPr>
-            <p:ph type="ftr" sz="quarter" idx="11"/>
-          </p:nvPr>
-        </p:nvSpPr>
-        <p:spPr/>
-        <p:txBody>
-          <a:bodyPr/>
-          <a:lstStyle/>
-          <a:p>
-            <a:r>
-              <a:rPr lang="en-US" smtClean="0"/>
-              <a:t>Status of the AWAKE eBPM studies - E. Senes</a:t>
-            </a:r>
-            <a:endParaRPr lang="en-US" dirty="0"/>
-          </a:p>
-        </p:txBody>
-      </p:sp>
-    </p:spTree>
-    <p:extLst>
-      <p:ext uri="{BB962C8B-B14F-4D97-AF65-F5344CB8AC3E}">
-        <p14:creationId xmlns:p14="http://schemas.microsoft.com/office/powerpoint/2010/main" val="1842844143"/>
-      </p:ext>
-    </p:extLst>
-  </p:cSld>
-  <p:clrMapOvr>
-    <a:masterClrMapping/>
-  </p:clrMapOvr>
-  <p:timing>
-    <p:tnLst>
-      <p:par>
-        <p:cTn id="1" dur="indefinite" restart="never" nodeType="tmRoot"/>
-      </p:par>
-    </p:tnLst>
-  </p:timing>
-</p:sld>
-</file>
-
-<file path=ppt/slides/slide3.xml><?xml version="1.0" encoding="utf-8"?>
-<p:sld xmlns:a="http://schemas.openxmlformats.org/drawingml/2006/main" xmlns:r="http://schemas.openxmlformats.org/officeDocument/2006/relationships" xmlns:p="http://schemas.openxmlformats.org/presentationml/2006/main">
-  <p:cSld>
-    <p:spTree>
-      <p:nvGrpSpPr>
-        <p:cNvPr id="1" name=""/>
-        <p:cNvGrpSpPr/>
-        <p:nvPr/>
-      </p:nvGrpSpPr>
-      <p:grpSpPr>
-        <a:xfrm>
-          <a:off x="0" y="0"/>
-          <a:ext cx="0" cy="0"/>
-          <a:chOff x="0" y="0"/>
-          <a:chExt cx="0" cy="0"/>
-        </a:xfrm>
-      </p:grpSpPr>
-      <p:sp>
-        <p:nvSpPr>
-          <p:cNvPr id="2" name="Title 1"/>
-          <p:cNvSpPr>
-            <a:spLocks noGrp="1"/>
-          </p:cNvSpPr>
-          <p:nvPr>
-            <p:ph type="title"/>
-          </p:nvPr>
-        </p:nvSpPr>
-        <p:spPr/>
-        <p:txBody>
-          <a:bodyPr/>
-          <a:lstStyle/>
-          <a:p>
-            <a:r>
-              <a:rPr lang="en-US" dirty="0" smtClean="0"/>
-              <a:t>Proton spectrum: </a:t>
-            </a:r>
-            <a:r>
-              <a:rPr lang="en-US" dirty="0" err="1" smtClean="0"/>
-              <a:t>gaussian</a:t>
-            </a:r>
-            <a:r>
-              <a:rPr lang="en-US" dirty="0" smtClean="0"/>
-              <a:t> beams </a:t>
-            </a:r>
-            <a:r>
-              <a:rPr lang="en-US" dirty="0" smtClean="0"/>
-              <a:t>case</a:t>
-            </a:r>
-            <a:endParaRPr lang="en-US" dirty="0"/>
-          </a:p>
-        </p:txBody>
-      </p:sp>
-      <p:sp>
-        <p:nvSpPr>
-          <p:cNvPr id="5" name="Footer Placeholder 4"/>
-          <p:cNvSpPr>
-            <a:spLocks noGrp="1"/>
-          </p:cNvSpPr>
-          <p:nvPr>
-            <p:ph type="ftr" sz="quarter" idx="11"/>
-          </p:nvPr>
-        </p:nvSpPr>
-        <p:spPr/>
-        <p:txBody>
-          <a:bodyPr/>
-          <a:lstStyle/>
-          <a:p>
-            <a:r>
-              <a:rPr lang="en-US" smtClean="0"/>
-              <a:t>Status of the AWAKE eBPM studies - E. Senes</a:t>
-            </a:r>
-            <a:endParaRPr lang="en-US" dirty="0"/>
-          </a:p>
-        </p:txBody>
-      </p:sp>
-      <p:pic>
-        <p:nvPicPr>
-          <p:cNvPr id="7" name="Picture 6"/>
-          <p:cNvPicPr>
-            <a:picLocks noChangeAspect="1"/>
-          </p:cNvPicPr>
-          <p:nvPr/>
-        </p:nvPicPr>
-        <p:blipFill>
-          <a:blip r:embed="rId2">
-            <a:extLst>
-              <a:ext uri="{28A0092B-C50C-407E-A947-70E740481C1C}">
-                <a14:useLocalDpi xmlns:a14="http://schemas.microsoft.com/office/drawing/2010/main" val="0"/>
-              </a:ext>
-            </a:extLst>
-          </a:blip>
-          <a:stretch>
-            <a:fillRect/>
-          </a:stretch>
-        </p:blipFill>
-        <p:spPr>
-          <a:xfrm>
-            <a:off x="0" y="1097402"/>
-            <a:ext cx="6609347" cy="4406231"/>
-          </a:xfrm>
-          <a:prstGeom prst="rect">
-            <a:avLst/>
-          </a:prstGeom>
-        </p:spPr>
-      </p:pic>
-      <p:sp>
-        <p:nvSpPr>
-          <p:cNvPr id="3" name="Content Placeholder 2"/>
-          <p:cNvSpPr>
-            <a:spLocks noGrp="1"/>
-          </p:cNvSpPr>
-          <p:nvPr>
-            <p:ph idx="1"/>
-          </p:nvPr>
-        </p:nvSpPr>
-        <p:spPr>
-          <a:xfrm>
-            <a:off x="6156176" y="1609029"/>
-            <a:ext cx="2629272" cy="3605903"/>
-          </a:xfrm>
-        </p:spPr>
-        <p:txBody>
-          <a:bodyPr/>
-          <a:lstStyle/>
-          <a:p>
-            <a:pPr marL="0" indent="0">
-              <a:buNone/>
-            </a:pPr>
-            <a:r>
-              <a:rPr lang="en-US" b="1" dirty="0" smtClean="0"/>
-              <a:t>Gaussian case:</a:t>
-            </a:r>
-          </a:p>
-          <a:p>
-            <a:pPr marL="0" indent="0">
-              <a:buNone/>
-            </a:pPr>
-            <a:r>
-              <a:rPr lang="en-US" dirty="0" smtClean="0"/>
-              <a:t>For the present setup: </a:t>
-            </a:r>
-          </a:p>
-          <a:p>
-            <a:r>
-              <a:rPr lang="en-US" dirty="0" smtClean="0"/>
-              <a:t>3e11 protons</a:t>
-            </a:r>
-          </a:p>
-          <a:p>
-            <a:r>
-              <a:rPr lang="en-US" dirty="0" smtClean="0"/>
-              <a:t>600 </a:t>
-            </a:r>
-            <a:r>
-              <a:rPr lang="en-US" dirty="0" err="1" smtClean="0"/>
-              <a:t>pC</a:t>
-            </a:r>
-            <a:r>
-              <a:rPr lang="en-US" dirty="0" smtClean="0"/>
-              <a:t> electrons</a:t>
-            </a:r>
-          </a:p>
-          <a:p>
-            <a:pPr marL="0" indent="0">
-              <a:buNone/>
-            </a:pPr>
-            <a:r>
-              <a:rPr lang="en-US" dirty="0" smtClean="0"/>
-              <a:t>Expected 35-38 dB difference at zero frequency</a:t>
-            </a:r>
-          </a:p>
-        </p:txBody>
-      </p:sp>
-    </p:spTree>
-    <p:extLst>
-      <p:ext uri="{BB962C8B-B14F-4D97-AF65-F5344CB8AC3E}">
-        <p14:creationId xmlns:p14="http://schemas.microsoft.com/office/powerpoint/2010/main" val="1290460415"/>
-      </p:ext>
-    </p:extLst>
-  </p:cSld>
-  <p:clrMapOvr>
-    <a:masterClrMapping/>
-  </p:clrMapOvr>
-  <p:timing>
-    <p:tnLst>
-      <p:par>
-        <p:cTn id="1" dur="indefinite" restart="never" nodeType="tmRoot"/>
-      </p:par>
-    </p:tnLst>
-  </p:timing>
-</p:sld>
-</file>
-
-<file path=ppt/slides/slide4.xml><?xml version="1.0" encoding="utf-8"?>
-<p:sld xmlns:a="http://schemas.openxmlformats.org/drawingml/2006/main" xmlns:r="http://schemas.openxmlformats.org/officeDocument/2006/relationships" xmlns:p="http://schemas.openxmlformats.org/presentationml/2006/main">
-  <p:cSld>
-    <p:spTree>
-      <p:nvGrpSpPr>
-        <p:cNvPr id="1" name=""/>
-        <p:cNvGrpSpPr/>
-        <p:nvPr/>
-      </p:nvGrpSpPr>
-      <p:grpSpPr>
-        <a:xfrm>
-          <a:off x="0" y="0"/>
-          <a:ext cx="0" cy="0"/>
-          <a:chOff x="0" y="0"/>
-          <a:chExt cx="0" cy="0"/>
-        </a:xfrm>
-      </p:grpSpPr>
-      <p:pic>
-        <p:nvPicPr>
-          <p:cNvPr id="7" name="Picture 6"/>
-          <p:cNvPicPr>
-            <a:picLocks noChangeAspect="1"/>
-          </p:cNvPicPr>
-          <p:nvPr/>
-        </p:nvPicPr>
-        <p:blipFill>
-          <a:blip r:embed="rId2">
-            <a:extLst>
-              <a:ext uri="{28A0092B-C50C-407E-A947-70E740481C1C}">
-                <a14:useLocalDpi xmlns:a14="http://schemas.microsoft.com/office/drawing/2010/main" val="0"/>
-              </a:ext>
-            </a:extLst>
-          </a:blip>
-          <a:stretch>
-            <a:fillRect/>
-          </a:stretch>
-        </p:blipFill>
-        <p:spPr>
-          <a:xfrm>
-            <a:off x="4488657" y="1790700"/>
-            <a:ext cx="4566008" cy="4566008"/>
-          </a:xfrm>
-          <a:prstGeom prst="rect">
-            <a:avLst/>
-          </a:prstGeom>
-        </p:spPr>
-      </p:pic>
-      <p:sp>
-        <p:nvSpPr>
-          <p:cNvPr id="2" name="Title 1"/>
-          <p:cNvSpPr>
-            <a:spLocks noGrp="1"/>
-          </p:cNvSpPr>
-          <p:nvPr>
-            <p:ph type="title"/>
-          </p:nvPr>
-        </p:nvSpPr>
-        <p:spPr/>
-        <p:txBody>
-          <a:bodyPr/>
-          <a:lstStyle/>
-          <a:p>
-            <a:r>
-              <a:rPr lang="en-US" dirty="0" smtClean="0"/>
-              <a:t>Streak </a:t>
-            </a:r>
-            <a:r>
-              <a:rPr lang="en-US" smtClean="0"/>
-              <a:t>camera measurements</a:t>
-            </a:r>
-            <a:endParaRPr lang="en-US"/>
-          </a:p>
-        </p:txBody>
-      </p:sp>
-      <p:sp>
-        <p:nvSpPr>
-          <p:cNvPr id="3" name="Content Placeholder 2"/>
-          <p:cNvSpPr>
-            <a:spLocks noGrp="1"/>
-          </p:cNvSpPr>
-          <p:nvPr>
-            <p:ph idx="1"/>
-          </p:nvPr>
-        </p:nvSpPr>
-        <p:spPr>
-          <a:xfrm>
-            <a:off x="457200" y="1316248"/>
-            <a:ext cx="8229600" cy="5165515"/>
-          </a:xfrm>
-        </p:spPr>
-        <p:txBody>
-          <a:bodyPr/>
-          <a:lstStyle/>
-          <a:p>
-            <a:r>
-              <a:rPr lang="en-US" b="1" dirty="0" smtClean="0"/>
-              <a:t>Key question: </a:t>
-            </a:r>
-            <a:r>
-              <a:rPr lang="en-US" dirty="0" smtClean="0"/>
-              <a:t>how long does the proton spectrum extends in the frequency range ?</a:t>
-            </a:r>
-            <a:endParaRPr lang="en-US" dirty="0"/>
-          </a:p>
-        </p:txBody>
-      </p:sp>
-      <p:sp>
-        <p:nvSpPr>
-          <p:cNvPr id="5" name="Footer Placeholder 4"/>
-          <p:cNvSpPr>
-            <a:spLocks noGrp="1"/>
-          </p:cNvSpPr>
-          <p:nvPr>
-            <p:ph type="ftr" sz="quarter" idx="11"/>
-          </p:nvPr>
-        </p:nvSpPr>
-        <p:spPr/>
-        <p:txBody>
-          <a:bodyPr/>
-          <a:lstStyle/>
-          <a:p>
-            <a:r>
-              <a:rPr lang="en-US" smtClean="0"/>
-              <a:t>Status of the AWAKE eBPM studies - E. Senes</a:t>
-            </a:r>
-            <a:endParaRPr lang="en-US" dirty="0"/>
-          </a:p>
-        </p:txBody>
-      </p:sp>
-      <p:pic>
-        <p:nvPicPr>
-          <p:cNvPr id="8" name="Picture 7"/>
-          <p:cNvPicPr>
-            <a:picLocks noChangeAspect="1"/>
-          </p:cNvPicPr>
-          <p:nvPr/>
-        </p:nvPicPr>
-        <p:blipFill>
-          <a:blip r:embed="rId3">
-            <a:extLst>
-              <a:ext uri="{28A0092B-C50C-407E-A947-70E740481C1C}">
-                <a14:useLocalDpi xmlns:a14="http://schemas.microsoft.com/office/drawing/2010/main" val="0"/>
-              </a:ext>
-            </a:extLst>
-          </a:blip>
-          <a:stretch>
-            <a:fillRect/>
-          </a:stretch>
-        </p:blipFill>
-        <p:spPr>
-          <a:xfrm>
-            <a:off x="107950" y="2565400"/>
-            <a:ext cx="4564857" cy="3043238"/>
-          </a:xfrm>
-          <a:prstGeom prst="rect">
-            <a:avLst/>
-          </a:prstGeom>
-        </p:spPr>
-      </p:pic>
-    </p:spTree>
-    <p:extLst>
-      <p:ext uri="{BB962C8B-B14F-4D97-AF65-F5344CB8AC3E}">
-        <p14:creationId xmlns:p14="http://schemas.microsoft.com/office/powerpoint/2010/main" val="1330843852"/>
-      </p:ext>
-    </p:extLst>
-  </p:cSld>
-  <p:clrMapOvr>
-    <a:masterClrMapping/>
-  </p:clrMapOvr>
-  <p:timing>
-    <p:tnLst>
-      <p:par>
-        <p:cTn id="1" dur="indefinite" restart="never" nodeType="tmRoot"/>
-      </p:par>
-    </p:tnLst>
-  </p:timing>
-</p:sld>
-</file>
-
-<file path=ppt/slides/slide5.xml><?xml version="1.0" encoding="utf-8"?>
-<p:sld xmlns:a="http://schemas.openxmlformats.org/drawingml/2006/main" xmlns:r="http://schemas.openxmlformats.org/officeDocument/2006/relationships" xmlns:p="http://schemas.openxmlformats.org/presentationml/2006/main">
-  <p:cSld>
-    <p:spTree>
-      <p:nvGrpSpPr>
-        <p:cNvPr id="1" name=""/>
-        <p:cNvGrpSpPr/>
-        <p:nvPr/>
-      </p:nvGrpSpPr>
-      <p:grpSpPr>
-        <a:xfrm>
-          <a:off x="0" y="0"/>
-          <a:ext cx="0" cy="0"/>
-          <a:chOff x="0" y="0"/>
-          <a:chExt cx="0" cy="0"/>
-        </a:xfrm>
-      </p:grpSpPr>
-      <p:sp>
-        <p:nvSpPr>
-          <p:cNvPr id="2" name="Title 1"/>
-          <p:cNvSpPr>
-            <a:spLocks noGrp="1"/>
-          </p:cNvSpPr>
-          <p:nvPr>
-            <p:ph type="title"/>
-          </p:nvPr>
-        </p:nvSpPr>
-        <p:spPr/>
-        <p:txBody>
-          <a:bodyPr/>
-          <a:lstStyle/>
-          <a:p>
-            <a:r>
-              <a:rPr lang="en-US" dirty="0" smtClean="0"/>
-              <a:t>Streak camera reliability</a:t>
-            </a:r>
-            <a:endParaRPr lang="en-US" dirty="0"/>
-          </a:p>
-        </p:txBody>
-      </p:sp>
-      <p:sp>
-        <p:nvSpPr>
-          <p:cNvPr id="3" name="Content Placeholder 2"/>
-          <p:cNvSpPr>
-            <a:spLocks noGrp="1"/>
-          </p:cNvSpPr>
-          <p:nvPr>
-            <p:ph idx="1"/>
-          </p:nvPr>
-        </p:nvSpPr>
-        <p:spPr>
-          <a:xfrm>
-            <a:off x="457200" y="960648"/>
-            <a:ext cx="8229600" cy="5492688"/>
-          </a:xfrm>
-        </p:spPr>
-        <p:txBody>
-          <a:bodyPr>
-            <a:normAutofit/>
-          </a:bodyPr>
-          <a:lstStyle/>
-          <a:p>
-            <a:r>
-              <a:rPr lang="en-GB" dirty="0" smtClean="0"/>
-              <a:t>The presence of a </a:t>
-            </a:r>
-            <a:r>
-              <a:rPr lang="en-GB" b="1" dirty="0" smtClean="0"/>
-              <a:t>fine structure in the proton bunch is interesting for AWAKE</a:t>
-            </a:r>
-            <a:r>
-              <a:rPr lang="en-GB" dirty="0" smtClean="0"/>
-              <a:t> as it might be the trigger for seeded instability</a:t>
-            </a:r>
-          </a:p>
-          <a:p>
-            <a:r>
-              <a:rPr lang="en-GB" dirty="0" smtClean="0"/>
-              <a:t>The streak camera has been </a:t>
-            </a:r>
-            <a:r>
-              <a:rPr lang="en-GB" b="1" dirty="0" smtClean="0"/>
-              <a:t>well characterised</a:t>
-            </a:r>
-            <a:r>
-              <a:rPr lang="en-GB" dirty="0" smtClean="0"/>
-              <a:t> in a master thesis work</a:t>
-            </a:r>
-          </a:p>
-          <a:p>
-            <a:pPr lvl="1"/>
-            <a:r>
-              <a:rPr lang="en-GB" dirty="0" smtClean="0"/>
-              <a:t>K. </a:t>
-            </a:r>
-            <a:r>
-              <a:rPr lang="en-GB" dirty="0" err="1" smtClean="0"/>
-              <a:t>Rieger</a:t>
-            </a:r>
-            <a:r>
-              <a:rPr lang="en-GB" dirty="0" smtClean="0"/>
-              <a:t>, </a:t>
-            </a:r>
-            <a:r>
-              <a:rPr lang="en-GB" i="1" dirty="0"/>
-              <a:t>Streak cameras and optical transition radiation </a:t>
-            </a:r>
-            <a:r>
-              <a:rPr lang="en-GB" i="1" dirty="0" smtClean="0"/>
-              <a:t>as a </a:t>
-            </a:r>
-            <a:r>
-              <a:rPr lang="en-GB" i="1" dirty="0"/>
-              <a:t>diagnostic for self-modulation of </a:t>
-            </a:r>
-            <a:r>
-              <a:rPr lang="en-GB" i="1" dirty="0" smtClean="0"/>
-              <a:t>charged particle </a:t>
-            </a:r>
-            <a:r>
-              <a:rPr lang="en-GB" i="1" dirty="0"/>
-              <a:t>beams in </a:t>
-            </a:r>
-            <a:r>
-              <a:rPr lang="en-GB" i="1" dirty="0" smtClean="0"/>
-              <a:t>plasmas</a:t>
-            </a:r>
-            <a:r>
-              <a:rPr lang="en-GB" dirty="0" smtClean="0"/>
-              <a:t>, MSc. Thesis, TUM, Munich, Germany, January 2015</a:t>
-            </a:r>
-          </a:p>
-          <a:p>
-            <a:pPr lvl="1"/>
-            <a:r>
-              <a:rPr lang="en-GB" dirty="0" smtClean="0"/>
-              <a:t>K. </a:t>
-            </a:r>
-            <a:r>
-              <a:rPr lang="en-GB" dirty="0" err="1" smtClean="0"/>
-              <a:t>Rieger</a:t>
-            </a:r>
-            <a:r>
-              <a:rPr lang="en-GB" dirty="0" smtClean="0"/>
-              <a:t> et al, </a:t>
-            </a:r>
-            <a:r>
-              <a:rPr lang="en-GB" i="1" dirty="0" smtClean="0"/>
-              <a:t>GHz modulation detection using a streak camera: </a:t>
-            </a:r>
-            <a:r>
-              <a:rPr lang="en-GB" i="1" dirty="0" err="1" smtClean="0"/>
-              <a:t>Suitablilty</a:t>
-            </a:r>
-            <a:r>
-              <a:rPr lang="en-GB" i="1" dirty="0" smtClean="0"/>
-              <a:t> of streak cameras in the AWAKE experiment</a:t>
-            </a:r>
-            <a:r>
-              <a:rPr lang="en-GB" dirty="0" smtClean="0"/>
-              <a:t>, Rev. of Scientific Instr. 88, 025110, 2017, corrected Jan. 2018</a:t>
-            </a:r>
-          </a:p>
-          <a:p>
-            <a:r>
-              <a:rPr lang="en-GB" dirty="0" smtClean="0"/>
-              <a:t>It concludes that the streak camera looks behaving well up </a:t>
-            </a:r>
-            <a:br>
-              <a:rPr lang="en-GB" dirty="0" smtClean="0"/>
-            </a:br>
-            <a:r>
-              <a:rPr lang="en-GB" dirty="0" smtClean="0"/>
-              <a:t>to ~300 GHz !</a:t>
-            </a:r>
-            <a:endParaRPr lang="en-GB" dirty="0"/>
-          </a:p>
-        </p:txBody>
-      </p:sp>
-      <p:sp>
-        <p:nvSpPr>
-          <p:cNvPr id="5" name="Footer Placeholder 4"/>
-          <p:cNvSpPr>
-            <a:spLocks noGrp="1"/>
-          </p:cNvSpPr>
-          <p:nvPr>
-            <p:ph type="ftr" sz="quarter" idx="11"/>
-          </p:nvPr>
-        </p:nvSpPr>
-        <p:spPr/>
-        <p:txBody>
-          <a:bodyPr/>
-          <a:lstStyle/>
-          <a:p>
-            <a:r>
-              <a:rPr lang="en-US" smtClean="0"/>
-              <a:t>Status of the AWAKE eBPM studies - E. Senes</a:t>
-            </a:r>
-            <a:endParaRPr lang="en-US" dirty="0"/>
-          </a:p>
-        </p:txBody>
-      </p:sp>
-    </p:spTree>
-    <p:extLst>
-      <p:ext uri="{BB962C8B-B14F-4D97-AF65-F5344CB8AC3E}">
-        <p14:creationId xmlns:p14="http://schemas.microsoft.com/office/powerpoint/2010/main" val="1450437059"/>
-      </p:ext>
-    </p:extLst>
-  </p:cSld>
-  <p:clrMapOvr>
-    <a:masterClrMapping/>
-  </p:clrMapOvr>
-  <p:timing>
-    <p:tnLst>
-      <p:par>
-        <p:cTn id="1" dur="indefinite" restart="never" nodeType="tmRoot"/>
-      </p:par>
-    </p:tnLst>
-  </p:timing>
-</p:sld>
-</file>
-
-<file path=ppt/slides/slide6.xml><?xml version="1.0" encoding="utf-8"?>
-<p:sld xmlns:a="http://schemas.openxmlformats.org/drawingml/2006/main" xmlns:r="http://schemas.openxmlformats.org/officeDocument/2006/relationships" xmlns:p="http://schemas.openxmlformats.org/presentationml/2006/main">
-  <p:cSld>
-    <p:spTree>
-      <p:nvGrpSpPr>
-        <p:cNvPr id="1" name=""/>
-        <p:cNvGrpSpPr/>
-        <p:nvPr/>
-      </p:nvGrpSpPr>
-      <p:grpSpPr>
-        <a:xfrm>
-          <a:off x="0" y="0"/>
-          <a:ext cx="0" cy="0"/>
-          <a:chOff x="0" y="0"/>
-          <a:chExt cx="0" cy="0"/>
-        </a:xfrm>
-      </p:grpSpPr>
-      <p:sp>
-        <p:nvSpPr>
-          <p:cNvPr id="2" name="Title 1"/>
-          <p:cNvSpPr>
-            <a:spLocks noGrp="1"/>
-          </p:cNvSpPr>
-          <p:nvPr>
-            <p:ph type="title"/>
-          </p:nvPr>
-        </p:nvSpPr>
-        <p:spPr/>
-        <p:txBody>
-          <a:bodyPr/>
-          <a:lstStyle/>
-          <a:p>
-            <a:r>
-              <a:rPr lang="en-US" dirty="0" smtClean="0"/>
-              <a:t>Streak camera reliability</a:t>
-            </a:r>
-            <a:endParaRPr lang="en-US" dirty="0"/>
-          </a:p>
-        </p:txBody>
-      </p:sp>
-      <p:sp>
-        <p:nvSpPr>
-          <p:cNvPr id="3" name="Content Placeholder 2"/>
-          <p:cNvSpPr>
-            <a:spLocks noGrp="1"/>
-          </p:cNvSpPr>
-          <p:nvPr>
-            <p:ph idx="1"/>
-          </p:nvPr>
-        </p:nvSpPr>
-        <p:spPr>
-          <a:xfrm>
-            <a:off x="457200" y="960648"/>
-            <a:ext cx="8229600" cy="5492688"/>
-          </a:xfrm>
-        </p:spPr>
-        <p:txBody>
-          <a:bodyPr>
-            <a:normAutofit/>
-          </a:bodyPr>
-          <a:lstStyle/>
-          <a:p>
-            <a:r>
-              <a:rPr lang="en-GB" dirty="0" smtClean="0"/>
-              <a:t>The presence of a </a:t>
-            </a:r>
-            <a:r>
-              <a:rPr lang="en-GB" b="1" dirty="0" smtClean="0"/>
-              <a:t>fine structure in the proton bunch is interesting for AWAKE</a:t>
-            </a:r>
-            <a:r>
-              <a:rPr lang="en-GB" dirty="0" smtClean="0"/>
-              <a:t> as it might be the trigger for seeded instability</a:t>
-            </a:r>
-          </a:p>
-          <a:p>
-            <a:r>
-              <a:rPr lang="en-GB" b="1" dirty="0"/>
-              <a:t>No suitable instrumentation</a:t>
-            </a:r>
-            <a:r>
-              <a:rPr lang="en-GB" dirty="0"/>
-              <a:t> is installed </a:t>
-            </a:r>
-            <a:r>
-              <a:rPr lang="en-GB" b="1" dirty="0"/>
-              <a:t>in the SPS </a:t>
-            </a:r>
-            <a:r>
-              <a:rPr lang="en-GB" dirty="0"/>
-              <a:t>to investigate in the tens of GHz regime.</a:t>
-            </a:r>
-          </a:p>
-          <a:p>
-            <a:pPr lvl="1"/>
-            <a:r>
-              <a:rPr lang="en-GB" dirty="0"/>
-              <a:t>WCM -3dB </a:t>
-            </a:r>
-            <a:r>
-              <a:rPr lang="en-GB" dirty="0" err="1"/>
-              <a:t>cutoff</a:t>
-            </a:r>
-            <a:r>
-              <a:rPr lang="en-GB" dirty="0"/>
-              <a:t> frequency  is 2.2 GHz, and it is believed that it behaves well up to ~3.5 </a:t>
-            </a:r>
-            <a:r>
-              <a:rPr lang="en-GB" dirty="0" smtClean="0"/>
-              <a:t>GHz ... Definitely not enough</a:t>
-            </a:r>
-          </a:p>
-          <a:p>
-            <a:r>
-              <a:rPr lang="en-GB" b="1" dirty="0" smtClean="0"/>
-              <a:t>The validation of the reliability of the streak camera is pending. </a:t>
-            </a:r>
-            <a:r>
-              <a:rPr lang="en-GB" dirty="0" smtClean="0"/>
-              <a:t>Hamamatsu experts have been pulled in the loop. </a:t>
-            </a:r>
-          </a:p>
-          <a:p>
-            <a:pPr lvl="1"/>
-            <a:r>
-              <a:rPr lang="en-GB" dirty="0" smtClean="0"/>
-              <a:t>High frequency noise can be introduced by the nature of the streak camera measurement itself. Shot by shot use could be problematic. Normally a very low light is employed and the profiles are averaged in order to resolve the bunch length by fitting (chat with Stefano).</a:t>
-            </a:r>
-          </a:p>
-          <a:p>
-            <a:pPr lvl="1"/>
-            <a:r>
-              <a:rPr lang="en-GB" dirty="0" smtClean="0"/>
-              <a:t>Does being able to resolve 300 GHz keep us safe from these HF components ?</a:t>
-            </a:r>
-          </a:p>
-          <a:p>
-            <a:pPr lvl="1"/>
-            <a:endParaRPr lang="en-GB" dirty="0" smtClean="0"/>
-          </a:p>
-        </p:txBody>
-      </p:sp>
-      <p:sp>
-        <p:nvSpPr>
-          <p:cNvPr id="5" name="Footer Placeholder 4"/>
-          <p:cNvSpPr>
-            <a:spLocks noGrp="1"/>
-          </p:cNvSpPr>
-          <p:nvPr>
-            <p:ph type="ftr" sz="quarter" idx="11"/>
-          </p:nvPr>
-        </p:nvSpPr>
-        <p:spPr/>
-        <p:txBody>
-          <a:bodyPr/>
-          <a:lstStyle/>
-          <a:p>
-            <a:r>
-              <a:rPr lang="en-US" smtClean="0"/>
-              <a:t>Status of the AWAKE eBPM studies - E. Senes</a:t>
-            </a:r>
-            <a:endParaRPr lang="en-US" dirty="0"/>
-          </a:p>
-        </p:txBody>
-      </p:sp>
-    </p:spTree>
-    <p:extLst>
-      <p:ext uri="{BB962C8B-B14F-4D97-AF65-F5344CB8AC3E}">
-        <p14:creationId xmlns:p14="http://schemas.microsoft.com/office/powerpoint/2010/main" val="200247106"/>
-      </p:ext>
-    </p:extLst>
-  </p:cSld>
-  <p:clrMapOvr>
-    <a:masterClrMapping/>
-  </p:clrMapOvr>
-  <p:timing>
-    <p:tnLst>
-      <p:par>
-        <p:cTn id="1" dur="indefinite" restart="never" nodeType="tmRoot"/>
-      </p:par>
-    </p:tnLst>
-  </p:timing>
-</p:sld>
-</file>
-
-<file path=ppt/slides/slide7.xml><?xml version="1.0" encoding="utf-8"?>
-<p:sld xmlns:a="http://schemas.openxmlformats.org/drawingml/2006/main" xmlns:r="http://schemas.openxmlformats.org/officeDocument/2006/relationships" xmlns:p="http://schemas.openxmlformats.org/presentationml/2006/main">
-  <p:cSld>
-    <p:spTree>
-      <p:nvGrpSpPr>
-        <p:cNvPr id="1" name=""/>
-        <p:cNvGrpSpPr/>
-        <p:nvPr/>
-      </p:nvGrpSpPr>
-      <p:grpSpPr>
-        <a:xfrm>
-          <a:off x="0" y="0"/>
-          <a:ext cx="0" cy="0"/>
-          <a:chOff x="0" y="0"/>
-          <a:chExt cx="0" cy="0"/>
-        </a:xfrm>
-      </p:grpSpPr>
-      <p:pic>
-        <p:nvPicPr>
-          <p:cNvPr id="7" name="Picture 6"/>
-          <p:cNvPicPr>
-            <a:picLocks noChangeAspect="1"/>
-          </p:cNvPicPr>
-          <p:nvPr/>
-        </p:nvPicPr>
-        <p:blipFill>
-          <a:blip r:embed="rId2">
-            <a:extLst>
-              <a:ext uri="{28A0092B-C50C-407E-A947-70E740481C1C}">
-                <a14:useLocalDpi xmlns:a14="http://schemas.microsoft.com/office/drawing/2010/main" val="0"/>
-              </a:ext>
-            </a:extLst>
-          </a:blip>
-          <a:stretch>
-            <a:fillRect/>
-          </a:stretch>
-        </p:blipFill>
-        <p:spPr>
-          <a:xfrm>
-            <a:off x="4542634" y="1165583"/>
-            <a:ext cx="4979910" cy="4612917"/>
-          </a:xfrm>
-          <a:prstGeom prst="rect">
-            <a:avLst/>
-          </a:prstGeom>
-        </p:spPr>
-      </p:pic>
-      <p:sp>
-        <p:nvSpPr>
-          <p:cNvPr id="2" name="Title 1"/>
-          <p:cNvSpPr>
-            <a:spLocks noGrp="1"/>
-          </p:cNvSpPr>
-          <p:nvPr>
-            <p:ph type="title"/>
-          </p:nvPr>
-        </p:nvSpPr>
-        <p:spPr/>
-        <p:txBody>
-          <a:bodyPr/>
-          <a:lstStyle/>
-          <a:p>
-            <a:r>
-              <a:rPr lang="en-US" dirty="0" smtClean="0"/>
-              <a:t>AWAKE run 2 parameters</a:t>
-            </a:r>
-            <a:endParaRPr lang="en-US" dirty="0"/>
-          </a:p>
-        </p:txBody>
-      </p:sp>
-      <p:sp>
-        <p:nvSpPr>
-          <p:cNvPr id="3" name="Content Placeholder 2"/>
-          <p:cNvSpPr>
-            <a:spLocks noGrp="1"/>
-          </p:cNvSpPr>
-          <p:nvPr>
-            <p:ph idx="1"/>
-          </p:nvPr>
-        </p:nvSpPr>
-        <p:spPr>
-          <a:xfrm>
-            <a:off x="457200" y="960648"/>
-            <a:ext cx="4432300" cy="5165515"/>
-          </a:xfrm>
-        </p:spPr>
-        <p:txBody>
-          <a:bodyPr/>
-          <a:lstStyle/>
-          <a:p>
-            <a:pPr>
-              <a:spcBef>
-                <a:spcPts val="0"/>
-              </a:spcBef>
-            </a:pPr>
-            <a:r>
-              <a:rPr lang="en-US" dirty="0" smtClean="0"/>
-              <a:t>The usual </a:t>
-            </a:r>
-            <a:r>
-              <a:rPr lang="en-US" b="1" dirty="0" smtClean="0"/>
-              <a:t>design parameter frequent variation problem </a:t>
-            </a:r>
-            <a:r>
-              <a:rPr lang="en-US" dirty="0" smtClean="0"/>
-              <a:t>with AWAKE persists. Assuming</a:t>
-            </a:r>
-          </a:p>
-          <a:p>
-            <a:pPr lvl="1">
-              <a:spcBef>
-                <a:spcPts val="0"/>
-              </a:spcBef>
-            </a:pPr>
-            <a:r>
-              <a:rPr lang="en-US" b="1" dirty="0" smtClean="0">
-                <a:solidFill>
-                  <a:srgbClr val="0432FF"/>
-                </a:solidFill>
-              </a:rPr>
-              <a:t>Protons</a:t>
-            </a:r>
-            <a:r>
-              <a:rPr lang="en-US" dirty="0" smtClean="0"/>
-              <a:t> as today</a:t>
-            </a:r>
-          </a:p>
-          <a:p>
-            <a:pPr lvl="2">
-              <a:spcBef>
-                <a:spcPts val="0"/>
-              </a:spcBef>
-            </a:pPr>
-            <a:r>
-              <a:rPr lang="en-US" dirty="0" smtClean="0"/>
-              <a:t>3e11 ppb</a:t>
-            </a:r>
-          </a:p>
-          <a:p>
-            <a:pPr lvl="2">
-              <a:spcBef>
-                <a:spcPts val="0"/>
-              </a:spcBef>
-            </a:pPr>
-            <a:r>
-              <a:rPr lang="en-US" dirty="0" smtClean="0"/>
-              <a:t>1ns bunch length </a:t>
-            </a:r>
-            <a:r>
-              <a:rPr lang="en-US" dirty="0"/>
-              <a:t>(4σ</a:t>
-            </a:r>
-            <a:r>
-              <a:rPr lang="en-US" dirty="0" smtClean="0"/>
-              <a:t>)</a:t>
-            </a:r>
-          </a:p>
-          <a:p>
-            <a:pPr lvl="1">
-              <a:spcBef>
-                <a:spcPts val="0"/>
-              </a:spcBef>
-            </a:pPr>
-            <a:r>
-              <a:rPr lang="en-US" b="1" dirty="0" smtClean="0">
-                <a:solidFill>
-                  <a:srgbClr val="FF0000"/>
-                </a:solidFill>
-              </a:rPr>
-              <a:t>Electrons</a:t>
-            </a:r>
-            <a:r>
-              <a:rPr lang="en-US" dirty="0" smtClean="0">
-                <a:solidFill>
-                  <a:srgbClr val="FF0000"/>
-                </a:solidFill>
-              </a:rPr>
-              <a:t> </a:t>
-            </a:r>
-            <a:r>
-              <a:rPr lang="en-US" dirty="0" smtClean="0"/>
-              <a:t>(worst case): </a:t>
-            </a:r>
-          </a:p>
-          <a:p>
-            <a:pPr lvl="2">
-              <a:spcBef>
-                <a:spcPts val="0"/>
-              </a:spcBef>
-            </a:pPr>
-            <a:r>
-              <a:rPr lang="en-US" dirty="0" smtClean="0"/>
-              <a:t>100 </a:t>
-            </a:r>
-            <a:r>
-              <a:rPr lang="en-US" dirty="0" err="1" smtClean="0"/>
-              <a:t>pC</a:t>
-            </a:r>
-            <a:r>
-              <a:rPr lang="en-US" dirty="0" smtClean="0"/>
-              <a:t> charge</a:t>
-            </a:r>
-          </a:p>
-          <a:p>
-            <a:pPr lvl="2">
-              <a:spcBef>
-                <a:spcPts val="0"/>
-              </a:spcBef>
-            </a:pPr>
-            <a:r>
-              <a:rPr lang="en-US" dirty="0" smtClean="0"/>
-              <a:t>50-100 fs bunch length(4σ)</a:t>
-            </a:r>
-          </a:p>
-          <a:p>
-            <a:pPr>
-              <a:spcBef>
-                <a:spcPts val="0"/>
-              </a:spcBef>
-            </a:pPr>
-            <a:endParaRPr lang="en-US" dirty="0" smtClean="0"/>
-          </a:p>
-          <a:p>
-            <a:pPr>
-              <a:spcBef>
-                <a:spcPts val="0"/>
-              </a:spcBef>
-            </a:pPr>
-            <a:r>
-              <a:rPr lang="en-US" dirty="0" smtClean="0"/>
-              <a:t>At such parameters, the difference between protons and electrons (</a:t>
-            </a:r>
-            <a:r>
-              <a:rPr lang="en-US" dirty="0" err="1" smtClean="0"/>
-              <a:t>gaussian</a:t>
-            </a:r>
-            <a:r>
-              <a:rPr lang="en-US" dirty="0" smtClean="0"/>
-              <a:t> case) is ~55 dB !!</a:t>
-            </a:r>
-            <a:endParaRPr lang="en-US" dirty="0"/>
-          </a:p>
-        </p:txBody>
-      </p:sp>
-      <p:sp>
-        <p:nvSpPr>
-          <p:cNvPr id="5" name="Footer Placeholder 4"/>
-          <p:cNvSpPr>
-            <a:spLocks noGrp="1"/>
-          </p:cNvSpPr>
-          <p:nvPr>
-            <p:ph type="ftr" sz="quarter" idx="11"/>
-          </p:nvPr>
-        </p:nvSpPr>
-        <p:spPr/>
-        <p:txBody>
-          <a:bodyPr/>
-          <a:lstStyle/>
-          <a:p>
-            <a:r>
-              <a:rPr lang="en-US" smtClean="0"/>
-              <a:t>Status of the AWAKE eBPM studies - E. Senes</a:t>
-            </a:r>
-            <a:endParaRPr lang="en-US" dirty="0"/>
-          </a:p>
-        </p:txBody>
-      </p:sp>
-    </p:spTree>
-    <p:extLst>
-      <p:ext uri="{BB962C8B-B14F-4D97-AF65-F5344CB8AC3E}">
-        <p14:creationId xmlns:p14="http://schemas.microsoft.com/office/powerpoint/2010/main" val="468880989"/>
-      </p:ext>
-    </p:extLst>
-  </p:cSld>
-  <p:clrMapOvr>
-    <a:masterClrMapping/>
-  </p:clrMapOvr>
-  <p:timing>
-    <p:tnLst>
-      <p:par>
-        <p:cTn id="1" dur="indefinite" restart="never" nodeType="tmRoot"/>
-      </p:par>
-    </p:tnLst>
-  </p:timing>
-</p:sld>
-</file>
-
-<file path=ppt/slides/slide8.xml><?xml version="1.0" encoding="utf-8"?>
-<p:sld xmlns:a="http://schemas.openxmlformats.org/drawingml/2006/main" xmlns:r="http://schemas.openxmlformats.org/officeDocument/2006/relationships" xmlns:p="http://schemas.openxmlformats.org/presentationml/2006/main">
-  <p:cSld>
-    <p:spTree>
-      <p:nvGrpSpPr>
-        <p:cNvPr id="1" name=""/>
-        <p:cNvGrpSpPr/>
-        <p:nvPr/>
-      </p:nvGrpSpPr>
-      <p:grpSpPr>
-        <a:xfrm>
-          <a:off x="0" y="0"/>
-          <a:ext cx="0" cy="0"/>
-          <a:chOff x="0" y="0"/>
-          <a:chExt cx="0" cy="0"/>
-        </a:xfrm>
-      </p:grpSpPr>
-      <p:pic>
-        <p:nvPicPr>
           <p:cNvPr id="9" name="Picture 8"/>
           <p:cNvPicPr>
             <a:picLocks noChangeAspect="1"/>
@@ -8099,7 +6027,7 @@
         </p:blipFill>
         <p:spPr>
           <a:xfrm>
-            <a:off x="6032128" y="4614789"/>
+            <a:off x="6032128" y="4690989"/>
             <a:ext cx="3086472" cy="2057648"/>
           </a:xfrm>
           <a:prstGeom prst="rect">
@@ -8129,7 +6057,7 @@
         </p:blipFill>
         <p:spPr>
           <a:xfrm>
-            <a:off x="6070228" y="2696345"/>
+            <a:off x="6070228" y="2772545"/>
             <a:ext cx="3029136" cy="2019424"/>
           </a:xfrm>
           <a:prstGeom prst="rect">
@@ -8154,7 +6082,7 @@
           <a:p>
             <a:r>
               <a:rPr lang="en-US" dirty="0" smtClean="0"/>
-              <a:t>Review of the data of November</a:t>
+              <a:t>Beam pipe cutoff frequency</a:t>
             </a:r>
             <a:endParaRPr lang="en-US" dirty="0"/>
           </a:p>
@@ -8184,15 +6112,7 @@
           <a:p>
             <a:r>
               <a:rPr lang="en-US" dirty="0" smtClean="0"/>
-              <a:t>After the video meeting of the 12</a:t>
-            </a:r>
-            <a:r>
-              <a:rPr lang="en-US" baseline="30000" dirty="0" smtClean="0"/>
-              <a:t>th</a:t>
-            </a:r>
-            <a:r>
-              <a:rPr lang="en-US" dirty="0" smtClean="0"/>
-              <a:t> of February, many thanks to C. Perry for the numerous comments !</a:t>
+              <a:t>Many thanks to C. Perry for the numerous comments after the video meeting !</a:t>
             </a:r>
           </a:p>
           <a:p>
@@ -8244,11 +6164,7 @@
             <a:graphicFrameLocks noGrp="1"/>
           </p:cNvGraphicFramePr>
           <p:nvPr>
-            <p:extLst>
-              <p:ext uri="{D42A27DB-BD31-4B8C-83A1-F6EECF244321}">
-                <p14:modId xmlns:p14="http://schemas.microsoft.com/office/powerpoint/2010/main" val="789062066"/>
-              </p:ext>
-            </p:extLst>
+            <p:extLst/>
           </p:nvPr>
         </p:nvGraphicFramePr>
         <p:xfrm>
@@ -8538,7 +6454,4793 @@
     </p:spTree>
     <p:extLst>
       <p:ext uri="{BB962C8B-B14F-4D97-AF65-F5344CB8AC3E}">
-        <p14:creationId xmlns:p14="http://schemas.microsoft.com/office/powerpoint/2010/main" val="1284211021"/>
+        <p14:creationId xmlns:p14="http://schemas.microsoft.com/office/powerpoint/2010/main" val="280094377"/>
+      </p:ext>
+    </p:extLst>
+  </p:cSld>
+  <p:clrMapOvr>
+    <a:masterClrMapping/>
+  </p:clrMapOvr>
+  <p:timing>
+    <p:tnLst>
+      <p:par>
+        <p:cTn id="1" dur="indefinite" restart="never" nodeType="tmRoot"/>
+      </p:par>
+    </p:tnLst>
+  </p:timing>
+</p:sld>
+</file>
+
+<file path=ppt/slides/slide11.xml><?xml version="1.0" encoding="utf-8"?>
+<p:sld xmlns:a="http://schemas.openxmlformats.org/drawingml/2006/main" xmlns:r="http://schemas.openxmlformats.org/officeDocument/2006/relationships" xmlns:p="http://schemas.openxmlformats.org/presentationml/2006/main">
+  <p:cSld>
+    <p:spTree>
+      <p:nvGrpSpPr>
+        <p:cNvPr id="1" name=""/>
+        <p:cNvGrpSpPr/>
+        <p:nvPr/>
+      </p:nvGrpSpPr>
+      <p:grpSpPr>
+        <a:xfrm>
+          <a:off x="0" y="0"/>
+          <a:ext cx="0" cy="0"/>
+          <a:chOff x="0" y="0"/>
+          <a:chExt cx="0" cy="0"/>
+        </a:xfrm>
+      </p:grpSpPr>
+      <p:pic>
+        <p:nvPicPr>
+          <p:cNvPr id="7" name="Picture 6"/>
+          <p:cNvPicPr>
+            <a:picLocks noChangeAspect="1"/>
+          </p:cNvPicPr>
+          <p:nvPr/>
+        </p:nvPicPr>
+        <p:blipFill>
+          <a:blip r:embed="rId2">
+            <a:extLst>
+              <a:ext uri="{28A0092B-C50C-407E-A947-70E740481C1C}">
+                <a14:useLocalDpi xmlns:a14="http://schemas.microsoft.com/office/drawing/2010/main" val="0"/>
+              </a:ext>
+            </a:extLst>
+          </a:blip>
+          <a:stretch>
+            <a:fillRect/>
+          </a:stretch>
+        </p:blipFill>
+        <p:spPr>
+          <a:xfrm>
+            <a:off x="3429794" y="2540530"/>
+            <a:ext cx="5942806" cy="3961870"/>
+          </a:xfrm>
+          <a:prstGeom prst="rect">
+            <a:avLst/>
+          </a:prstGeom>
+        </p:spPr>
+      </p:pic>
+      <p:sp>
+        <p:nvSpPr>
+          <p:cNvPr id="2" name="Title 1"/>
+          <p:cNvSpPr>
+            <a:spLocks noGrp="1"/>
+          </p:cNvSpPr>
+          <p:nvPr>
+            <p:ph type="title"/>
+          </p:nvPr>
+        </p:nvSpPr>
+        <p:spPr/>
+        <p:txBody>
+          <a:bodyPr/>
+          <a:lstStyle/>
+          <a:p>
+            <a:r>
+              <a:rPr lang="en-US" dirty="0" smtClean="0"/>
+              <a:t>VNA measurements on a prototype</a:t>
+            </a:r>
+            <a:endParaRPr lang="en-US" dirty="0"/>
+          </a:p>
+        </p:txBody>
+      </p:sp>
+      <p:sp>
+        <p:nvSpPr>
+          <p:cNvPr id="3" name="Content Placeholder 2"/>
+          <p:cNvSpPr>
+            <a:spLocks noGrp="1"/>
+          </p:cNvSpPr>
+          <p:nvPr>
+            <p:ph idx="1"/>
+          </p:nvPr>
+        </p:nvSpPr>
+        <p:spPr>
+          <a:xfrm>
+            <a:off x="457200" y="859048"/>
+            <a:ext cx="8229600" cy="5897352"/>
+          </a:xfrm>
+        </p:spPr>
+        <p:txBody>
+          <a:bodyPr>
+            <a:normAutofit/>
+          </a:bodyPr>
+          <a:lstStyle/>
+          <a:p>
+            <a:r>
+              <a:rPr lang="en-US" dirty="0" smtClean="0"/>
+              <a:t>A 60 mm type </a:t>
+            </a:r>
+            <a:r>
+              <a:rPr lang="en-US" dirty="0" err="1" smtClean="0"/>
+              <a:t>eBPM</a:t>
+            </a:r>
+            <a:r>
+              <a:rPr lang="en-US" dirty="0" smtClean="0"/>
+              <a:t> </a:t>
+            </a:r>
+            <a:r>
+              <a:rPr lang="en-US" dirty="0" err="1" smtClean="0"/>
+              <a:t>protoype</a:t>
+            </a:r>
+            <a:r>
+              <a:rPr lang="en-US" dirty="0" smtClean="0"/>
+              <a:t> was tested in the lab</a:t>
+            </a:r>
+          </a:p>
+          <a:p>
+            <a:pPr lvl="1"/>
+            <a:r>
+              <a:rPr lang="en-US" dirty="0" smtClean="0"/>
+              <a:t>Installed in the tunnel before the AWAKE operation started</a:t>
+            </a:r>
+          </a:p>
+          <a:p>
+            <a:pPr lvl="1"/>
+            <a:r>
+              <a:rPr lang="en-US" dirty="0" smtClean="0"/>
+              <a:t>Then removed and brought to the lab</a:t>
+            </a:r>
+          </a:p>
+          <a:p>
+            <a:r>
+              <a:rPr lang="en-US" dirty="0" smtClean="0"/>
+              <a:t>Absorptive foam in the beam pipe</a:t>
+            </a:r>
+          </a:p>
+          <a:p>
+            <a:r>
+              <a:rPr lang="en-US" dirty="0" smtClean="0"/>
+              <a:t>One of the feedthrough </a:t>
+            </a:r>
+            <a:br>
+              <a:rPr lang="en-US" dirty="0" smtClean="0"/>
+            </a:br>
+            <a:r>
+              <a:rPr lang="en-US" dirty="0" smtClean="0"/>
+              <a:t>seems to be bad (very </a:t>
+            </a:r>
+            <a:br>
+              <a:rPr lang="en-US" dirty="0" smtClean="0"/>
+            </a:br>
+            <a:r>
+              <a:rPr lang="en-US" dirty="0" smtClean="0"/>
+              <a:t>sensible to mechanical </a:t>
+            </a:r>
+            <a:br>
+              <a:rPr lang="en-US" dirty="0" smtClean="0"/>
+            </a:br>
+            <a:r>
+              <a:rPr lang="en-US" dirty="0" smtClean="0"/>
+              <a:t>stress)</a:t>
+            </a:r>
+          </a:p>
+          <a:p>
+            <a:r>
+              <a:rPr lang="en-US" dirty="0" smtClean="0"/>
+              <a:t>Clockwise port </a:t>
+            </a:r>
+            <a:br>
+              <a:rPr lang="en-US" dirty="0" smtClean="0"/>
+            </a:br>
+            <a:r>
+              <a:rPr lang="en-US" dirty="0" smtClean="0"/>
+              <a:t>numbering</a:t>
+            </a:r>
+          </a:p>
+          <a:p>
+            <a:r>
+              <a:rPr lang="en-US" dirty="0" smtClean="0"/>
+              <a:t>Above 8 GHz, the </a:t>
+            </a:r>
+            <a:br>
+              <a:rPr lang="en-US" dirty="0" smtClean="0"/>
+            </a:br>
+            <a:r>
+              <a:rPr lang="en-US" dirty="0" smtClean="0"/>
+              <a:t>measurement is </a:t>
+            </a:r>
+            <a:br>
+              <a:rPr lang="en-US" dirty="0" smtClean="0"/>
+            </a:br>
+            <a:r>
+              <a:rPr lang="en-US" dirty="0" smtClean="0"/>
+              <a:t>sensitive to stress, </a:t>
+            </a:r>
+            <a:br>
+              <a:rPr lang="en-US" dirty="0" smtClean="0"/>
+            </a:br>
+            <a:r>
+              <a:rPr lang="en-US" dirty="0" smtClean="0"/>
+              <a:t>cable positions</a:t>
+            </a:r>
+          </a:p>
+          <a:p>
+            <a:endParaRPr lang="en-US" dirty="0"/>
+          </a:p>
+        </p:txBody>
+      </p:sp>
+      <p:sp>
+        <p:nvSpPr>
+          <p:cNvPr id="5" name="Footer Placeholder 4"/>
+          <p:cNvSpPr>
+            <a:spLocks noGrp="1"/>
+          </p:cNvSpPr>
+          <p:nvPr>
+            <p:ph type="ftr" sz="quarter" idx="11"/>
+          </p:nvPr>
+        </p:nvSpPr>
+        <p:spPr/>
+        <p:txBody>
+          <a:bodyPr/>
+          <a:lstStyle/>
+          <a:p>
+            <a:r>
+              <a:rPr lang="en-US" smtClean="0"/>
+              <a:t>Status of the AWAKE eBPM studies - E. Senes</a:t>
+            </a:r>
+            <a:endParaRPr lang="en-US" dirty="0"/>
+          </a:p>
+        </p:txBody>
+      </p:sp>
+    </p:spTree>
+    <p:extLst>
+      <p:ext uri="{BB962C8B-B14F-4D97-AF65-F5344CB8AC3E}">
+        <p14:creationId xmlns:p14="http://schemas.microsoft.com/office/powerpoint/2010/main" val="976979205"/>
+      </p:ext>
+    </p:extLst>
+  </p:cSld>
+  <p:clrMapOvr>
+    <a:masterClrMapping/>
+  </p:clrMapOvr>
+  <p:timing>
+    <p:tnLst>
+      <p:par>
+        <p:cTn id="1" dur="indefinite" restart="never" nodeType="tmRoot"/>
+      </p:par>
+    </p:tnLst>
+  </p:timing>
+</p:sld>
+</file>
+
+<file path=ppt/slides/slide12.xml><?xml version="1.0" encoding="utf-8"?>
+<p:sld xmlns:a="http://schemas.openxmlformats.org/drawingml/2006/main" xmlns:r="http://schemas.openxmlformats.org/officeDocument/2006/relationships" xmlns:p="http://schemas.openxmlformats.org/presentationml/2006/main">
+  <p:cSld>
+    <p:spTree>
+      <p:nvGrpSpPr>
+        <p:cNvPr id="1" name=""/>
+        <p:cNvGrpSpPr/>
+        <p:nvPr/>
+      </p:nvGrpSpPr>
+      <p:grpSpPr>
+        <a:xfrm>
+          <a:off x="0" y="0"/>
+          <a:ext cx="0" cy="0"/>
+          <a:chOff x="0" y="0"/>
+          <a:chExt cx="0" cy="0"/>
+        </a:xfrm>
+      </p:grpSpPr>
+      <p:sp>
+        <p:nvSpPr>
+          <p:cNvPr id="4" name="Footer Placeholder 3"/>
+          <p:cNvSpPr>
+            <a:spLocks noGrp="1"/>
+          </p:cNvSpPr>
+          <p:nvPr>
+            <p:ph type="ftr" sz="quarter" idx="11"/>
+          </p:nvPr>
+        </p:nvSpPr>
+        <p:spPr/>
+        <p:txBody>
+          <a:bodyPr/>
+          <a:lstStyle/>
+          <a:p>
+            <a:r>
+              <a:rPr lang="en-US" smtClean="0"/>
+              <a:t>Status of the AWAKE eBPM studies - E. Senes</a:t>
+            </a:r>
+            <a:endParaRPr lang="en-US" dirty="0"/>
+          </a:p>
+        </p:txBody>
+      </p:sp>
+      <p:pic>
+        <p:nvPicPr>
+          <p:cNvPr id="13" name="Content Placeholder 12"/>
+          <p:cNvPicPr>
+            <a:picLocks noGrp="1" noChangeAspect="1"/>
+          </p:cNvPicPr>
+          <p:nvPr>
+            <p:ph idx="1"/>
+          </p:nvPr>
+        </p:nvPicPr>
+        <p:blipFill>
+          <a:blip r:embed="rId2">
+            <a:extLst>
+              <a:ext uri="{28A0092B-C50C-407E-A947-70E740481C1C}">
+                <a14:useLocalDpi xmlns:a14="http://schemas.microsoft.com/office/drawing/2010/main" val="0"/>
+              </a:ext>
+            </a:extLst>
+          </a:blip>
+          <a:stretch>
+            <a:fillRect/>
+          </a:stretch>
+        </p:blipFill>
+        <p:spPr>
+          <a:xfrm>
+            <a:off x="182834" y="617899"/>
+            <a:ext cx="4734007" cy="3156004"/>
+          </a:xfrm>
+        </p:spPr>
+      </p:pic>
+      <p:pic>
+        <p:nvPicPr>
+          <p:cNvPr id="14" name="Picture 13"/>
+          <p:cNvPicPr>
+            <a:picLocks noChangeAspect="1"/>
+          </p:cNvPicPr>
+          <p:nvPr/>
+        </p:nvPicPr>
+        <p:blipFill>
+          <a:blip r:embed="rId3">
+            <a:extLst>
+              <a:ext uri="{28A0092B-C50C-407E-A947-70E740481C1C}">
+                <a14:useLocalDpi xmlns:a14="http://schemas.microsoft.com/office/drawing/2010/main" val="0"/>
+              </a:ext>
+            </a:extLst>
+          </a:blip>
+          <a:stretch>
+            <a:fillRect/>
+          </a:stretch>
+        </p:blipFill>
+        <p:spPr>
+          <a:xfrm>
+            <a:off x="4583874" y="613327"/>
+            <a:ext cx="4737100" cy="3158066"/>
+          </a:xfrm>
+          <a:prstGeom prst="rect">
+            <a:avLst/>
+          </a:prstGeom>
+        </p:spPr>
+      </p:pic>
+      <p:pic>
+        <p:nvPicPr>
+          <p:cNvPr id="15" name="Picture 14"/>
+          <p:cNvPicPr>
+            <a:picLocks noChangeAspect="1"/>
+          </p:cNvPicPr>
+          <p:nvPr/>
+        </p:nvPicPr>
+        <p:blipFill>
+          <a:blip r:embed="rId4">
+            <a:extLst>
+              <a:ext uri="{28A0092B-C50C-407E-A947-70E740481C1C}">
+                <a14:useLocalDpi xmlns:a14="http://schemas.microsoft.com/office/drawing/2010/main" val="0"/>
+              </a:ext>
+            </a:extLst>
+          </a:blip>
+          <a:stretch>
+            <a:fillRect/>
+          </a:stretch>
+        </p:blipFill>
+        <p:spPr>
+          <a:xfrm>
+            <a:off x="177800" y="3588305"/>
+            <a:ext cx="4762500" cy="3175000"/>
+          </a:xfrm>
+          <a:prstGeom prst="rect">
+            <a:avLst/>
+          </a:prstGeom>
+        </p:spPr>
+      </p:pic>
+      <p:pic>
+        <p:nvPicPr>
+          <p:cNvPr id="16" name="Picture 15"/>
+          <p:cNvPicPr>
+            <a:picLocks noChangeAspect="1"/>
+          </p:cNvPicPr>
+          <p:nvPr/>
+        </p:nvPicPr>
+        <p:blipFill>
+          <a:blip r:embed="rId5">
+            <a:extLst>
+              <a:ext uri="{28A0092B-C50C-407E-A947-70E740481C1C}">
+                <a14:useLocalDpi xmlns:a14="http://schemas.microsoft.com/office/drawing/2010/main" val="0"/>
+              </a:ext>
+            </a:extLst>
+          </a:blip>
+          <a:stretch>
+            <a:fillRect/>
+          </a:stretch>
+        </p:blipFill>
+        <p:spPr>
+          <a:xfrm>
+            <a:off x="4584700" y="3590598"/>
+            <a:ext cx="4737100" cy="3158066"/>
+          </a:xfrm>
+          <a:prstGeom prst="rect">
+            <a:avLst/>
+          </a:prstGeom>
+        </p:spPr>
+      </p:pic>
+      <p:sp>
+        <p:nvSpPr>
+          <p:cNvPr id="7" name="Title 1"/>
+          <p:cNvSpPr>
+            <a:spLocks noGrp="1"/>
+          </p:cNvSpPr>
+          <p:nvPr>
+            <p:ph type="title"/>
+          </p:nvPr>
+        </p:nvSpPr>
+        <p:spPr>
+          <a:xfrm>
+            <a:off x="457200" y="116632"/>
+            <a:ext cx="8229600" cy="714996"/>
+          </a:xfrm>
+        </p:spPr>
+        <p:txBody>
+          <a:bodyPr/>
+          <a:lstStyle/>
+          <a:p>
+            <a:r>
+              <a:rPr lang="en-US" dirty="0" smtClean="0"/>
+              <a:t>Electrodes cross-couplings</a:t>
+            </a:r>
+            <a:endParaRPr lang="en-US" dirty="0"/>
+          </a:p>
+        </p:txBody>
+      </p:sp>
+    </p:spTree>
+    <p:extLst>
+      <p:ext uri="{BB962C8B-B14F-4D97-AF65-F5344CB8AC3E}">
+        <p14:creationId xmlns:p14="http://schemas.microsoft.com/office/powerpoint/2010/main" val="798631141"/>
+      </p:ext>
+    </p:extLst>
+  </p:cSld>
+  <p:clrMapOvr>
+    <a:masterClrMapping/>
+  </p:clrMapOvr>
+  <p:timing>
+    <p:tnLst>
+      <p:par>
+        <p:cTn id="1" dur="indefinite" restart="never" nodeType="tmRoot"/>
+      </p:par>
+    </p:tnLst>
+  </p:timing>
+</p:sld>
+</file>
+
+<file path=ppt/slides/slide13.xml><?xml version="1.0" encoding="utf-8"?>
+<p:sld xmlns:a="http://schemas.openxmlformats.org/drawingml/2006/main" xmlns:r="http://schemas.openxmlformats.org/officeDocument/2006/relationships" xmlns:p="http://schemas.openxmlformats.org/presentationml/2006/main">
+  <p:cSld>
+    <p:spTree>
+      <p:nvGrpSpPr>
+        <p:cNvPr id="1" name=""/>
+        <p:cNvGrpSpPr/>
+        <p:nvPr/>
+      </p:nvGrpSpPr>
+      <p:grpSpPr>
+        <a:xfrm>
+          <a:off x="0" y="0"/>
+          <a:ext cx="0" cy="0"/>
+          <a:chOff x="0" y="0"/>
+          <a:chExt cx="0" cy="0"/>
+        </a:xfrm>
+      </p:grpSpPr>
+      <p:sp>
+        <p:nvSpPr>
+          <p:cNvPr id="2" name="Title 1"/>
+          <p:cNvSpPr>
+            <a:spLocks noGrp="1"/>
+          </p:cNvSpPr>
+          <p:nvPr>
+            <p:ph type="title"/>
+          </p:nvPr>
+        </p:nvSpPr>
+        <p:spPr/>
+        <p:txBody>
+          <a:bodyPr/>
+          <a:lstStyle/>
+          <a:p>
+            <a:r>
+              <a:rPr lang="en-US" dirty="0" smtClean="0"/>
+              <a:t>Comparison to CST simulation</a:t>
+            </a:r>
+            <a:endParaRPr lang="en-US" dirty="0"/>
+          </a:p>
+        </p:txBody>
+      </p:sp>
+      <p:sp>
+        <p:nvSpPr>
+          <p:cNvPr id="3" name="Content Placeholder 2"/>
+          <p:cNvSpPr>
+            <a:spLocks noGrp="1"/>
+          </p:cNvSpPr>
+          <p:nvPr>
+            <p:ph idx="1"/>
+          </p:nvPr>
+        </p:nvSpPr>
+        <p:spPr/>
+        <p:txBody>
+          <a:bodyPr/>
+          <a:lstStyle/>
+          <a:p>
+            <a:r>
+              <a:rPr lang="en-US" dirty="0" smtClean="0"/>
+              <a:t>The CST simulation of both the 60 mm and 40 mm version is running on the cluster right now</a:t>
+            </a:r>
+          </a:p>
+          <a:p>
+            <a:pPr lvl="1"/>
+            <a:r>
+              <a:rPr lang="en-US" dirty="0" smtClean="0"/>
+              <a:t>10 cells per wavelength, also for background</a:t>
+            </a:r>
+          </a:p>
+          <a:p>
+            <a:endParaRPr lang="en-US" dirty="0"/>
+          </a:p>
+        </p:txBody>
+      </p:sp>
+      <p:sp>
+        <p:nvSpPr>
+          <p:cNvPr id="4" name="Footer Placeholder 3"/>
+          <p:cNvSpPr>
+            <a:spLocks noGrp="1"/>
+          </p:cNvSpPr>
+          <p:nvPr>
+            <p:ph type="ftr" sz="quarter" idx="11"/>
+          </p:nvPr>
+        </p:nvSpPr>
+        <p:spPr/>
+        <p:txBody>
+          <a:bodyPr/>
+          <a:lstStyle/>
+          <a:p>
+            <a:r>
+              <a:rPr lang="en-US" smtClean="0"/>
+              <a:t>Status of the AWAKE eBPM studies - E. Senes</a:t>
+            </a:r>
+            <a:endParaRPr lang="en-US" dirty="0"/>
+          </a:p>
+        </p:txBody>
+      </p:sp>
+    </p:spTree>
+    <p:extLst>
+      <p:ext uri="{BB962C8B-B14F-4D97-AF65-F5344CB8AC3E}">
+        <p14:creationId xmlns:p14="http://schemas.microsoft.com/office/powerpoint/2010/main" val="983758747"/>
+      </p:ext>
+    </p:extLst>
+  </p:cSld>
+  <p:clrMapOvr>
+    <a:masterClrMapping/>
+  </p:clrMapOvr>
+  <p:timing>
+    <p:tnLst>
+      <p:par>
+        <p:cTn id="1" dur="indefinite" restart="never" nodeType="tmRoot"/>
+      </p:par>
+    </p:tnLst>
+  </p:timing>
+</p:sld>
+</file>
+
+<file path=ppt/slides/slide14.xml><?xml version="1.0" encoding="utf-8"?>
+<p:sld xmlns:a="http://schemas.openxmlformats.org/drawingml/2006/main" xmlns:r="http://schemas.openxmlformats.org/officeDocument/2006/relationships" xmlns:p="http://schemas.openxmlformats.org/presentationml/2006/main">
+  <p:cSld>
+    <p:spTree>
+      <p:nvGrpSpPr>
+        <p:cNvPr id="1" name=""/>
+        <p:cNvGrpSpPr/>
+        <p:nvPr/>
+      </p:nvGrpSpPr>
+      <p:grpSpPr>
+        <a:xfrm>
+          <a:off x="0" y="0"/>
+          <a:ext cx="0" cy="0"/>
+          <a:chOff x="0" y="0"/>
+          <a:chExt cx="0" cy="0"/>
+        </a:xfrm>
+      </p:grpSpPr>
+      <p:sp>
+        <p:nvSpPr>
+          <p:cNvPr id="2" name="Title 1"/>
+          <p:cNvSpPr>
+            <a:spLocks noGrp="1"/>
+          </p:cNvSpPr>
+          <p:nvPr>
+            <p:ph type="title"/>
+          </p:nvPr>
+        </p:nvSpPr>
+        <p:spPr/>
+        <p:txBody>
+          <a:bodyPr/>
+          <a:lstStyle/>
+          <a:p>
+            <a:r>
+              <a:rPr lang="en-US" dirty="0" smtClean="0"/>
+              <a:t>On the menu</a:t>
+            </a:r>
+            <a:endParaRPr lang="en-US" dirty="0"/>
+          </a:p>
+        </p:txBody>
+      </p:sp>
+      <p:sp>
+        <p:nvSpPr>
+          <p:cNvPr id="3" name="Content Placeholder 2"/>
+          <p:cNvSpPr>
+            <a:spLocks noGrp="1"/>
+          </p:cNvSpPr>
+          <p:nvPr>
+            <p:ph idx="1"/>
+          </p:nvPr>
+        </p:nvSpPr>
+        <p:spPr>
+          <a:xfrm>
+            <a:off x="457200" y="744748"/>
+            <a:ext cx="8229600" cy="5567152"/>
+          </a:xfrm>
+        </p:spPr>
+        <p:txBody>
+          <a:bodyPr/>
+          <a:lstStyle/>
+          <a:p>
+            <a:pPr marL="0" indent="0">
+              <a:buNone/>
+            </a:pPr>
+            <a:r>
+              <a:rPr lang="en-US" b="1" dirty="0" smtClean="0"/>
+              <a:t>Tunnel measurements (April?):</a:t>
+            </a:r>
+          </a:p>
+          <a:p>
+            <a:r>
+              <a:rPr lang="en-US" dirty="0" smtClean="0"/>
+              <a:t>VNA measurement of a 60 mm pickup</a:t>
+            </a:r>
+          </a:p>
+          <a:p>
+            <a:r>
+              <a:rPr lang="en-US" dirty="0" smtClean="0"/>
+              <a:t>VNA measurement of a 40 mm pickup</a:t>
+            </a:r>
+          </a:p>
+          <a:p>
+            <a:pPr marL="0" indent="0">
+              <a:buNone/>
+            </a:pPr>
+            <a:endParaRPr lang="en-US" dirty="0" smtClean="0"/>
+          </a:p>
+          <a:p>
+            <a:pPr marL="0" indent="0">
+              <a:buNone/>
+            </a:pPr>
+            <a:r>
+              <a:rPr lang="en-US" b="1" dirty="0" smtClean="0"/>
+              <a:t>Tunnel measurements (Summer run):</a:t>
+            </a:r>
+            <a:endParaRPr lang="en-US" b="1" dirty="0"/>
+          </a:p>
+          <a:p>
+            <a:r>
+              <a:rPr lang="en-US" dirty="0" smtClean="0"/>
+              <a:t>Scope measurements of the same 60 mm pickup</a:t>
+            </a:r>
+          </a:p>
+          <a:p>
+            <a:pPr lvl="1"/>
+            <a:r>
+              <a:rPr lang="en-US" dirty="0" smtClean="0"/>
+              <a:t>Electrons only (with steering)</a:t>
+            </a:r>
+          </a:p>
+          <a:p>
+            <a:pPr lvl="1"/>
+            <a:r>
+              <a:rPr lang="en-US" dirty="0" smtClean="0"/>
+              <a:t>Electrons + laser</a:t>
+            </a:r>
+          </a:p>
+          <a:p>
+            <a:pPr lvl="1"/>
+            <a:r>
+              <a:rPr lang="en-US" dirty="0" smtClean="0"/>
+              <a:t>Electrons + </a:t>
+            </a:r>
+            <a:r>
+              <a:rPr lang="en-US" dirty="0" err="1" smtClean="0"/>
+              <a:t>Rb</a:t>
+            </a:r>
+            <a:r>
+              <a:rPr lang="en-US" dirty="0" smtClean="0"/>
+              <a:t> </a:t>
+            </a:r>
+            <a:r>
+              <a:rPr lang="en-US" dirty="0" err="1" smtClean="0"/>
+              <a:t>vapour</a:t>
+            </a:r>
+            <a:endParaRPr lang="en-US" dirty="0" smtClean="0"/>
+          </a:p>
+          <a:p>
+            <a:pPr lvl="1"/>
+            <a:r>
+              <a:rPr lang="en-US" dirty="0" smtClean="0"/>
+              <a:t>Electrons + laser + </a:t>
+            </a:r>
+            <a:r>
+              <a:rPr lang="en-US" dirty="0" err="1" smtClean="0"/>
+              <a:t>Rb</a:t>
+            </a:r>
+            <a:r>
+              <a:rPr lang="en-US" dirty="0" smtClean="0"/>
+              <a:t> plasma</a:t>
+            </a:r>
+          </a:p>
+          <a:p>
+            <a:endParaRPr lang="en-US" dirty="0" smtClean="0"/>
+          </a:p>
+          <a:p>
+            <a:r>
+              <a:rPr lang="en-US" dirty="0" smtClean="0"/>
+              <a:t>Eventual scope measurement of the 40 mm pickup (requires cabling work !, under discussion </a:t>
+            </a:r>
+            <a:r>
+              <a:rPr lang="en-US" dirty="0" err="1" smtClean="0"/>
+              <a:t>a.t.m</a:t>
+            </a:r>
+            <a:r>
+              <a:rPr lang="en-US" dirty="0" smtClean="0"/>
+              <a:t>.)</a:t>
+            </a:r>
+          </a:p>
+        </p:txBody>
+      </p:sp>
+      <p:sp>
+        <p:nvSpPr>
+          <p:cNvPr id="5" name="Footer Placeholder 4"/>
+          <p:cNvSpPr>
+            <a:spLocks noGrp="1"/>
+          </p:cNvSpPr>
+          <p:nvPr>
+            <p:ph type="ftr" sz="quarter" idx="11"/>
+          </p:nvPr>
+        </p:nvSpPr>
+        <p:spPr/>
+        <p:txBody>
+          <a:bodyPr/>
+          <a:lstStyle/>
+          <a:p>
+            <a:r>
+              <a:rPr lang="en-US" smtClean="0"/>
+              <a:t>Status of the AWAKE eBPM studies - E. Senes</a:t>
+            </a:r>
+            <a:endParaRPr lang="en-US" dirty="0"/>
+          </a:p>
+        </p:txBody>
+      </p:sp>
+    </p:spTree>
+    <p:extLst>
+      <p:ext uri="{BB962C8B-B14F-4D97-AF65-F5344CB8AC3E}">
+        <p14:creationId xmlns:p14="http://schemas.microsoft.com/office/powerpoint/2010/main" val="1523977597"/>
+      </p:ext>
+    </p:extLst>
+  </p:cSld>
+  <p:clrMapOvr>
+    <a:masterClrMapping/>
+  </p:clrMapOvr>
+  <p:timing>
+    <p:tnLst>
+      <p:par>
+        <p:cTn id="1" dur="indefinite" restart="never" nodeType="tmRoot"/>
+      </p:par>
+    </p:tnLst>
+  </p:timing>
+</p:sld>
+</file>
+
+<file path=ppt/slides/slide15.xml><?xml version="1.0" encoding="utf-8"?>
+<p:sld xmlns:a="http://schemas.openxmlformats.org/drawingml/2006/main" xmlns:r="http://schemas.openxmlformats.org/officeDocument/2006/relationships" xmlns:p="http://schemas.openxmlformats.org/presentationml/2006/main">
+  <p:cSld>
+    <p:spTree>
+      <p:nvGrpSpPr>
+        <p:cNvPr id="1" name=""/>
+        <p:cNvGrpSpPr/>
+        <p:nvPr/>
+      </p:nvGrpSpPr>
+      <p:grpSpPr>
+        <a:xfrm>
+          <a:off x="0" y="0"/>
+          <a:ext cx="0" cy="0"/>
+          <a:chOff x="0" y="0"/>
+          <a:chExt cx="0" cy="0"/>
+        </a:xfrm>
+      </p:grpSpPr>
+      <p:pic>
+        <p:nvPicPr>
+          <p:cNvPr id="4" name="Content Placeholder 3"/>
+          <p:cNvPicPr>
+            <a:picLocks noGrp="1" noChangeAspect="1"/>
+          </p:cNvPicPr>
+          <p:nvPr>
+            <p:ph idx="1"/>
+          </p:nvPr>
+        </p:nvPicPr>
+        <p:blipFill>
+          <a:blip r:embed="rId2">
+            <a:extLst>
+              <a:ext uri="{28A0092B-C50C-407E-A947-70E740481C1C}">
+                <a14:useLocalDpi xmlns:a14="http://schemas.microsoft.com/office/drawing/2010/main" val="0"/>
+              </a:ext>
+            </a:extLst>
+          </a:blip>
+          <a:stretch>
+            <a:fillRect/>
+          </a:stretch>
+        </p:blipFill>
+        <p:spPr>
+          <a:xfrm>
+            <a:off x="3627784" y="1360846"/>
+            <a:ext cx="5857529" cy="3747962"/>
+          </a:xfrm>
+        </p:spPr>
+      </p:pic>
+      <p:sp>
+        <p:nvSpPr>
+          <p:cNvPr id="5" name="Footer Placeholder 4"/>
+          <p:cNvSpPr>
+            <a:spLocks noGrp="1"/>
+          </p:cNvSpPr>
+          <p:nvPr>
+            <p:ph type="ftr" sz="quarter" idx="11"/>
+          </p:nvPr>
+        </p:nvSpPr>
+        <p:spPr/>
+        <p:txBody>
+          <a:bodyPr/>
+          <a:lstStyle/>
+          <a:p>
+            <a:r>
+              <a:rPr lang="en-US" smtClean="0"/>
+              <a:t>Status of the AWAKE eBPM studies - E. Senes</a:t>
+            </a:r>
+            <a:endParaRPr lang="en-US" dirty="0"/>
+          </a:p>
+        </p:txBody>
+      </p:sp>
+      <p:sp>
+        <p:nvSpPr>
+          <p:cNvPr id="6" name="Content Placeholder 2"/>
+          <p:cNvSpPr txBox="1">
+            <a:spLocks/>
+          </p:cNvSpPr>
+          <p:nvPr/>
+        </p:nvSpPr>
+        <p:spPr>
+          <a:xfrm>
+            <a:off x="457200" y="1447026"/>
+            <a:ext cx="3657600" cy="4191000"/>
+          </a:xfrm>
+          <a:prstGeom prst="rect">
+            <a:avLst/>
+          </a:prstGeom>
+        </p:spPr>
+        <p:txBody>
+          <a:bodyPr vert="horz" lIns="91440" tIns="45720" rIns="91440" bIns="45720" rtlCol="0">
+            <a:normAutofit/>
+          </a:bodyPr>
+          <a:lstStyle>
+            <a:lvl1pPr marL="342900" indent="-342900" algn="l" defTabSz="914400" rtl="0" eaLnBrk="1" latinLnBrk="0" hangingPunct="1">
+              <a:spcBef>
+                <a:spcPct val="20000"/>
+              </a:spcBef>
+              <a:buFont typeface="Arial" panose="020B0604020202020204" pitchFamily="34" charset="0"/>
+              <a:buChar char="•"/>
+              <a:defRPr sz="2400" kern="1200">
+                <a:solidFill>
+                  <a:schemeClr val="tx1"/>
+                </a:solidFill>
+                <a:latin typeface="+mn-lt"/>
+                <a:ea typeface="+mn-ea"/>
+                <a:cs typeface="+mn-cs"/>
+              </a:defRPr>
+            </a:lvl1pPr>
+            <a:lvl2pPr marL="742950" indent="-285750" algn="l" defTabSz="914400" rtl="0" eaLnBrk="1" latinLnBrk="0" hangingPunct="1">
+              <a:spcBef>
+                <a:spcPct val="20000"/>
+              </a:spcBef>
+              <a:buFont typeface="Arial" panose="020B0604020202020204" pitchFamily="34" charset="0"/>
+              <a:buChar char="–"/>
+              <a:defRPr sz="2000" kern="1200">
+                <a:solidFill>
+                  <a:schemeClr val="tx1"/>
+                </a:solidFill>
+                <a:latin typeface="+mn-lt"/>
+                <a:ea typeface="+mn-ea"/>
+                <a:cs typeface="+mn-cs"/>
+              </a:defRPr>
+            </a:lvl2pPr>
+            <a:lvl3pPr marL="1143000" indent="-228600" algn="l" defTabSz="914400" rtl="0" eaLnBrk="1" latinLnBrk="0" hangingPunct="1">
+              <a:spcBef>
+                <a:spcPct val="20000"/>
+              </a:spcBef>
+              <a:buFont typeface="Arial" panose="020B0604020202020204" pitchFamily="34" charset="0"/>
+              <a:buChar char="•"/>
+              <a:defRPr sz="2000" kern="1200">
+                <a:solidFill>
+                  <a:schemeClr val="tx1"/>
+                </a:solidFill>
+                <a:latin typeface="+mn-lt"/>
+                <a:ea typeface="+mn-ea"/>
+                <a:cs typeface="+mn-cs"/>
+              </a:defRPr>
+            </a:lvl3pPr>
+            <a:lvl4pPr marL="1600200" indent="-228600" algn="l" defTabSz="914400" rtl="0" eaLnBrk="1" latinLnBrk="0" hangingPunct="1">
+              <a:spcBef>
+                <a:spcPct val="20000"/>
+              </a:spcBef>
+              <a:buFont typeface="Arial" panose="020B0604020202020204" pitchFamily="34" charset="0"/>
+              <a:buChar char="–"/>
+              <a:defRPr sz="1800" kern="1200">
+                <a:solidFill>
+                  <a:schemeClr val="tx1"/>
+                </a:solidFill>
+                <a:latin typeface="+mn-lt"/>
+                <a:ea typeface="+mn-ea"/>
+                <a:cs typeface="+mn-cs"/>
+              </a:defRPr>
+            </a:lvl4pPr>
+            <a:lvl5pPr marL="2057400" indent="-228600" algn="l" defTabSz="914400" rtl="0" eaLnBrk="1" latinLnBrk="0" hangingPunct="1">
+              <a:spcBef>
+                <a:spcPct val="20000"/>
+              </a:spcBef>
+              <a:buFont typeface="Arial" panose="020B0604020202020204" pitchFamily="34" charset="0"/>
+              <a:buChar char="»"/>
+              <a:defRPr sz="1800" kern="1200">
+                <a:solidFill>
+                  <a:schemeClr val="tx1"/>
+                </a:solidFill>
+                <a:latin typeface="+mn-lt"/>
+                <a:ea typeface="+mn-ea"/>
+                <a:cs typeface="+mn-cs"/>
+              </a:defRPr>
+            </a:lvl5pPr>
+            <a:lvl6pPr marL="2514600" indent="-228600" algn="l" defTabSz="914400" rtl="0" eaLnBrk="1" latinLnBrk="0" hangingPunct="1">
+              <a:spcBef>
+                <a:spcPct val="20000"/>
+              </a:spcBef>
+              <a:buFont typeface="Arial" panose="020B0604020202020204" pitchFamily="34" charset="0"/>
+              <a:buChar char="•"/>
+              <a:defRPr sz="2000" kern="1200">
+                <a:solidFill>
+                  <a:schemeClr val="tx1"/>
+                </a:solidFill>
+                <a:latin typeface="+mn-lt"/>
+                <a:ea typeface="+mn-ea"/>
+                <a:cs typeface="+mn-cs"/>
+              </a:defRPr>
+            </a:lvl6pPr>
+            <a:lvl7pPr marL="2971800" indent="-228600" algn="l" defTabSz="914400" rtl="0" eaLnBrk="1" latinLnBrk="0" hangingPunct="1">
+              <a:spcBef>
+                <a:spcPct val="20000"/>
+              </a:spcBef>
+              <a:buFont typeface="Arial" panose="020B0604020202020204" pitchFamily="34" charset="0"/>
+              <a:buChar char="•"/>
+              <a:defRPr sz="2000" kern="1200">
+                <a:solidFill>
+                  <a:schemeClr val="tx1"/>
+                </a:solidFill>
+                <a:latin typeface="+mn-lt"/>
+                <a:ea typeface="+mn-ea"/>
+                <a:cs typeface="+mn-cs"/>
+              </a:defRPr>
+            </a:lvl7pPr>
+            <a:lvl8pPr marL="3429000" indent="-228600" algn="l" defTabSz="914400" rtl="0" eaLnBrk="1" latinLnBrk="0" hangingPunct="1">
+              <a:spcBef>
+                <a:spcPct val="20000"/>
+              </a:spcBef>
+              <a:buFont typeface="Arial" panose="020B0604020202020204" pitchFamily="34" charset="0"/>
+              <a:buChar char="•"/>
+              <a:defRPr sz="2000" kern="1200">
+                <a:solidFill>
+                  <a:schemeClr val="tx1"/>
+                </a:solidFill>
+                <a:latin typeface="+mn-lt"/>
+                <a:ea typeface="+mn-ea"/>
+                <a:cs typeface="+mn-cs"/>
+              </a:defRPr>
+            </a:lvl8pPr>
+            <a:lvl9pPr marL="3886200" indent="-228600" algn="l" defTabSz="914400" rtl="0" eaLnBrk="1" latinLnBrk="0" hangingPunct="1">
+              <a:spcBef>
+                <a:spcPct val="20000"/>
+              </a:spcBef>
+              <a:buFont typeface="Arial" panose="020B0604020202020204" pitchFamily="34" charset="0"/>
+              <a:buChar char="•"/>
+              <a:defRPr sz="2000" kern="1200">
+                <a:solidFill>
+                  <a:schemeClr val="tx1"/>
+                </a:solidFill>
+                <a:latin typeface="+mn-lt"/>
+                <a:ea typeface="+mn-ea"/>
+                <a:cs typeface="+mn-cs"/>
+              </a:defRPr>
+            </a:lvl9pPr>
+          </a:lstStyle>
+          <a:p>
+            <a:r>
+              <a:rPr lang="en-US" dirty="0" smtClean="0"/>
+              <a:t>3D model of the BPM was developed </a:t>
+            </a:r>
+          </a:p>
+          <a:p>
+            <a:r>
+              <a:rPr lang="en-US" dirty="0" smtClean="0"/>
+              <a:t>Fully parametric</a:t>
+            </a:r>
+          </a:p>
+          <a:p>
+            <a:endParaRPr lang="en-US" dirty="0" smtClean="0"/>
+          </a:p>
+          <a:p>
+            <a:pPr marL="0" indent="0">
+              <a:buNone/>
+            </a:pPr>
+            <a:r>
+              <a:rPr lang="en-US" b="1" dirty="0" smtClean="0"/>
+              <a:t>Simulated:</a:t>
+            </a:r>
+          </a:p>
+          <a:p>
+            <a:r>
+              <a:rPr lang="en-US" dirty="0" smtClean="0"/>
+              <a:t>TDR </a:t>
+            </a:r>
+          </a:p>
+          <a:p>
+            <a:r>
+              <a:rPr lang="en-US" dirty="0" smtClean="0"/>
+              <a:t>Wakefield</a:t>
+            </a:r>
+          </a:p>
+          <a:p>
+            <a:r>
+              <a:rPr lang="en-US" dirty="0" smtClean="0"/>
+              <a:t>S parameters (running </a:t>
+            </a:r>
+            <a:r>
+              <a:rPr lang="mr-IN" dirty="0" smtClean="0"/>
+              <a:t>…</a:t>
+            </a:r>
+            <a:r>
+              <a:rPr lang="en-US" dirty="0" smtClean="0"/>
+              <a:t>)</a:t>
+            </a:r>
+          </a:p>
+          <a:p>
+            <a:endParaRPr lang="en-US" dirty="0" smtClean="0"/>
+          </a:p>
+        </p:txBody>
+      </p:sp>
+      <p:sp>
+        <p:nvSpPr>
+          <p:cNvPr id="2" name="Title 1"/>
+          <p:cNvSpPr>
+            <a:spLocks noGrp="1"/>
+          </p:cNvSpPr>
+          <p:nvPr>
+            <p:ph type="title"/>
+          </p:nvPr>
+        </p:nvSpPr>
+        <p:spPr/>
+        <p:txBody>
+          <a:bodyPr>
+            <a:normAutofit fontScale="90000"/>
+          </a:bodyPr>
+          <a:lstStyle/>
+          <a:p>
+            <a:r>
+              <a:rPr lang="en-US" dirty="0" smtClean="0"/>
+              <a:t>EM simulation of the present 60 mm design</a:t>
+            </a:r>
+            <a:endParaRPr lang="en-US" dirty="0"/>
+          </a:p>
+        </p:txBody>
+      </p:sp>
+    </p:spTree>
+    <p:extLst>
+      <p:ext uri="{BB962C8B-B14F-4D97-AF65-F5344CB8AC3E}">
+        <p14:creationId xmlns:p14="http://schemas.microsoft.com/office/powerpoint/2010/main" val="1408773516"/>
+      </p:ext>
+    </p:extLst>
+  </p:cSld>
+  <p:clrMapOvr>
+    <a:masterClrMapping/>
+  </p:clrMapOvr>
+  <p:timing>
+    <p:tnLst>
+      <p:par>
+        <p:cTn id="1" dur="indefinite" restart="never" nodeType="tmRoot"/>
+      </p:par>
+    </p:tnLst>
+  </p:timing>
+</p:sld>
+</file>
+
+<file path=ppt/slides/slide16.xml><?xml version="1.0" encoding="utf-8"?>
+<p:sld xmlns:a="http://schemas.openxmlformats.org/drawingml/2006/main" xmlns:r="http://schemas.openxmlformats.org/officeDocument/2006/relationships" xmlns:p="http://schemas.openxmlformats.org/presentationml/2006/main">
+  <p:cSld>
+    <p:spTree>
+      <p:nvGrpSpPr>
+        <p:cNvPr id="1" name=""/>
+        <p:cNvGrpSpPr/>
+        <p:nvPr/>
+      </p:nvGrpSpPr>
+      <p:grpSpPr>
+        <a:xfrm>
+          <a:off x="0" y="0"/>
+          <a:ext cx="0" cy="0"/>
+          <a:chOff x="0" y="0"/>
+          <a:chExt cx="0" cy="0"/>
+        </a:xfrm>
+      </p:grpSpPr>
+      <p:sp>
+        <p:nvSpPr>
+          <p:cNvPr id="2" name="Title 1"/>
+          <p:cNvSpPr>
+            <a:spLocks noGrp="1"/>
+          </p:cNvSpPr>
+          <p:nvPr>
+            <p:ph type="title"/>
+          </p:nvPr>
+        </p:nvSpPr>
+        <p:spPr/>
+        <p:txBody>
+          <a:bodyPr/>
+          <a:lstStyle/>
+          <a:p>
+            <a:r>
+              <a:rPr lang="en-US" dirty="0" smtClean="0"/>
+              <a:t>TDR simulations</a:t>
+            </a:r>
+            <a:endParaRPr lang="en-US" dirty="0"/>
+          </a:p>
+        </p:txBody>
+      </p:sp>
+      <p:sp>
+        <p:nvSpPr>
+          <p:cNvPr id="5" name="Footer Placeholder 4"/>
+          <p:cNvSpPr>
+            <a:spLocks noGrp="1"/>
+          </p:cNvSpPr>
+          <p:nvPr>
+            <p:ph type="ftr" sz="quarter" idx="11"/>
+          </p:nvPr>
+        </p:nvSpPr>
+        <p:spPr/>
+        <p:txBody>
+          <a:bodyPr/>
+          <a:lstStyle/>
+          <a:p>
+            <a:r>
+              <a:rPr lang="en-US" smtClean="0"/>
+              <a:t>Status of the AWAKE eBPM studies - E. Senes</a:t>
+            </a:r>
+            <a:endParaRPr lang="en-US" dirty="0"/>
+          </a:p>
+        </p:txBody>
+      </p:sp>
+      <p:sp>
+        <p:nvSpPr>
+          <p:cNvPr id="6" name="Content Placeholder 2"/>
+          <p:cNvSpPr txBox="1">
+            <a:spLocks/>
+          </p:cNvSpPr>
+          <p:nvPr/>
+        </p:nvSpPr>
+        <p:spPr>
+          <a:xfrm>
+            <a:off x="179512" y="1041400"/>
+            <a:ext cx="4760788" cy="5283200"/>
+          </a:xfrm>
+          <a:prstGeom prst="rect">
+            <a:avLst/>
+          </a:prstGeom>
+        </p:spPr>
+        <p:txBody>
+          <a:bodyPr vert="horz" lIns="91440" tIns="45720" rIns="91440" bIns="45720" rtlCol="0">
+            <a:normAutofit/>
+          </a:bodyPr>
+          <a:lstStyle>
+            <a:lvl1pPr marL="342900" indent="-342900" algn="l" defTabSz="914400" rtl="0" eaLnBrk="1" latinLnBrk="0" hangingPunct="1">
+              <a:spcBef>
+                <a:spcPct val="20000"/>
+              </a:spcBef>
+              <a:buFont typeface="Arial" panose="020B0604020202020204" pitchFamily="34" charset="0"/>
+              <a:buChar char="•"/>
+              <a:defRPr sz="2400" kern="1200">
+                <a:solidFill>
+                  <a:schemeClr val="tx1"/>
+                </a:solidFill>
+                <a:latin typeface="+mn-lt"/>
+                <a:ea typeface="+mn-ea"/>
+                <a:cs typeface="+mn-cs"/>
+              </a:defRPr>
+            </a:lvl1pPr>
+            <a:lvl2pPr marL="742950" indent="-285750" algn="l" defTabSz="914400" rtl="0" eaLnBrk="1" latinLnBrk="0" hangingPunct="1">
+              <a:spcBef>
+                <a:spcPct val="20000"/>
+              </a:spcBef>
+              <a:buFont typeface="Arial" panose="020B0604020202020204" pitchFamily="34" charset="0"/>
+              <a:buChar char="–"/>
+              <a:defRPr sz="2000" kern="1200">
+                <a:solidFill>
+                  <a:schemeClr val="tx1"/>
+                </a:solidFill>
+                <a:latin typeface="+mn-lt"/>
+                <a:ea typeface="+mn-ea"/>
+                <a:cs typeface="+mn-cs"/>
+              </a:defRPr>
+            </a:lvl2pPr>
+            <a:lvl3pPr marL="1143000" indent="-228600" algn="l" defTabSz="914400" rtl="0" eaLnBrk="1" latinLnBrk="0" hangingPunct="1">
+              <a:spcBef>
+                <a:spcPct val="20000"/>
+              </a:spcBef>
+              <a:buFont typeface="Arial" panose="020B0604020202020204" pitchFamily="34" charset="0"/>
+              <a:buChar char="•"/>
+              <a:defRPr sz="2000" kern="1200">
+                <a:solidFill>
+                  <a:schemeClr val="tx1"/>
+                </a:solidFill>
+                <a:latin typeface="+mn-lt"/>
+                <a:ea typeface="+mn-ea"/>
+                <a:cs typeface="+mn-cs"/>
+              </a:defRPr>
+            </a:lvl3pPr>
+            <a:lvl4pPr marL="1600200" indent="-228600" algn="l" defTabSz="914400" rtl="0" eaLnBrk="1" latinLnBrk="0" hangingPunct="1">
+              <a:spcBef>
+                <a:spcPct val="20000"/>
+              </a:spcBef>
+              <a:buFont typeface="Arial" panose="020B0604020202020204" pitchFamily="34" charset="0"/>
+              <a:buChar char="–"/>
+              <a:defRPr sz="1800" kern="1200">
+                <a:solidFill>
+                  <a:schemeClr val="tx1"/>
+                </a:solidFill>
+                <a:latin typeface="+mn-lt"/>
+                <a:ea typeface="+mn-ea"/>
+                <a:cs typeface="+mn-cs"/>
+              </a:defRPr>
+            </a:lvl4pPr>
+            <a:lvl5pPr marL="2057400" indent="-228600" algn="l" defTabSz="914400" rtl="0" eaLnBrk="1" latinLnBrk="0" hangingPunct="1">
+              <a:spcBef>
+                <a:spcPct val="20000"/>
+              </a:spcBef>
+              <a:buFont typeface="Arial" panose="020B0604020202020204" pitchFamily="34" charset="0"/>
+              <a:buChar char="»"/>
+              <a:defRPr sz="1800" kern="1200">
+                <a:solidFill>
+                  <a:schemeClr val="tx1"/>
+                </a:solidFill>
+                <a:latin typeface="+mn-lt"/>
+                <a:ea typeface="+mn-ea"/>
+                <a:cs typeface="+mn-cs"/>
+              </a:defRPr>
+            </a:lvl5pPr>
+            <a:lvl6pPr marL="2514600" indent="-228600" algn="l" defTabSz="914400" rtl="0" eaLnBrk="1" latinLnBrk="0" hangingPunct="1">
+              <a:spcBef>
+                <a:spcPct val="20000"/>
+              </a:spcBef>
+              <a:buFont typeface="Arial" panose="020B0604020202020204" pitchFamily="34" charset="0"/>
+              <a:buChar char="•"/>
+              <a:defRPr sz="2000" kern="1200">
+                <a:solidFill>
+                  <a:schemeClr val="tx1"/>
+                </a:solidFill>
+                <a:latin typeface="+mn-lt"/>
+                <a:ea typeface="+mn-ea"/>
+                <a:cs typeface="+mn-cs"/>
+              </a:defRPr>
+            </a:lvl6pPr>
+            <a:lvl7pPr marL="2971800" indent="-228600" algn="l" defTabSz="914400" rtl="0" eaLnBrk="1" latinLnBrk="0" hangingPunct="1">
+              <a:spcBef>
+                <a:spcPct val="20000"/>
+              </a:spcBef>
+              <a:buFont typeface="Arial" panose="020B0604020202020204" pitchFamily="34" charset="0"/>
+              <a:buChar char="•"/>
+              <a:defRPr sz="2000" kern="1200">
+                <a:solidFill>
+                  <a:schemeClr val="tx1"/>
+                </a:solidFill>
+                <a:latin typeface="+mn-lt"/>
+                <a:ea typeface="+mn-ea"/>
+                <a:cs typeface="+mn-cs"/>
+              </a:defRPr>
+            </a:lvl7pPr>
+            <a:lvl8pPr marL="3429000" indent="-228600" algn="l" defTabSz="914400" rtl="0" eaLnBrk="1" latinLnBrk="0" hangingPunct="1">
+              <a:spcBef>
+                <a:spcPct val="20000"/>
+              </a:spcBef>
+              <a:buFont typeface="Arial" panose="020B0604020202020204" pitchFamily="34" charset="0"/>
+              <a:buChar char="•"/>
+              <a:defRPr sz="2000" kern="1200">
+                <a:solidFill>
+                  <a:schemeClr val="tx1"/>
+                </a:solidFill>
+                <a:latin typeface="+mn-lt"/>
+                <a:ea typeface="+mn-ea"/>
+                <a:cs typeface="+mn-cs"/>
+              </a:defRPr>
+            </a:lvl8pPr>
+            <a:lvl9pPr marL="3886200" indent="-228600" algn="l" defTabSz="914400" rtl="0" eaLnBrk="1" latinLnBrk="0" hangingPunct="1">
+              <a:spcBef>
+                <a:spcPct val="20000"/>
+              </a:spcBef>
+              <a:buFont typeface="Arial" panose="020B0604020202020204" pitchFamily="34" charset="0"/>
+              <a:buChar char="•"/>
+              <a:defRPr sz="2000" kern="1200">
+                <a:solidFill>
+                  <a:schemeClr val="tx1"/>
+                </a:solidFill>
+                <a:latin typeface="+mn-lt"/>
+                <a:ea typeface="+mn-ea"/>
+                <a:cs typeface="+mn-cs"/>
+              </a:defRPr>
+            </a:lvl9pPr>
+          </a:lstStyle>
+          <a:p>
+            <a:r>
+              <a:rPr lang="en-US" b="1" dirty="0" smtClean="0"/>
+              <a:t>This design was never simulated before </a:t>
+            </a:r>
+            <a:r>
+              <a:rPr lang="en-US" b="1" dirty="0" err="1" smtClean="0"/>
+              <a:t>realisation</a:t>
+            </a:r>
+            <a:endParaRPr lang="en-US" b="1" dirty="0" smtClean="0"/>
+          </a:p>
+          <a:p>
+            <a:r>
+              <a:rPr lang="en-US" dirty="0" smtClean="0"/>
+              <a:t>The end of the </a:t>
+            </a:r>
+            <a:r>
+              <a:rPr lang="en-US" dirty="0" err="1" smtClean="0"/>
+              <a:t>stripline</a:t>
+            </a:r>
+            <a:r>
+              <a:rPr lang="en-US" dirty="0" smtClean="0"/>
+              <a:t> is generally problematic. A not careful design can lead to resonances due to the impedance mismatch</a:t>
+            </a:r>
+          </a:p>
+          <a:p>
+            <a:r>
+              <a:rPr lang="en-US" dirty="0" smtClean="0"/>
+              <a:t>TDR analysis done (generally up to 15 GHz) and parameter sweep</a:t>
+            </a:r>
+          </a:p>
+          <a:p>
+            <a:r>
+              <a:rPr lang="en-US" b="1" dirty="0" smtClean="0"/>
+              <a:t>No sensible variation of the </a:t>
+            </a:r>
+            <a:r>
+              <a:rPr lang="en-US" b="1" dirty="0" err="1" smtClean="0"/>
+              <a:t>wakefield</a:t>
+            </a:r>
+            <a:r>
+              <a:rPr lang="en-US" b="1" dirty="0" smtClean="0"/>
+              <a:t> simulation using </a:t>
+            </a:r>
+            <a:r>
+              <a:rPr lang="en-US" b="1" dirty="0" err="1" smtClean="0"/>
+              <a:t>optimised</a:t>
+            </a:r>
+            <a:r>
+              <a:rPr lang="en-US" b="1" dirty="0" smtClean="0"/>
+              <a:t> parameters</a:t>
+            </a:r>
+          </a:p>
+          <a:p>
+            <a:endParaRPr lang="en-US" dirty="0" smtClean="0"/>
+          </a:p>
+          <a:p>
+            <a:endParaRPr lang="en-US" dirty="0" smtClean="0"/>
+          </a:p>
+          <a:p>
+            <a:endParaRPr lang="en-US" dirty="0" smtClean="0"/>
+          </a:p>
+        </p:txBody>
+      </p:sp>
+      <p:pic>
+        <p:nvPicPr>
+          <p:cNvPr id="7" name="Picture 6"/>
+          <p:cNvPicPr>
+            <a:picLocks noChangeAspect="1"/>
+          </p:cNvPicPr>
+          <p:nvPr/>
+        </p:nvPicPr>
+        <p:blipFill rotWithShape="1">
+          <a:blip r:embed="rId2">
+            <a:extLst>
+              <a:ext uri="{28A0092B-C50C-407E-A947-70E740481C1C}">
+                <a14:useLocalDpi xmlns:a14="http://schemas.microsoft.com/office/drawing/2010/main" val="0"/>
+              </a:ext>
+            </a:extLst>
+          </a:blip>
+          <a:srcRect l="12372"/>
+          <a:stretch/>
+        </p:blipFill>
+        <p:spPr>
+          <a:xfrm>
+            <a:off x="7116780" y="831629"/>
+            <a:ext cx="2149466" cy="2165572"/>
+          </a:xfrm>
+          <a:prstGeom prst="rect">
+            <a:avLst/>
+          </a:prstGeom>
+        </p:spPr>
+      </p:pic>
+      <p:pic>
+        <p:nvPicPr>
+          <p:cNvPr id="10" name="Picture 9"/>
+          <p:cNvPicPr>
+            <a:picLocks noChangeAspect="1"/>
+          </p:cNvPicPr>
+          <p:nvPr/>
+        </p:nvPicPr>
+        <p:blipFill rotWithShape="1">
+          <a:blip r:embed="rId2">
+            <a:extLst>
+              <a:ext uri="{28A0092B-C50C-407E-A947-70E740481C1C}">
+                <a14:useLocalDpi xmlns:a14="http://schemas.microsoft.com/office/drawing/2010/main" val="0"/>
+              </a:ext>
+            </a:extLst>
+          </a:blip>
+          <a:srcRect l="12372" t="11729" r="56952" b="27866"/>
+          <a:stretch/>
+        </p:blipFill>
+        <p:spPr>
+          <a:xfrm>
+            <a:off x="5554680" y="670756"/>
+            <a:ext cx="1338253" cy="2326445"/>
+          </a:xfrm>
+          <a:prstGeom prst="rect">
+            <a:avLst/>
+          </a:prstGeom>
+        </p:spPr>
+      </p:pic>
+      <p:sp>
+        <p:nvSpPr>
+          <p:cNvPr id="11" name="Rectangle 10"/>
+          <p:cNvSpPr/>
+          <p:nvPr/>
+        </p:nvSpPr>
+        <p:spPr>
+          <a:xfrm>
+            <a:off x="7239000" y="1041400"/>
+            <a:ext cx="546100" cy="1435100"/>
+          </a:xfrm>
+          <a:prstGeom prst="rect">
+            <a:avLst/>
+          </a:prstGeom>
+          <a:noFill/>
+          <a:ln w="57150">
+            <a:solidFill>
+              <a:srgbClr val="FF0000"/>
+            </a:solidFill>
+          </a:ln>
+        </p:spPr>
+        <p:style>
+          <a:lnRef idx="2">
+            <a:schemeClr val="accent1">
+              <a:shade val="50000"/>
+            </a:schemeClr>
+          </a:lnRef>
+          <a:fillRef idx="1">
+            <a:schemeClr val="accent1"/>
+          </a:fillRef>
+          <a:effectRef idx="0">
+            <a:schemeClr val="accent1"/>
+          </a:effectRef>
+          <a:fontRef idx="minor">
+            <a:schemeClr val="lt1"/>
+          </a:fontRef>
+        </p:style>
+        <p:txBody>
+          <a:bodyPr rtlCol="0" anchor="ctr"/>
+          <a:lstStyle/>
+          <a:p>
+            <a:pPr algn="ctr"/>
+            <a:endParaRPr lang="en-US"/>
+          </a:p>
+        </p:txBody>
+      </p:sp>
+      <p:cxnSp>
+        <p:nvCxnSpPr>
+          <p:cNvPr id="14" name="Straight Arrow Connector 13"/>
+          <p:cNvCxnSpPr>
+            <a:stCxn id="11" idx="1"/>
+          </p:cNvCxnSpPr>
+          <p:nvPr/>
+        </p:nvCxnSpPr>
+        <p:spPr>
+          <a:xfrm flipH="1">
+            <a:off x="6636557" y="1758950"/>
+            <a:ext cx="602443" cy="0"/>
+          </a:xfrm>
+          <a:prstGeom prst="straightConnector1">
+            <a:avLst/>
+          </a:prstGeom>
+          <a:ln w="47625">
+            <a:solidFill>
+              <a:srgbClr val="FF0000"/>
+            </a:solidFill>
+            <a:tailEnd type="triangle"/>
+          </a:ln>
+        </p:spPr>
+        <p:style>
+          <a:lnRef idx="1">
+            <a:schemeClr val="accent1"/>
+          </a:lnRef>
+          <a:fillRef idx="0">
+            <a:schemeClr val="accent1"/>
+          </a:fillRef>
+          <a:effectRef idx="0">
+            <a:schemeClr val="accent1"/>
+          </a:effectRef>
+          <a:fontRef idx="minor">
+            <a:schemeClr val="tx1"/>
+          </a:fontRef>
+        </p:style>
+      </p:cxnSp>
+      <p:pic>
+        <p:nvPicPr>
+          <p:cNvPr id="16" name="Content Placeholder 3"/>
+          <p:cNvPicPr>
+            <a:picLocks noGrp="1" noChangeAspect="1"/>
+          </p:cNvPicPr>
+          <p:nvPr>
+            <p:ph idx="1"/>
+          </p:nvPr>
+        </p:nvPicPr>
+        <p:blipFill>
+          <a:blip r:embed="rId3">
+            <a:extLst>
+              <a:ext uri="{28A0092B-C50C-407E-A947-70E740481C1C}">
+                <a14:useLocalDpi xmlns:a14="http://schemas.microsoft.com/office/drawing/2010/main" val="0"/>
+              </a:ext>
+            </a:extLst>
+          </a:blip>
+          <a:stretch>
+            <a:fillRect/>
+          </a:stretch>
+        </p:blipFill>
+        <p:spPr>
+          <a:xfrm>
+            <a:off x="4940300" y="3317139"/>
+            <a:ext cx="7009625" cy="3075220"/>
+          </a:xfrm>
+        </p:spPr>
+      </p:pic>
+    </p:spTree>
+    <p:extLst>
+      <p:ext uri="{BB962C8B-B14F-4D97-AF65-F5344CB8AC3E}">
+        <p14:creationId xmlns:p14="http://schemas.microsoft.com/office/powerpoint/2010/main" val="1481655489"/>
+      </p:ext>
+    </p:extLst>
+  </p:cSld>
+  <p:clrMapOvr>
+    <a:masterClrMapping/>
+  </p:clrMapOvr>
+  <p:timing>
+    <p:tnLst>
+      <p:par>
+        <p:cTn id="1" dur="indefinite" restart="never" nodeType="tmRoot"/>
+      </p:par>
+    </p:tnLst>
+  </p:timing>
+</p:sld>
+</file>
+
+<file path=ppt/slides/slide17.xml><?xml version="1.0" encoding="utf-8"?>
+<p:sld xmlns:a="http://schemas.openxmlformats.org/drawingml/2006/main" xmlns:r="http://schemas.openxmlformats.org/officeDocument/2006/relationships" xmlns:p="http://schemas.openxmlformats.org/presentationml/2006/main">
+  <p:cSld>
+    <p:spTree>
+      <p:nvGrpSpPr>
+        <p:cNvPr id="1" name=""/>
+        <p:cNvGrpSpPr/>
+        <p:nvPr/>
+      </p:nvGrpSpPr>
+      <p:grpSpPr>
+        <a:xfrm>
+          <a:off x="0" y="0"/>
+          <a:ext cx="0" cy="0"/>
+          <a:chOff x="0" y="0"/>
+          <a:chExt cx="0" cy="0"/>
+        </a:xfrm>
+      </p:grpSpPr>
+      <p:sp>
+        <p:nvSpPr>
+          <p:cNvPr id="2" name="Title 1"/>
+          <p:cNvSpPr>
+            <a:spLocks noGrp="1"/>
+          </p:cNvSpPr>
+          <p:nvPr>
+            <p:ph type="title"/>
+          </p:nvPr>
+        </p:nvSpPr>
+        <p:spPr/>
+        <p:txBody>
+          <a:bodyPr/>
+          <a:lstStyle/>
+          <a:p>
+            <a:r>
+              <a:rPr lang="en-US" dirty="0" smtClean="0"/>
+              <a:t>Impact of the cavity behind the </a:t>
+            </a:r>
+            <a:r>
+              <a:rPr lang="en-US" dirty="0" err="1" smtClean="0"/>
+              <a:t>stripline</a:t>
+            </a:r>
+            <a:endParaRPr lang="en-US" dirty="0"/>
+          </a:p>
+        </p:txBody>
+      </p:sp>
+      <p:sp>
+        <p:nvSpPr>
+          <p:cNvPr id="5" name="Footer Placeholder 4"/>
+          <p:cNvSpPr>
+            <a:spLocks noGrp="1"/>
+          </p:cNvSpPr>
+          <p:nvPr>
+            <p:ph type="ftr" sz="quarter" idx="11"/>
+          </p:nvPr>
+        </p:nvSpPr>
+        <p:spPr/>
+        <p:txBody>
+          <a:bodyPr/>
+          <a:lstStyle/>
+          <a:p>
+            <a:r>
+              <a:rPr lang="en-US" smtClean="0"/>
+              <a:t>Status of the AWAKE eBPM studies - E. Senes</a:t>
+            </a:r>
+            <a:endParaRPr lang="en-US" dirty="0"/>
+          </a:p>
+        </p:txBody>
+      </p:sp>
+      <p:pic>
+        <p:nvPicPr>
+          <p:cNvPr id="8" name="Picture 7"/>
+          <p:cNvPicPr>
+            <a:picLocks noChangeAspect="1"/>
+          </p:cNvPicPr>
+          <p:nvPr/>
+        </p:nvPicPr>
+        <p:blipFill>
+          <a:blip r:embed="rId2">
+            <a:extLst>
+              <a:ext uri="{28A0092B-C50C-407E-A947-70E740481C1C}">
+                <a14:useLocalDpi xmlns:a14="http://schemas.microsoft.com/office/drawing/2010/main" val="0"/>
+              </a:ext>
+            </a:extLst>
+          </a:blip>
+          <a:stretch>
+            <a:fillRect/>
+          </a:stretch>
+        </p:blipFill>
+        <p:spPr>
+          <a:xfrm>
+            <a:off x="5486028" y="907072"/>
+            <a:ext cx="3200772" cy="2433494"/>
+          </a:xfrm>
+          <a:prstGeom prst="rect">
+            <a:avLst/>
+          </a:prstGeom>
+        </p:spPr>
+      </p:pic>
+      <p:sp>
+        <p:nvSpPr>
+          <p:cNvPr id="10" name="Content Placeholder 2"/>
+          <p:cNvSpPr txBox="1">
+            <a:spLocks/>
+          </p:cNvSpPr>
+          <p:nvPr/>
+        </p:nvSpPr>
+        <p:spPr>
+          <a:xfrm>
+            <a:off x="179511" y="1041400"/>
+            <a:ext cx="5126291" cy="5283200"/>
+          </a:xfrm>
+          <a:prstGeom prst="rect">
+            <a:avLst/>
+          </a:prstGeom>
+        </p:spPr>
+        <p:txBody>
+          <a:bodyPr vert="horz" lIns="91440" tIns="45720" rIns="91440" bIns="45720" rtlCol="0">
+            <a:normAutofit/>
+          </a:bodyPr>
+          <a:lstStyle>
+            <a:lvl1pPr marL="342900" indent="-342900" algn="l" defTabSz="914400" rtl="0" eaLnBrk="1" latinLnBrk="0" hangingPunct="1">
+              <a:spcBef>
+                <a:spcPct val="20000"/>
+              </a:spcBef>
+              <a:buFont typeface="Arial" panose="020B0604020202020204" pitchFamily="34" charset="0"/>
+              <a:buChar char="•"/>
+              <a:defRPr sz="2400" kern="1200">
+                <a:solidFill>
+                  <a:schemeClr val="tx1"/>
+                </a:solidFill>
+                <a:latin typeface="+mn-lt"/>
+                <a:ea typeface="+mn-ea"/>
+                <a:cs typeface="+mn-cs"/>
+              </a:defRPr>
+            </a:lvl1pPr>
+            <a:lvl2pPr marL="742950" indent="-285750" algn="l" defTabSz="914400" rtl="0" eaLnBrk="1" latinLnBrk="0" hangingPunct="1">
+              <a:spcBef>
+                <a:spcPct val="20000"/>
+              </a:spcBef>
+              <a:buFont typeface="Arial" panose="020B0604020202020204" pitchFamily="34" charset="0"/>
+              <a:buChar char="–"/>
+              <a:defRPr sz="2000" kern="1200">
+                <a:solidFill>
+                  <a:schemeClr val="tx1"/>
+                </a:solidFill>
+                <a:latin typeface="+mn-lt"/>
+                <a:ea typeface="+mn-ea"/>
+                <a:cs typeface="+mn-cs"/>
+              </a:defRPr>
+            </a:lvl2pPr>
+            <a:lvl3pPr marL="1143000" indent="-228600" algn="l" defTabSz="914400" rtl="0" eaLnBrk="1" latinLnBrk="0" hangingPunct="1">
+              <a:spcBef>
+                <a:spcPct val="20000"/>
+              </a:spcBef>
+              <a:buFont typeface="Arial" panose="020B0604020202020204" pitchFamily="34" charset="0"/>
+              <a:buChar char="•"/>
+              <a:defRPr sz="2000" kern="1200">
+                <a:solidFill>
+                  <a:schemeClr val="tx1"/>
+                </a:solidFill>
+                <a:latin typeface="+mn-lt"/>
+                <a:ea typeface="+mn-ea"/>
+                <a:cs typeface="+mn-cs"/>
+              </a:defRPr>
+            </a:lvl3pPr>
+            <a:lvl4pPr marL="1600200" indent="-228600" algn="l" defTabSz="914400" rtl="0" eaLnBrk="1" latinLnBrk="0" hangingPunct="1">
+              <a:spcBef>
+                <a:spcPct val="20000"/>
+              </a:spcBef>
+              <a:buFont typeface="Arial" panose="020B0604020202020204" pitchFamily="34" charset="0"/>
+              <a:buChar char="–"/>
+              <a:defRPr sz="1800" kern="1200">
+                <a:solidFill>
+                  <a:schemeClr val="tx1"/>
+                </a:solidFill>
+                <a:latin typeface="+mn-lt"/>
+                <a:ea typeface="+mn-ea"/>
+                <a:cs typeface="+mn-cs"/>
+              </a:defRPr>
+            </a:lvl4pPr>
+            <a:lvl5pPr marL="2057400" indent="-228600" algn="l" defTabSz="914400" rtl="0" eaLnBrk="1" latinLnBrk="0" hangingPunct="1">
+              <a:spcBef>
+                <a:spcPct val="20000"/>
+              </a:spcBef>
+              <a:buFont typeface="Arial" panose="020B0604020202020204" pitchFamily="34" charset="0"/>
+              <a:buChar char="»"/>
+              <a:defRPr sz="1800" kern="1200">
+                <a:solidFill>
+                  <a:schemeClr val="tx1"/>
+                </a:solidFill>
+                <a:latin typeface="+mn-lt"/>
+                <a:ea typeface="+mn-ea"/>
+                <a:cs typeface="+mn-cs"/>
+              </a:defRPr>
+            </a:lvl5pPr>
+            <a:lvl6pPr marL="2514600" indent="-228600" algn="l" defTabSz="914400" rtl="0" eaLnBrk="1" latinLnBrk="0" hangingPunct="1">
+              <a:spcBef>
+                <a:spcPct val="20000"/>
+              </a:spcBef>
+              <a:buFont typeface="Arial" panose="020B0604020202020204" pitchFamily="34" charset="0"/>
+              <a:buChar char="•"/>
+              <a:defRPr sz="2000" kern="1200">
+                <a:solidFill>
+                  <a:schemeClr val="tx1"/>
+                </a:solidFill>
+                <a:latin typeface="+mn-lt"/>
+                <a:ea typeface="+mn-ea"/>
+                <a:cs typeface="+mn-cs"/>
+              </a:defRPr>
+            </a:lvl6pPr>
+            <a:lvl7pPr marL="2971800" indent="-228600" algn="l" defTabSz="914400" rtl="0" eaLnBrk="1" latinLnBrk="0" hangingPunct="1">
+              <a:spcBef>
+                <a:spcPct val="20000"/>
+              </a:spcBef>
+              <a:buFont typeface="Arial" panose="020B0604020202020204" pitchFamily="34" charset="0"/>
+              <a:buChar char="•"/>
+              <a:defRPr sz="2000" kern="1200">
+                <a:solidFill>
+                  <a:schemeClr val="tx1"/>
+                </a:solidFill>
+                <a:latin typeface="+mn-lt"/>
+                <a:ea typeface="+mn-ea"/>
+                <a:cs typeface="+mn-cs"/>
+              </a:defRPr>
+            </a:lvl7pPr>
+            <a:lvl8pPr marL="3429000" indent="-228600" algn="l" defTabSz="914400" rtl="0" eaLnBrk="1" latinLnBrk="0" hangingPunct="1">
+              <a:spcBef>
+                <a:spcPct val="20000"/>
+              </a:spcBef>
+              <a:buFont typeface="Arial" panose="020B0604020202020204" pitchFamily="34" charset="0"/>
+              <a:buChar char="•"/>
+              <a:defRPr sz="2000" kern="1200">
+                <a:solidFill>
+                  <a:schemeClr val="tx1"/>
+                </a:solidFill>
+                <a:latin typeface="+mn-lt"/>
+                <a:ea typeface="+mn-ea"/>
+                <a:cs typeface="+mn-cs"/>
+              </a:defRPr>
+            </a:lvl8pPr>
+            <a:lvl9pPr marL="3886200" indent="-228600" algn="l" defTabSz="914400" rtl="0" eaLnBrk="1" latinLnBrk="0" hangingPunct="1">
+              <a:spcBef>
+                <a:spcPct val="20000"/>
+              </a:spcBef>
+              <a:buFont typeface="Arial" panose="020B0604020202020204" pitchFamily="34" charset="0"/>
+              <a:buChar char="•"/>
+              <a:defRPr sz="2000" kern="1200">
+                <a:solidFill>
+                  <a:schemeClr val="tx1"/>
+                </a:solidFill>
+                <a:latin typeface="+mn-lt"/>
+                <a:ea typeface="+mn-ea"/>
+                <a:cs typeface="+mn-cs"/>
+              </a:defRPr>
+            </a:lvl9pPr>
+          </a:lstStyle>
+          <a:p>
+            <a:r>
+              <a:rPr lang="en-US" b="1" dirty="0" smtClean="0"/>
+              <a:t>This design was never simulated before </a:t>
+            </a:r>
+            <a:r>
+              <a:rPr lang="en-US" b="1" dirty="0" err="1" smtClean="0"/>
+              <a:t>realisation</a:t>
+            </a:r>
+            <a:endParaRPr lang="en-US" b="1" dirty="0" smtClean="0"/>
+          </a:p>
+          <a:p>
+            <a:r>
+              <a:rPr lang="en-US" dirty="0" smtClean="0"/>
+              <a:t>The cavity behind the </a:t>
+            </a:r>
+            <a:r>
+              <a:rPr lang="en-US" dirty="0" err="1" smtClean="0"/>
+              <a:t>stripline</a:t>
+            </a:r>
+            <a:r>
+              <a:rPr lang="en-US" dirty="0" smtClean="0"/>
+              <a:t> can be resonating </a:t>
+            </a:r>
+          </a:p>
+          <a:p>
+            <a:pPr lvl="1"/>
+            <a:r>
+              <a:rPr lang="en-US" dirty="0" smtClean="0"/>
+              <a:t>After </a:t>
+            </a:r>
+            <a:r>
+              <a:rPr lang="en-US" dirty="0" err="1" smtClean="0"/>
+              <a:t>optimisation</a:t>
+            </a:r>
+            <a:r>
+              <a:rPr lang="en-US" dirty="0"/>
+              <a:t> </a:t>
+            </a:r>
+            <a:r>
+              <a:rPr lang="en-US" dirty="0" smtClean="0"/>
+              <a:t>(</a:t>
+            </a:r>
+            <a:r>
+              <a:rPr lang="en-US" dirty="0" err="1" smtClean="0"/>
+              <a:t>wakefield</a:t>
+            </a:r>
+            <a:r>
+              <a:rPr lang="en-US" dirty="0" smtClean="0"/>
+              <a:t> sim.), the smaller the better</a:t>
+            </a:r>
+          </a:p>
+          <a:p>
+            <a:pPr lvl="1"/>
+            <a:r>
+              <a:rPr lang="en-US" dirty="0" smtClean="0"/>
+              <a:t>The slot size can be changed also</a:t>
+            </a:r>
+          </a:p>
+          <a:p>
+            <a:r>
+              <a:rPr lang="en-US" dirty="0" smtClean="0"/>
+              <a:t>Every </a:t>
+            </a:r>
+            <a:r>
+              <a:rPr lang="en-US" dirty="0" err="1" smtClean="0"/>
+              <a:t>optimisation</a:t>
+            </a:r>
+            <a:r>
+              <a:rPr lang="en-US" dirty="0" smtClean="0"/>
+              <a:t> changes the capacitive coupling of the </a:t>
+            </a:r>
+            <a:r>
+              <a:rPr lang="en-US" dirty="0" err="1" smtClean="0"/>
+              <a:t>stripline</a:t>
+            </a:r>
+            <a:endParaRPr lang="en-US" dirty="0" smtClean="0"/>
+          </a:p>
+          <a:p>
+            <a:r>
+              <a:rPr lang="en-US" b="1" dirty="0" smtClean="0"/>
+              <a:t>Still, no sensible variation of the </a:t>
+            </a:r>
+            <a:r>
+              <a:rPr lang="en-US" b="1" dirty="0" err="1" smtClean="0"/>
+              <a:t>wakefield</a:t>
+            </a:r>
+            <a:r>
+              <a:rPr lang="en-US" b="1" dirty="0" smtClean="0"/>
+              <a:t> simulation using </a:t>
+            </a:r>
+            <a:r>
+              <a:rPr lang="en-US" b="1" dirty="0" err="1" smtClean="0"/>
+              <a:t>optimised</a:t>
+            </a:r>
+            <a:r>
+              <a:rPr lang="en-US" b="1" dirty="0" smtClean="0"/>
+              <a:t> parameters</a:t>
+            </a:r>
+          </a:p>
+          <a:p>
+            <a:endParaRPr lang="en-US" dirty="0" smtClean="0"/>
+          </a:p>
+          <a:p>
+            <a:endParaRPr lang="en-US" dirty="0" smtClean="0"/>
+          </a:p>
+          <a:p>
+            <a:endParaRPr lang="en-US" dirty="0" smtClean="0"/>
+          </a:p>
+        </p:txBody>
+      </p:sp>
+      <p:pic>
+        <p:nvPicPr>
+          <p:cNvPr id="11" name="Picture 10"/>
+          <p:cNvPicPr>
+            <a:picLocks noChangeAspect="1"/>
+          </p:cNvPicPr>
+          <p:nvPr/>
+        </p:nvPicPr>
+        <p:blipFill rotWithShape="1">
+          <a:blip r:embed="rId2">
+            <a:extLst>
+              <a:ext uri="{28A0092B-C50C-407E-A947-70E740481C1C}">
+                <a14:useLocalDpi xmlns:a14="http://schemas.microsoft.com/office/drawing/2010/main" val="0"/>
+              </a:ext>
+            </a:extLst>
+          </a:blip>
+          <a:srcRect l="20694" t="3673" r="24551" b="62751"/>
+          <a:stretch/>
+        </p:blipFill>
+        <p:spPr>
+          <a:xfrm>
+            <a:off x="5486028" y="3476084"/>
+            <a:ext cx="3423049" cy="1587500"/>
+          </a:xfrm>
+          <a:prstGeom prst="rect">
+            <a:avLst/>
+          </a:prstGeom>
+        </p:spPr>
+      </p:pic>
+      <p:sp>
+        <p:nvSpPr>
+          <p:cNvPr id="12" name="Rectangle 11"/>
+          <p:cNvSpPr/>
+          <p:nvPr/>
+        </p:nvSpPr>
+        <p:spPr>
+          <a:xfrm rot="16200000">
+            <a:off x="6743700" y="596900"/>
+            <a:ext cx="546100" cy="1435100"/>
+          </a:xfrm>
+          <a:prstGeom prst="rect">
+            <a:avLst/>
+          </a:prstGeom>
+          <a:noFill/>
+          <a:ln w="57150">
+            <a:solidFill>
+              <a:srgbClr val="FF0000"/>
+            </a:solidFill>
+          </a:ln>
+        </p:spPr>
+        <p:style>
+          <a:lnRef idx="2">
+            <a:schemeClr val="accent1">
+              <a:shade val="50000"/>
+            </a:schemeClr>
+          </a:lnRef>
+          <a:fillRef idx="1">
+            <a:schemeClr val="accent1"/>
+          </a:fillRef>
+          <a:effectRef idx="0">
+            <a:schemeClr val="accent1"/>
+          </a:effectRef>
+          <a:fontRef idx="minor">
+            <a:schemeClr val="lt1"/>
+          </a:fontRef>
+        </p:style>
+        <p:txBody>
+          <a:bodyPr rtlCol="0" anchor="ctr"/>
+          <a:lstStyle/>
+          <a:p>
+            <a:pPr algn="ctr"/>
+            <a:endParaRPr lang="en-US"/>
+          </a:p>
+        </p:txBody>
+      </p:sp>
+      <p:cxnSp>
+        <p:nvCxnSpPr>
+          <p:cNvPr id="13" name="Straight Arrow Connector 12"/>
+          <p:cNvCxnSpPr/>
+          <p:nvPr/>
+        </p:nvCxnSpPr>
+        <p:spPr>
+          <a:xfrm>
+            <a:off x="7102880" y="1587500"/>
+            <a:ext cx="9120" cy="2150113"/>
+          </a:xfrm>
+          <a:prstGeom prst="straightConnector1">
+            <a:avLst/>
+          </a:prstGeom>
+          <a:ln w="47625">
+            <a:solidFill>
+              <a:srgbClr val="FF0000"/>
+            </a:solidFill>
+            <a:tailEnd type="triangle"/>
+          </a:ln>
+        </p:spPr>
+        <p:style>
+          <a:lnRef idx="1">
+            <a:schemeClr val="accent1"/>
+          </a:lnRef>
+          <a:fillRef idx="0">
+            <a:schemeClr val="accent1"/>
+          </a:fillRef>
+          <a:effectRef idx="0">
+            <a:schemeClr val="accent1"/>
+          </a:effectRef>
+          <a:fontRef idx="minor">
+            <a:schemeClr val="tx1"/>
+          </a:fontRef>
+        </p:style>
+      </p:cxnSp>
+    </p:spTree>
+    <p:extLst>
+      <p:ext uri="{BB962C8B-B14F-4D97-AF65-F5344CB8AC3E}">
+        <p14:creationId xmlns:p14="http://schemas.microsoft.com/office/powerpoint/2010/main" val="1249275237"/>
+      </p:ext>
+    </p:extLst>
+  </p:cSld>
+  <p:clrMapOvr>
+    <a:masterClrMapping/>
+  </p:clrMapOvr>
+  <p:timing>
+    <p:tnLst>
+      <p:par>
+        <p:cTn id="1" dur="indefinite" restart="never" nodeType="tmRoot"/>
+      </p:par>
+    </p:tnLst>
+  </p:timing>
+</p:sld>
+</file>
+
+<file path=ppt/slides/slide18.xml><?xml version="1.0" encoding="utf-8"?>
+<p:sld xmlns:a="http://schemas.openxmlformats.org/drawingml/2006/main" xmlns:r="http://schemas.openxmlformats.org/officeDocument/2006/relationships" xmlns:p="http://schemas.openxmlformats.org/presentationml/2006/main">
+  <p:cSld>
+    <p:spTree>
+      <p:nvGrpSpPr>
+        <p:cNvPr id="1" name=""/>
+        <p:cNvGrpSpPr/>
+        <p:nvPr/>
+      </p:nvGrpSpPr>
+      <p:grpSpPr>
+        <a:xfrm>
+          <a:off x="0" y="0"/>
+          <a:ext cx="0" cy="0"/>
+          <a:chOff x="0" y="0"/>
+          <a:chExt cx="0" cy="0"/>
+        </a:xfrm>
+      </p:grpSpPr>
+      <p:sp>
+        <p:nvSpPr>
+          <p:cNvPr id="2" name="Title 1"/>
+          <p:cNvSpPr>
+            <a:spLocks noGrp="1"/>
+          </p:cNvSpPr>
+          <p:nvPr>
+            <p:ph type="title"/>
+          </p:nvPr>
+        </p:nvSpPr>
+        <p:spPr/>
+        <p:txBody>
+          <a:bodyPr/>
+          <a:lstStyle/>
+          <a:p>
+            <a:r>
+              <a:rPr lang="en-US" dirty="0" smtClean="0"/>
+              <a:t>Wakefield simulations</a:t>
+            </a:r>
+            <a:endParaRPr lang="en-US" dirty="0"/>
+          </a:p>
+        </p:txBody>
+      </p:sp>
+      <p:sp>
+        <p:nvSpPr>
+          <p:cNvPr id="3" name="Content Placeholder 2"/>
+          <p:cNvSpPr>
+            <a:spLocks noGrp="1"/>
+          </p:cNvSpPr>
+          <p:nvPr>
+            <p:ph idx="1"/>
+          </p:nvPr>
+        </p:nvSpPr>
+        <p:spPr>
+          <a:xfrm>
+            <a:off x="457200" y="960648"/>
+            <a:ext cx="3708400" cy="5165515"/>
+          </a:xfrm>
+        </p:spPr>
+        <p:txBody>
+          <a:bodyPr/>
+          <a:lstStyle/>
+          <a:p>
+            <a:r>
+              <a:rPr lang="en-US" dirty="0" smtClean="0"/>
+              <a:t>Simulate the beam effect</a:t>
+            </a:r>
+          </a:p>
+          <a:p>
+            <a:pPr lvl="1"/>
+            <a:r>
+              <a:rPr lang="en-US" dirty="0" smtClean="0"/>
+              <a:t>Only </a:t>
+            </a:r>
+            <a:r>
+              <a:rPr lang="en-US" dirty="0" err="1" smtClean="0"/>
+              <a:t>gaussian</a:t>
+            </a:r>
+            <a:r>
+              <a:rPr lang="en-US" dirty="0" smtClean="0"/>
+              <a:t> beams</a:t>
+            </a:r>
+          </a:p>
+          <a:p>
+            <a:pPr lvl="1"/>
+            <a:r>
+              <a:rPr lang="en-US" dirty="0" smtClean="0"/>
+              <a:t>Only one beam at the time</a:t>
+            </a:r>
+          </a:p>
+        </p:txBody>
+      </p:sp>
+      <p:sp>
+        <p:nvSpPr>
+          <p:cNvPr id="5" name="Footer Placeholder 4"/>
+          <p:cNvSpPr>
+            <a:spLocks noGrp="1"/>
+          </p:cNvSpPr>
+          <p:nvPr>
+            <p:ph type="ftr" sz="quarter" idx="11"/>
+          </p:nvPr>
+        </p:nvSpPr>
+        <p:spPr/>
+        <p:txBody>
+          <a:bodyPr/>
+          <a:lstStyle/>
+          <a:p>
+            <a:r>
+              <a:rPr lang="en-US" smtClean="0"/>
+              <a:t>Status of the AWAKE eBPM studies - E. Senes</a:t>
+            </a:r>
+            <a:endParaRPr lang="en-US" dirty="0"/>
+          </a:p>
+        </p:txBody>
+      </p:sp>
+      <p:pic>
+        <p:nvPicPr>
+          <p:cNvPr id="4" name="Picture 3"/>
+          <p:cNvPicPr>
+            <a:picLocks noChangeAspect="1"/>
+          </p:cNvPicPr>
+          <p:nvPr/>
+        </p:nvPicPr>
+        <p:blipFill>
+          <a:blip r:embed="rId2">
+            <a:extLst>
+              <a:ext uri="{28A0092B-C50C-407E-A947-70E740481C1C}">
+                <a14:useLocalDpi xmlns:a14="http://schemas.microsoft.com/office/drawing/2010/main" val="0"/>
+              </a:ext>
+            </a:extLst>
+          </a:blip>
+          <a:stretch>
+            <a:fillRect/>
+          </a:stretch>
+        </p:blipFill>
+        <p:spPr>
+          <a:xfrm>
+            <a:off x="1562738" y="3470777"/>
+            <a:ext cx="7022462" cy="2858586"/>
+          </a:xfrm>
+          <a:prstGeom prst="rect">
+            <a:avLst/>
+          </a:prstGeom>
+        </p:spPr>
+      </p:pic>
+      <p:sp>
+        <p:nvSpPr>
+          <p:cNvPr id="7" name="Content Placeholder 2"/>
+          <p:cNvSpPr txBox="1">
+            <a:spLocks/>
+          </p:cNvSpPr>
+          <p:nvPr/>
+        </p:nvSpPr>
+        <p:spPr>
+          <a:xfrm>
+            <a:off x="4508500" y="960647"/>
+            <a:ext cx="3708400" cy="5165515"/>
+          </a:xfrm>
+          <a:prstGeom prst="rect">
+            <a:avLst/>
+          </a:prstGeom>
+        </p:spPr>
+        <p:txBody>
+          <a:bodyPr vert="horz" lIns="91440" tIns="45720" rIns="91440" bIns="45720" rtlCol="0">
+            <a:normAutofit/>
+          </a:bodyPr>
+          <a:lstStyle>
+            <a:lvl1pPr marL="342900" indent="-342900" algn="l" defTabSz="914400" rtl="0" eaLnBrk="1" latinLnBrk="0" hangingPunct="1">
+              <a:spcBef>
+                <a:spcPct val="20000"/>
+              </a:spcBef>
+              <a:buFont typeface="Arial" panose="020B0604020202020204" pitchFamily="34" charset="0"/>
+              <a:buChar char="•"/>
+              <a:defRPr sz="2400" kern="1200">
+                <a:solidFill>
+                  <a:schemeClr val="tx1"/>
+                </a:solidFill>
+                <a:latin typeface="+mn-lt"/>
+                <a:ea typeface="+mn-ea"/>
+                <a:cs typeface="+mn-cs"/>
+              </a:defRPr>
+            </a:lvl1pPr>
+            <a:lvl2pPr marL="742950" indent="-285750" algn="l" defTabSz="914400" rtl="0" eaLnBrk="1" latinLnBrk="0" hangingPunct="1">
+              <a:spcBef>
+                <a:spcPct val="20000"/>
+              </a:spcBef>
+              <a:buFont typeface="Arial" panose="020B0604020202020204" pitchFamily="34" charset="0"/>
+              <a:buChar char="–"/>
+              <a:defRPr sz="2000" kern="1200">
+                <a:solidFill>
+                  <a:schemeClr val="tx1"/>
+                </a:solidFill>
+                <a:latin typeface="+mn-lt"/>
+                <a:ea typeface="+mn-ea"/>
+                <a:cs typeface="+mn-cs"/>
+              </a:defRPr>
+            </a:lvl2pPr>
+            <a:lvl3pPr marL="1143000" indent="-228600" algn="l" defTabSz="914400" rtl="0" eaLnBrk="1" latinLnBrk="0" hangingPunct="1">
+              <a:spcBef>
+                <a:spcPct val="20000"/>
+              </a:spcBef>
+              <a:buFont typeface="Arial" panose="020B0604020202020204" pitchFamily="34" charset="0"/>
+              <a:buChar char="•"/>
+              <a:defRPr sz="2000" kern="1200">
+                <a:solidFill>
+                  <a:schemeClr val="tx1"/>
+                </a:solidFill>
+                <a:latin typeface="+mn-lt"/>
+                <a:ea typeface="+mn-ea"/>
+                <a:cs typeface="+mn-cs"/>
+              </a:defRPr>
+            </a:lvl3pPr>
+            <a:lvl4pPr marL="1600200" indent="-228600" algn="l" defTabSz="914400" rtl="0" eaLnBrk="1" latinLnBrk="0" hangingPunct="1">
+              <a:spcBef>
+                <a:spcPct val="20000"/>
+              </a:spcBef>
+              <a:buFont typeface="Arial" panose="020B0604020202020204" pitchFamily="34" charset="0"/>
+              <a:buChar char="–"/>
+              <a:defRPr sz="1800" kern="1200">
+                <a:solidFill>
+                  <a:schemeClr val="tx1"/>
+                </a:solidFill>
+                <a:latin typeface="+mn-lt"/>
+                <a:ea typeface="+mn-ea"/>
+                <a:cs typeface="+mn-cs"/>
+              </a:defRPr>
+            </a:lvl4pPr>
+            <a:lvl5pPr marL="2057400" indent="-228600" algn="l" defTabSz="914400" rtl="0" eaLnBrk="1" latinLnBrk="0" hangingPunct="1">
+              <a:spcBef>
+                <a:spcPct val="20000"/>
+              </a:spcBef>
+              <a:buFont typeface="Arial" panose="020B0604020202020204" pitchFamily="34" charset="0"/>
+              <a:buChar char="»"/>
+              <a:defRPr sz="1800" kern="1200">
+                <a:solidFill>
+                  <a:schemeClr val="tx1"/>
+                </a:solidFill>
+                <a:latin typeface="+mn-lt"/>
+                <a:ea typeface="+mn-ea"/>
+                <a:cs typeface="+mn-cs"/>
+              </a:defRPr>
+            </a:lvl5pPr>
+            <a:lvl6pPr marL="2514600" indent="-228600" algn="l" defTabSz="914400" rtl="0" eaLnBrk="1" latinLnBrk="0" hangingPunct="1">
+              <a:spcBef>
+                <a:spcPct val="20000"/>
+              </a:spcBef>
+              <a:buFont typeface="Arial" panose="020B0604020202020204" pitchFamily="34" charset="0"/>
+              <a:buChar char="•"/>
+              <a:defRPr sz="2000" kern="1200">
+                <a:solidFill>
+                  <a:schemeClr val="tx1"/>
+                </a:solidFill>
+                <a:latin typeface="+mn-lt"/>
+                <a:ea typeface="+mn-ea"/>
+                <a:cs typeface="+mn-cs"/>
+              </a:defRPr>
+            </a:lvl6pPr>
+            <a:lvl7pPr marL="2971800" indent="-228600" algn="l" defTabSz="914400" rtl="0" eaLnBrk="1" latinLnBrk="0" hangingPunct="1">
+              <a:spcBef>
+                <a:spcPct val="20000"/>
+              </a:spcBef>
+              <a:buFont typeface="Arial" panose="020B0604020202020204" pitchFamily="34" charset="0"/>
+              <a:buChar char="•"/>
+              <a:defRPr sz="2000" kern="1200">
+                <a:solidFill>
+                  <a:schemeClr val="tx1"/>
+                </a:solidFill>
+                <a:latin typeface="+mn-lt"/>
+                <a:ea typeface="+mn-ea"/>
+                <a:cs typeface="+mn-cs"/>
+              </a:defRPr>
+            </a:lvl7pPr>
+            <a:lvl8pPr marL="3429000" indent="-228600" algn="l" defTabSz="914400" rtl="0" eaLnBrk="1" latinLnBrk="0" hangingPunct="1">
+              <a:spcBef>
+                <a:spcPct val="20000"/>
+              </a:spcBef>
+              <a:buFont typeface="Arial" panose="020B0604020202020204" pitchFamily="34" charset="0"/>
+              <a:buChar char="•"/>
+              <a:defRPr sz="2000" kern="1200">
+                <a:solidFill>
+                  <a:schemeClr val="tx1"/>
+                </a:solidFill>
+                <a:latin typeface="+mn-lt"/>
+                <a:ea typeface="+mn-ea"/>
+                <a:cs typeface="+mn-cs"/>
+              </a:defRPr>
+            </a:lvl8pPr>
+            <a:lvl9pPr marL="3886200" indent="-228600" algn="l" defTabSz="914400" rtl="0" eaLnBrk="1" latinLnBrk="0" hangingPunct="1">
+              <a:spcBef>
+                <a:spcPct val="20000"/>
+              </a:spcBef>
+              <a:buFont typeface="Arial" panose="020B0604020202020204" pitchFamily="34" charset="0"/>
+              <a:buChar char="•"/>
+              <a:defRPr sz="2000" kern="1200">
+                <a:solidFill>
+                  <a:schemeClr val="tx1"/>
+                </a:solidFill>
+                <a:latin typeface="+mn-lt"/>
+                <a:ea typeface="+mn-ea"/>
+                <a:cs typeface="+mn-cs"/>
+              </a:defRPr>
+            </a:lvl9pPr>
+          </a:lstStyle>
+          <a:p>
+            <a:r>
+              <a:rPr lang="en-US" dirty="0" smtClean="0"/>
+              <a:t>Parameters explored</a:t>
+            </a:r>
+          </a:p>
+          <a:p>
+            <a:pPr lvl="1"/>
+            <a:r>
+              <a:rPr lang="en-US" dirty="0" smtClean="0"/>
+              <a:t>Nominal protons </a:t>
+            </a:r>
+          </a:p>
+          <a:p>
+            <a:pPr lvl="2"/>
+            <a:r>
+              <a:rPr lang="en-US" dirty="0" smtClean="0"/>
+              <a:t>3e11 ppb</a:t>
+            </a:r>
+          </a:p>
+          <a:p>
+            <a:pPr lvl="2"/>
+            <a:r>
+              <a:rPr lang="en-US" dirty="0" smtClean="0"/>
+              <a:t>75 mm sigma</a:t>
+            </a:r>
+          </a:p>
+          <a:p>
+            <a:pPr lvl="1"/>
+            <a:r>
+              <a:rPr lang="en-US" dirty="0" smtClean="0"/>
+              <a:t>Nominal protons/10</a:t>
+            </a:r>
+          </a:p>
+          <a:p>
+            <a:pPr lvl="1"/>
+            <a:r>
+              <a:rPr lang="en-US" dirty="0" smtClean="0"/>
+              <a:t>Nominal protons/100</a:t>
+            </a:r>
+            <a:endParaRPr lang="en-US" dirty="0"/>
+          </a:p>
+        </p:txBody>
+      </p:sp>
+    </p:spTree>
+    <p:extLst>
+      <p:ext uri="{BB962C8B-B14F-4D97-AF65-F5344CB8AC3E}">
+        <p14:creationId xmlns:p14="http://schemas.microsoft.com/office/powerpoint/2010/main" val="782796561"/>
+      </p:ext>
+    </p:extLst>
+  </p:cSld>
+  <p:clrMapOvr>
+    <a:masterClrMapping/>
+  </p:clrMapOvr>
+  <p:timing>
+    <p:tnLst>
+      <p:par>
+        <p:cTn id="1" dur="indefinite" restart="never" nodeType="tmRoot"/>
+      </p:par>
+    </p:tnLst>
+  </p:timing>
+</p:sld>
+</file>
+
+<file path=ppt/slides/slide19.xml><?xml version="1.0" encoding="utf-8"?>
+<p:sld xmlns:a="http://schemas.openxmlformats.org/drawingml/2006/main" xmlns:r="http://schemas.openxmlformats.org/officeDocument/2006/relationships" xmlns:p="http://schemas.openxmlformats.org/presentationml/2006/main">
+  <p:cSld>
+    <p:spTree>
+      <p:nvGrpSpPr>
+        <p:cNvPr id="1" name=""/>
+        <p:cNvGrpSpPr/>
+        <p:nvPr/>
+      </p:nvGrpSpPr>
+      <p:grpSpPr>
+        <a:xfrm>
+          <a:off x="0" y="0"/>
+          <a:ext cx="0" cy="0"/>
+          <a:chOff x="0" y="0"/>
+          <a:chExt cx="0" cy="0"/>
+        </a:xfrm>
+      </p:grpSpPr>
+      <p:sp>
+        <p:nvSpPr>
+          <p:cNvPr id="2" name="Title 1"/>
+          <p:cNvSpPr>
+            <a:spLocks noGrp="1"/>
+          </p:cNvSpPr>
+          <p:nvPr>
+            <p:ph type="title"/>
+          </p:nvPr>
+        </p:nvSpPr>
+        <p:spPr/>
+        <p:txBody>
+          <a:bodyPr/>
+          <a:lstStyle/>
+          <a:p>
+            <a:r>
+              <a:rPr lang="en-US" dirty="0" smtClean="0"/>
+              <a:t>Wakefield simulations</a:t>
+            </a:r>
+            <a:endParaRPr lang="en-US" dirty="0"/>
+          </a:p>
+        </p:txBody>
+      </p:sp>
+      <p:sp>
+        <p:nvSpPr>
+          <p:cNvPr id="5" name="Footer Placeholder 4"/>
+          <p:cNvSpPr>
+            <a:spLocks noGrp="1"/>
+          </p:cNvSpPr>
+          <p:nvPr>
+            <p:ph type="ftr" sz="quarter" idx="11"/>
+          </p:nvPr>
+        </p:nvSpPr>
+        <p:spPr/>
+        <p:txBody>
+          <a:bodyPr/>
+          <a:lstStyle/>
+          <a:p>
+            <a:r>
+              <a:rPr lang="en-US" smtClean="0"/>
+              <a:t>Status of the AWAKE eBPM studies - E. Senes</a:t>
+            </a:r>
+            <a:endParaRPr lang="en-US" dirty="0"/>
+          </a:p>
+        </p:txBody>
+      </p:sp>
+      <p:pic>
+        <p:nvPicPr>
+          <p:cNvPr id="6" name="Picture 5"/>
+          <p:cNvPicPr>
+            <a:picLocks noChangeAspect="1"/>
+          </p:cNvPicPr>
+          <p:nvPr/>
+        </p:nvPicPr>
+        <p:blipFill rotWithShape="1">
+          <a:blip r:embed="rId2">
+            <a:extLst>
+              <a:ext uri="{28A0092B-C50C-407E-A947-70E740481C1C}">
+                <a14:useLocalDpi xmlns:a14="http://schemas.microsoft.com/office/drawing/2010/main" val="0"/>
+              </a:ext>
+            </a:extLst>
+          </a:blip>
+          <a:srcRect t="-1075"/>
+          <a:stretch/>
+        </p:blipFill>
+        <p:spPr>
+          <a:xfrm>
+            <a:off x="0" y="3356830"/>
+            <a:ext cx="5657793" cy="2342056"/>
+          </a:xfrm>
+          <a:prstGeom prst="rect">
+            <a:avLst/>
+          </a:prstGeom>
+        </p:spPr>
+      </p:pic>
+      <p:pic>
+        <p:nvPicPr>
+          <p:cNvPr id="8" name="Picture 7"/>
+          <p:cNvPicPr>
+            <a:picLocks noChangeAspect="1"/>
+          </p:cNvPicPr>
+          <p:nvPr/>
+        </p:nvPicPr>
+        <p:blipFill rotWithShape="1">
+          <a:blip r:embed="rId3">
+            <a:extLst>
+              <a:ext uri="{28A0092B-C50C-407E-A947-70E740481C1C}">
+                <a14:useLocalDpi xmlns:a14="http://schemas.microsoft.com/office/drawing/2010/main" val="0"/>
+              </a:ext>
+            </a:extLst>
+          </a:blip>
+          <a:srcRect t="1317" b="1"/>
+          <a:stretch/>
+        </p:blipFill>
+        <p:spPr>
+          <a:xfrm>
+            <a:off x="0" y="831628"/>
+            <a:ext cx="5757922" cy="2396181"/>
+          </a:xfrm>
+          <a:prstGeom prst="rect">
+            <a:avLst/>
+          </a:prstGeom>
+        </p:spPr>
+      </p:pic>
+      <p:sp>
+        <p:nvSpPr>
+          <p:cNvPr id="3" name="Content Placeholder 2"/>
+          <p:cNvSpPr>
+            <a:spLocks noGrp="1"/>
+          </p:cNvSpPr>
+          <p:nvPr>
+            <p:ph idx="1"/>
+          </p:nvPr>
+        </p:nvSpPr>
+        <p:spPr>
+          <a:xfrm>
+            <a:off x="5365693" y="1111873"/>
+            <a:ext cx="4064000" cy="4587013"/>
+          </a:xfrm>
+        </p:spPr>
+        <p:txBody>
+          <a:bodyPr/>
+          <a:lstStyle/>
+          <a:p>
+            <a:r>
+              <a:rPr lang="en-US" dirty="0" smtClean="0"/>
+              <a:t>Troubles start at already protons/10 </a:t>
+            </a:r>
+          </a:p>
+          <a:p>
+            <a:r>
+              <a:rPr lang="en-US" dirty="0" smtClean="0"/>
+              <a:t>Will submit the electron simulation soon with real parameters</a:t>
+            </a:r>
+          </a:p>
+          <a:p>
+            <a:r>
+              <a:rPr lang="en-US" dirty="0" smtClean="0"/>
+              <a:t>The resonance pattern starts to be visible, and we are in open z-</a:t>
+            </a:r>
+            <a:r>
+              <a:rPr lang="en-US" dirty="0" err="1" smtClean="0"/>
+              <a:t>bundaries</a:t>
+            </a:r>
+            <a:r>
+              <a:rPr lang="en-US" dirty="0" smtClean="0"/>
+              <a:t> </a:t>
+            </a:r>
+          </a:p>
+          <a:p>
+            <a:r>
+              <a:rPr lang="en-US" dirty="0" smtClean="0"/>
+              <a:t>Signal still dependent on </a:t>
+            </a:r>
+            <a:br>
+              <a:rPr lang="en-US" dirty="0" smtClean="0"/>
+            </a:br>
+            <a:r>
+              <a:rPr lang="en-US" dirty="0" smtClean="0"/>
+              <a:t>the position</a:t>
+            </a:r>
+          </a:p>
+        </p:txBody>
+      </p:sp>
+    </p:spTree>
+    <p:extLst>
+      <p:ext uri="{BB962C8B-B14F-4D97-AF65-F5344CB8AC3E}">
+        <p14:creationId xmlns:p14="http://schemas.microsoft.com/office/powerpoint/2010/main" val="282562827"/>
+      </p:ext>
+    </p:extLst>
+  </p:cSld>
+  <p:clrMapOvr>
+    <a:masterClrMapping/>
+  </p:clrMapOvr>
+  <p:timing>
+    <p:tnLst>
+      <p:par>
+        <p:cTn id="1" dur="indefinite" restart="never" nodeType="tmRoot"/>
+      </p:par>
+    </p:tnLst>
+  </p:timing>
+</p:sld>
+</file>
+
+<file path=ppt/slides/slide2.xml><?xml version="1.0" encoding="utf-8"?>
+<p:sld xmlns:a="http://schemas.openxmlformats.org/drawingml/2006/main" xmlns:r="http://schemas.openxmlformats.org/officeDocument/2006/relationships" xmlns:p="http://schemas.openxmlformats.org/presentationml/2006/main">
+  <p:cSld>
+    <p:spTree>
+      <p:nvGrpSpPr>
+        <p:cNvPr id="1" name=""/>
+        <p:cNvGrpSpPr/>
+        <p:nvPr/>
+      </p:nvGrpSpPr>
+      <p:grpSpPr>
+        <a:xfrm>
+          <a:off x="0" y="0"/>
+          <a:ext cx="0" cy="0"/>
+          <a:chOff x="0" y="0"/>
+          <a:chExt cx="0" cy="0"/>
+        </a:xfrm>
+      </p:grpSpPr>
+      <p:sp>
+        <p:nvSpPr>
+          <p:cNvPr id="2" name="Title 1"/>
+          <p:cNvSpPr>
+            <a:spLocks noGrp="1"/>
+          </p:cNvSpPr>
+          <p:nvPr>
+            <p:ph type="title"/>
+          </p:nvPr>
+        </p:nvSpPr>
+        <p:spPr/>
+        <p:txBody>
+          <a:bodyPr/>
+          <a:lstStyle/>
+          <a:p>
+            <a:r>
+              <a:rPr lang="en-US" dirty="0" smtClean="0"/>
+              <a:t>Outline</a:t>
+            </a:r>
+            <a:endParaRPr lang="en-US" dirty="0"/>
+          </a:p>
+        </p:txBody>
+      </p:sp>
+      <p:sp>
+        <p:nvSpPr>
+          <p:cNvPr id="3" name="Content Placeholder 2"/>
+          <p:cNvSpPr>
+            <a:spLocks noGrp="1"/>
+          </p:cNvSpPr>
+          <p:nvPr>
+            <p:ph idx="1"/>
+          </p:nvPr>
+        </p:nvSpPr>
+        <p:spPr/>
+        <p:txBody>
+          <a:bodyPr>
+            <a:normAutofit/>
+          </a:bodyPr>
+          <a:lstStyle/>
+          <a:p>
+            <a:r>
+              <a:rPr lang="en-US" sz="2800" dirty="0" smtClean="0"/>
+              <a:t>Proton spectrum </a:t>
+            </a:r>
+          </a:p>
+          <a:p>
+            <a:pPr lvl="1"/>
+            <a:r>
+              <a:rPr lang="en-US" dirty="0" smtClean="0"/>
+              <a:t>Ideal case</a:t>
+            </a:r>
+          </a:p>
+          <a:p>
+            <a:pPr lvl="1"/>
+            <a:r>
+              <a:rPr lang="en-US" dirty="0" smtClean="0"/>
+              <a:t>Streak camera measurements</a:t>
+            </a:r>
+          </a:p>
+          <a:p>
+            <a:pPr lvl="1"/>
+            <a:r>
+              <a:rPr lang="en-US" dirty="0" smtClean="0"/>
+              <a:t>Run2 parameters</a:t>
+            </a:r>
+          </a:p>
+          <a:p>
+            <a:r>
+              <a:rPr lang="en-US" sz="2800" dirty="0" smtClean="0"/>
+              <a:t>Simulations and measurements</a:t>
+            </a:r>
+          </a:p>
+          <a:p>
+            <a:pPr lvl="1"/>
+            <a:r>
+              <a:rPr lang="en-US" dirty="0" smtClean="0"/>
+              <a:t>Note on the beam pipe cutoff frequency</a:t>
+            </a:r>
+          </a:p>
+          <a:p>
+            <a:pPr lvl="1"/>
+            <a:r>
+              <a:rPr lang="en-US" dirty="0" smtClean="0"/>
+              <a:t>VNA simulations on a 60mm spare</a:t>
+            </a:r>
+          </a:p>
+          <a:p>
+            <a:pPr lvl="1"/>
+            <a:r>
+              <a:rPr lang="en-US" dirty="0" smtClean="0"/>
+              <a:t>Future measurements plan</a:t>
+            </a:r>
+          </a:p>
+          <a:p>
+            <a:r>
+              <a:rPr lang="en-US" sz="2800" dirty="0" smtClean="0"/>
+              <a:t>Additional work</a:t>
+            </a:r>
+          </a:p>
+          <a:p>
+            <a:endParaRPr lang="en-US" dirty="0" smtClean="0"/>
+          </a:p>
+          <a:p>
+            <a:endParaRPr lang="en-US" sz="2800" dirty="0"/>
+          </a:p>
+        </p:txBody>
+      </p:sp>
+      <p:sp>
+        <p:nvSpPr>
+          <p:cNvPr id="8" name="Footer Placeholder 7"/>
+          <p:cNvSpPr>
+            <a:spLocks noGrp="1"/>
+          </p:cNvSpPr>
+          <p:nvPr>
+            <p:ph type="ftr" sz="quarter" idx="11"/>
+          </p:nvPr>
+        </p:nvSpPr>
+        <p:spPr/>
+        <p:txBody>
+          <a:bodyPr/>
+          <a:lstStyle/>
+          <a:p>
+            <a:r>
+              <a:rPr lang="en-US" smtClean="0"/>
+              <a:t>Status of the AWAKE eBPM studies - E. Senes</a:t>
+            </a:r>
+            <a:endParaRPr lang="en-US" dirty="0"/>
+          </a:p>
+        </p:txBody>
+      </p:sp>
+    </p:spTree>
+    <p:extLst>
+      <p:ext uri="{BB962C8B-B14F-4D97-AF65-F5344CB8AC3E}">
+        <p14:creationId xmlns:p14="http://schemas.microsoft.com/office/powerpoint/2010/main" val="1842844143"/>
+      </p:ext>
+    </p:extLst>
+  </p:cSld>
+  <p:clrMapOvr>
+    <a:masterClrMapping/>
+  </p:clrMapOvr>
+  <p:timing>
+    <p:tnLst>
+      <p:par>
+        <p:cTn id="1" dur="indefinite" restart="never" nodeType="tmRoot"/>
+      </p:par>
+    </p:tnLst>
+  </p:timing>
+</p:sld>
+</file>
+
+<file path=ppt/slides/slide20.xml><?xml version="1.0" encoding="utf-8"?>
+<p:sld xmlns:a="http://schemas.openxmlformats.org/drawingml/2006/main" xmlns:r="http://schemas.openxmlformats.org/officeDocument/2006/relationships" xmlns:p="http://schemas.openxmlformats.org/presentationml/2006/main">
+  <p:cSld>
+    <p:spTree>
+      <p:nvGrpSpPr>
+        <p:cNvPr id="1" name=""/>
+        <p:cNvGrpSpPr/>
+        <p:nvPr/>
+      </p:nvGrpSpPr>
+      <p:grpSpPr>
+        <a:xfrm>
+          <a:off x="0" y="0"/>
+          <a:ext cx="0" cy="0"/>
+          <a:chOff x="0" y="0"/>
+          <a:chExt cx="0" cy="0"/>
+        </a:xfrm>
+      </p:grpSpPr>
+      <p:sp>
+        <p:nvSpPr>
+          <p:cNvPr id="2" name="Title 1"/>
+          <p:cNvSpPr>
+            <a:spLocks noGrp="1"/>
+          </p:cNvSpPr>
+          <p:nvPr>
+            <p:ph type="title"/>
+          </p:nvPr>
+        </p:nvSpPr>
+        <p:spPr/>
+        <p:txBody>
+          <a:bodyPr/>
+          <a:lstStyle/>
+          <a:p>
+            <a:r>
+              <a:rPr lang="en-US" dirty="0" smtClean="0"/>
+              <a:t>November data review</a:t>
+            </a:r>
+            <a:endParaRPr lang="en-US" dirty="0"/>
+          </a:p>
+        </p:txBody>
+      </p:sp>
+      <p:sp>
+        <p:nvSpPr>
+          <p:cNvPr id="3" name="Content Placeholder 2"/>
+          <p:cNvSpPr>
+            <a:spLocks noGrp="1"/>
+          </p:cNvSpPr>
+          <p:nvPr>
+            <p:ph idx="1"/>
+          </p:nvPr>
+        </p:nvSpPr>
+        <p:spPr>
+          <a:xfrm>
+            <a:off x="457200" y="960649"/>
+            <a:ext cx="8229600" cy="1807952"/>
+          </a:xfrm>
+        </p:spPr>
+        <p:txBody>
+          <a:bodyPr/>
+          <a:lstStyle/>
+          <a:p>
+            <a:r>
+              <a:rPr lang="en-US" dirty="0" smtClean="0"/>
+              <a:t>I am reviewing the data on the basis of Colin’s numerous comments</a:t>
+            </a:r>
+          </a:p>
+          <a:p>
+            <a:r>
+              <a:rPr lang="en-US" dirty="0" smtClean="0"/>
+              <a:t>Looking back at the proton signal tail, it looks that there might be something around 4.2 GHz (averaging in f domain)</a:t>
+            </a:r>
+          </a:p>
+          <a:p>
+            <a:endParaRPr lang="en-US" dirty="0"/>
+          </a:p>
+        </p:txBody>
+      </p:sp>
+      <p:sp>
+        <p:nvSpPr>
+          <p:cNvPr id="5" name="Footer Placeholder 4"/>
+          <p:cNvSpPr>
+            <a:spLocks noGrp="1"/>
+          </p:cNvSpPr>
+          <p:nvPr>
+            <p:ph type="ftr" sz="quarter" idx="11"/>
+          </p:nvPr>
+        </p:nvSpPr>
+        <p:spPr/>
+        <p:txBody>
+          <a:bodyPr/>
+          <a:lstStyle/>
+          <a:p>
+            <a:r>
+              <a:rPr lang="en-US" smtClean="0"/>
+              <a:t>Status of the AWAKE eBPM studies - E. Senes</a:t>
+            </a:r>
+            <a:endParaRPr lang="en-US" dirty="0"/>
+          </a:p>
+        </p:txBody>
+      </p:sp>
+      <p:pic>
+        <p:nvPicPr>
+          <p:cNvPr id="7" name="Picture 6"/>
+          <p:cNvPicPr>
+            <a:picLocks noChangeAspect="1"/>
+          </p:cNvPicPr>
+          <p:nvPr/>
+        </p:nvPicPr>
+        <p:blipFill>
+          <a:blip r:embed="rId2">
+            <a:extLst>
+              <a:ext uri="{28A0092B-C50C-407E-A947-70E740481C1C}">
+                <a14:useLocalDpi xmlns:a14="http://schemas.microsoft.com/office/drawing/2010/main" val="0"/>
+              </a:ext>
+            </a:extLst>
+          </a:blip>
+          <a:stretch>
+            <a:fillRect/>
+          </a:stretch>
+        </p:blipFill>
+        <p:spPr>
+          <a:xfrm>
+            <a:off x="2413000" y="2686991"/>
+            <a:ext cx="4013200" cy="2800020"/>
+          </a:xfrm>
+          <a:prstGeom prst="rect">
+            <a:avLst/>
+          </a:prstGeom>
+        </p:spPr>
+      </p:pic>
+      <p:sp>
+        <p:nvSpPr>
+          <p:cNvPr id="8" name="Content Placeholder 2"/>
+          <p:cNvSpPr txBox="1">
+            <a:spLocks/>
+          </p:cNvSpPr>
+          <p:nvPr/>
+        </p:nvSpPr>
+        <p:spPr>
+          <a:xfrm>
+            <a:off x="457200" y="5700278"/>
+            <a:ext cx="8229600" cy="1124965"/>
+          </a:xfrm>
+          <a:prstGeom prst="rect">
+            <a:avLst/>
+          </a:prstGeom>
+        </p:spPr>
+        <p:txBody>
+          <a:bodyPr vert="horz" lIns="91440" tIns="45720" rIns="91440" bIns="45720" rtlCol="0">
+            <a:normAutofit/>
+          </a:bodyPr>
+          <a:lstStyle>
+            <a:lvl1pPr marL="342900" indent="-342900" algn="l" defTabSz="914400" rtl="0" eaLnBrk="1" latinLnBrk="0" hangingPunct="1">
+              <a:spcBef>
+                <a:spcPct val="20000"/>
+              </a:spcBef>
+              <a:buFont typeface="Arial" panose="020B0604020202020204" pitchFamily="34" charset="0"/>
+              <a:buChar char="•"/>
+              <a:defRPr sz="2400" kern="1200">
+                <a:solidFill>
+                  <a:schemeClr val="tx1"/>
+                </a:solidFill>
+                <a:latin typeface="+mn-lt"/>
+                <a:ea typeface="+mn-ea"/>
+                <a:cs typeface="+mn-cs"/>
+              </a:defRPr>
+            </a:lvl1pPr>
+            <a:lvl2pPr marL="742950" indent="-285750" algn="l" defTabSz="914400" rtl="0" eaLnBrk="1" latinLnBrk="0" hangingPunct="1">
+              <a:spcBef>
+                <a:spcPct val="20000"/>
+              </a:spcBef>
+              <a:buFont typeface="Arial" panose="020B0604020202020204" pitchFamily="34" charset="0"/>
+              <a:buChar char="–"/>
+              <a:defRPr sz="2000" kern="1200">
+                <a:solidFill>
+                  <a:schemeClr val="tx1"/>
+                </a:solidFill>
+                <a:latin typeface="+mn-lt"/>
+                <a:ea typeface="+mn-ea"/>
+                <a:cs typeface="+mn-cs"/>
+              </a:defRPr>
+            </a:lvl2pPr>
+            <a:lvl3pPr marL="1143000" indent="-228600" algn="l" defTabSz="914400" rtl="0" eaLnBrk="1" latinLnBrk="0" hangingPunct="1">
+              <a:spcBef>
+                <a:spcPct val="20000"/>
+              </a:spcBef>
+              <a:buFont typeface="Arial" panose="020B0604020202020204" pitchFamily="34" charset="0"/>
+              <a:buChar char="•"/>
+              <a:defRPr sz="2000" kern="1200">
+                <a:solidFill>
+                  <a:schemeClr val="tx1"/>
+                </a:solidFill>
+                <a:latin typeface="+mn-lt"/>
+                <a:ea typeface="+mn-ea"/>
+                <a:cs typeface="+mn-cs"/>
+              </a:defRPr>
+            </a:lvl3pPr>
+            <a:lvl4pPr marL="1600200" indent="-228600" algn="l" defTabSz="914400" rtl="0" eaLnBrk="1" latinLnBrk="0" hangingPunct="1">
+              <a:spcBef>
+                <a:spcPct val="20000"/>
+              </a:spcBef>
+              <a:buFont typeface="Arial" panose="020B0604020202020204" pitchFamily="34" charset="0"/>
+              <a:buChar char="–"/>
+              <a:defRPr sz="1800" kern="1200">
+                <a:solidFill>
+                  <a:schemeClr val="tx1"/>
+                </a:solidFill>
+                <a:latin typeface="+mn-lt"/>
+                <a:ea typeface="+mn-ea"/>
+                <a:cs typeface="+mn-cs"/>
+              </a:defRPr>
+            </a:lvl4pPr>
+            <a:lvl5pPr marL="2057400" indent="-228600" algn="l" defTabSz="914400" rtl="0" eaLnBrk="1" latinLnBrk="0" hangingPunct="1">
+              <a:spcBef>
+                <a:spcPct val="20000"/>
+              </a:spcBef>
+              <a:buFont typeface="Arial" panose="020B0604020202020204" pitchFamily="34" charset="0"/>
+              <a:buChar char="»"/>
+              <a:defRPr sz="1800" kern="1200">
+                <a:solidFill>
+                  <a:schemeClr val="tx1"/>
+                </a:solidFill>
+                <a:latin typeface="+mn-lt"/>
+                <a:ea typeface="+mn-ea"/>
+                <a:cs typeface="+mn-cs"/>
+              </a:defRPr>
+            </a:lvl5pPr>
+            <a:lvl6pPr marL="2514600" indent="-228600" algn="l" defTabSz="914400" rtl="0" eaLnBrk="1" latinLnBrk="0" hangingPunct="1">
+              <a:spcBef>
+                <a:spcPct val="20000"/>
+              </a:spcBef>
+              <a:buFont typeface="Arial" panose="020B0604020202020204" pitchFamily="34" charset="0"/>
+              <a:buChar char="•"/>
+              <a:defRPr sz="2000" kern="1200">
+                <a:solidFill>
+                  <a:schemeClr val="tx1"/>
+                </a:solidFill>
+                <a:latin typeface="+mn-lt"/>
+                <a:ea typeface="+mn-ea"/>
+                <a:cs typeface="+mn-cs"/>
+              </a:defRPr>
+            </a:lvl6pPr>
+            <a:lvl7pPr marL="2971800" indent="-228600" algn="l" defTabSz="914400" rtl="0" eaLnBrk="1" latinLnBrk="0" hangingPunct="1">
+              <a:spcBef>
+                <a:spcPct val="20000"/>
+              </a:spcBef>
+              <a:buFont typeface="Arial" panose="020B0604020202020204" pitchFamily="34" charset="0"/>
+              <a:buChar char="•"/>
+              <a:defRPr sz="2000" kern="1200">
+                <a:solidFill>
+                  <a:schemeClr val="tx1"/>
+                </a:solidFill>
+                <a:latin typeface="+mn-lt"/>
+                <a:ea typeface="+mn-ea"/>
+                <a:cs typeface="+mn-cs"/>
+              </a:defRPr>
+            </a:lvl7pPr>
+            <a:lvl8pPr marL="3429000" indent="-228600" algn="l" defTabSz="914400" rtl="0" eaLnBrk="1" latinLnBrk="0" hangingPunct="1">
+              <a:spcBef>
+                <a:spcPct val="20000"/>
+              </a:spcBef>
+              <a:buFont typeface="Arial" panose="020B0604020202020204" pitchFamily="34" charset="0"/>
+              <a:buChar char="•"/>
+              <a:defRPr sz="2000" kern="1200">
+                <a:solidFill>
+                  <a:schemeClr val="tx1"/>
+                </a:solidFill>
+                <a:latin typeface="+mn-lt"/>
+                <a:ea typeface="+mn-ea"/>
+                <a:cs typeface="+mn-cs"/>
+              </a:defRPr>
+            </a:lvl8pPr>
+            <a:lvl9pPr marL="3886200" indent="-228600" algn="l" defTabSz="914400" rtl="0" eaLnBrk="1" latinLnBrk="0" hangingPunct="1">
+              <a:spcBef>
+                <a:spcPct val="20000"/>
+              </a:spcBef>
+              <a:buFont typeface="Arial" panose="020B0604020202020204" pitchFamily="34" charset="0"/>
+              <a:buChar char="•"/>
+              <a:defRPr sz="2000" kern="1200">
+                <a:solidFill>
+                  <a:schemeClr val="tx1"/>
+                </a:solidFill>
+                <a:latin typeface="+mn-lt"/>
+                <a:ea typeface="+mn-ea"/>
+                <a:cs typeface="+mn-cs"/>
+              </a:defRPr>
+            </a:lvl9pPr>
+          </a:lstStyle>
+          <a:p>
+            <a:r>
+              <a:rPr lang="en-US" dirty="0" smtClean="0"/>
+              <a:t>Electron signals processing </a:t>
+            </a:r>
+            <a:r>
+              <a:rPr lang="en-US" dirty="0" err="1" smtClean="0"/>
+              <a:t>optimisation</a:t>
+            </a:r>
+            <a:r>
+              <a:rPr lang="en-US" dirty="0" smtClean="0"/>
+              <a:t> is still ongoing </a:t>
+            </a:r>
+          </a:p>
+          <a:p>
+            <a:endParaRPr lang="en-US" dirty="0"/>
+          </a:p>
+        </p:txBody>
+      </p:sp>
+    </p:spTree>
+    <p:extLst>
+      <p:ext uri="{BB962C8B-B14F-4D97-AF65-F5344CB8AC3E}">
+        <p14:creationId xmlns:p14="http://schemas.microsoft.com/office/powerpoint/2010/main" val="2119265282"/>
+      </p:ext>
+    </p:extLst>
+  </p:cSld>
+  <p:clrMapOvr>
+    <a:masterClrMapping/>
+  </p:clrMapOvr>
+  <p:timing>
+    <p:tnLst>
+      <p:par>
+        <p:cTn id="1" dur="indefinite" restart="never" nodeType="tmRoot"/>
+      </p:par>
+    </p:tnLst>
+  </p:timing>
+</p:sld>
+</file>
+
+<file path=ppt/slides/slide21.xml><?xml version="1.0" encoding="utf-8"?>
+<p:sld xmlns:a="http://schemas.openxmlformats.org/drawingml/2006/main" xmlns:r="http://schemas.openxmlformats.org/officeDocument/2006/relationships" xmlns:p="http://schemas.openxmlformats.org/presentationml/2006/main">
+  <p:cSld>
+    <p:spTree>
+      <p:nvGrpSpPr>
+        <p:cNvPr id="1" name=""/>
+        <p:cNvGrpSpPr/>
+        <p:nvPr/>
+      </p:nvGrpSpPr>
+      <p:grpSpPr>
+        <a:xfrm>
+          <a:off x="0" y="0"/>
+          <a:ext cx="0" cy="0"/>
+          <a:chOff x="0" y="0"/>
+          <a:chExt cx="0" cy="0"/>
+        </a:xfrm>
+      </p:grpSpPr>
+      <p:sp>
+        <p:nvSpPr>
+          <p:cNvPr id="2" name="Title 1"/>
+          <p:cNvSpPr>
+            <a:spLocks noGrp="1"/>
+          </p:cNvSpPr>
+          <p:nvPr>
+            <p:ph type="title"/>
+          </p:nvPr>
+        </p:nvSpPr>
+        <p:spPr/>
+        <p:txBody>
+          <a:bodyPr/>
+          <a:lstStyle/>
+          <a:p>
+            <a:r>
+              <a:rPr lang="en-US" dirty="0" smtClean="0"/>
+              <a:t>Additional headaches</a:t>
+            </a:r>
+            <a:endParaRPr lang="en-US" dirty="0"/>
+          </a:p>
+        </p:txBody>
+      </p:sp>
+      <p:sp>
+        <p:nvSpPr>
+          <p:cNvPr id="3" name="Content Placeholder 2"/>
+          <p:cNvSpPr>
+            <a:spLocks noGrp="1"/>
+          </p:cNvSpPr>
+          <p:nvPr>
+            <p:ph idx="1"/>
+          </p:nvPr>
+        </p:nvSpPr>
+        <p:spPr>
+          <a:xfrm>
+            <a:off x="457200" y="795548"/>
+            <a:ext cx="8229600" cy="6062452"/>
+          </a:xfrm>
+        </p:spPr>
+        <p:txBody>
+          <a:bodyPr>
+            <a:normAutofit/>
+          </a:bodyPr>
+          <a:lstStyle/>
+          <a:p>
+            <a:r>
+              <a:rPr lang="en-US" dirty="0" smtClean="0"/>
+              <a:t>CST simulations of the Cherenkov radiators</a:t>
+            </a:r>
+          </a:p>
+          <a:p>
+            <a:pPr lvl="1"/>
+            <a:r>
+              <a:rPr lang="en-US" dirty="0" smtClean="0"/>
+              <a:t>Idea: </a:t>
+            </a:r>
+            <a:r>
+              <a:rPr lang="en-US" dirty="0" err="1" smtClean="0"/>
+              <a:t>optimise</a:t>
+            </a:r>
+            <a:r>
+              <a:rPr lang="en-US" dirty="0" smtClean="0"/>
+              <a:t> a design to be tested at CLEAR</a:t>
+            </a:r>
+          </a:p>
+          <a:p>
+            <a:pPr lvl="1"/>
+            <a:r>
+              <a:rPr lang="en-US" dirty="0" smtClean="0"/>
+              <a:t>Hitting VERY hard the limitations of the code and of the CERN computing facilities</a:t>
+            </a:r>
+          </a:p>
+          <a:p>
+            <a:pPr lvl="2"/>
+            <a:r>
+              <a:rPr lang="en-US" dirty="0" smtClean="0"/>
+              <a:t>Limited to 2^31 =~ 2.3 billion cells (and trying to go to 400 GHz </a:t>
+            </a:r>
+            <a:r>
+              <a:rPr lang="mr-IN" dirty="0" smtClean="0"/>
+              <a:t>…</a:t>
+            </a:r>
+            <a:r>
+              <a:rPr lang="en-US" dirty="0" smtClean="0"/>
+              <a:t>)</a:t>
+            </a:r>
+          </a:p>
+          <a:p>
+            <a:pPr lvl="2"/>
+            <a:r>
+              <a:rPr lang="en-US" dirty="0" smtClean="0"/>
+              <a:t>Going higher requires MPI, that the IT plans to make available at some point on the cluster, unclear when. I don’t count on that.</a:t>
+            </a:r>
+          </a:p>
+          <a:p>
+            <a:pPr lvl="2"/>
+            <a:r>
+              <a:rPr lang="en-US" dirty="0" smtClean="0"/>
+              <a:t>The code struggles a lot with big field monitors. Even just saving the field in a cutting plane is 40 GB </a:t>
+            </a:r>
+          </a:p>
+          <a:p>
+            <a:pPr lvl="1"/>
+            <a:r>
+              <a:rPr lang="en-US" dirty="0" smtClean="0"/>
+              <a:t>VERY time consuming, simulations on the cluster ~18h, plus setup time, copy back and forth, and additional complication of a program running on windows locally and processing on </a:t>
+            </a:r>
+            <a:r>
+              <a:rPr lang="en-US" dirty="0" err="1" smtClean="0"/>
+              <a:t>linux</a:t>
+            </a:r>
+            <a:r>
+              <a:rPr lang="en-US" dirty="0" smtClean="0"/>
+              <a:t> in the cluster</a:t>
+            </a:r>
+          </a:p>
+          <a:p>
+            <a:pPr lvl="2"/>
+            <a:r>
+              <a:rPr lang="en-US" dirty="0" smtClean="0"/>
+              <a:t>The various file systems at CERN do not help at all</a:t>
+            </a:r>
+          </a:p>
+          <a:p>
+            <a:r>
+              <a:rPr lang="en-US" dirty="0" smtClean="0"/>
+              <a:t>Next attempt using GDFIDL </a:t>
+            </a:r>
+          </a:p>
+          <a:p>
+            <a:pPr lvl="1"/>
+            <a:r>
+              <a:rPr lang="en-US" dirty="0" smtClean="0"/>
+              <a:t>No time to explore it yet</a:t>
+            </a:r>
+          </a:p>
+          <a:p>
+            <a:r>
+              <a:rPr lang="en-US" dirty="0" smtClean="0"/>
+              <a:t>IPAC paper on the PS side is still taking time (mostly overnight)</a:t>
+            </a:r>
+          </a:p>
+        </p:txBody>
+      </p:sp>
+      <p:sp>
+        <p:nvSpPr>
+          <p:cNvPr id="4" name="Footer Placeholder 3"/>
+          <p:cNvSpPr>
+            <a:spLocks noGrp="1"/>
+          </p:cNvSpPr>
+          <p:nvPr>
+            <p:ph type="ftr" sz="quarter" idx="11"/>
+          </p:nvPr>
+        </p:nvSpPr>
+        <p:spPr/>
+        <p:txBody>
+          <a:bodyPr/>
+          <a:lstStyle/>
+          <a:p>
+            <a:r>
+              <a:rPr lang="en-US" smtClean="0"/>
+              <a:t>Status of the AWAKE eBPM studies - E. Senes</a:t>
+            </a:r>
+            <a:endParaRPr lang="en-US" dirty="0"/>
+          </a:p>
+        </p:txBody>
+      </p:sp>
+    </p:spTree>
+    <p:extLst>
+      <p:ext uri="{BB962C8B-B14F-4D97-AF65-F5344CB8AC3E}">
+        <p14:creationId xmlns:p14="http://schemas.microsoft.com/office/powerpoint/2010/main" val="1582450420"/>
+      </p:ext>
+    </p:extLst>
+  </p:cSld>
+  <p:clrMapOvr>
+    <a:masterClrMapping/>
+  </p:clrMapOvr>
+</p:sld>
+</file>
+
+<file path=ppt/slides/slide22.xml><?xml version="1.0" encoding="utf-8"?>
+<p:sld xmlns:a="http://schemas.openxmlformats.org/drawingml/2006/main" xmlns:r="http://schemas.openxmlformats.org/officeDocument/2006/relationships" xmlns:p="http://schemas.openxmlformats.org/presentationml/2006/main">
+  <p:cSld>
+    <p:spTree>
+      <p:nvGrpSpPr>
+        <p:cNvPr id="1" name=""/>
+        <p:cNvGrpSpPr/>
+        <p:nvPr/>
+      </p:nvGrpSpPr>
+      <p:grpSpPr>
+        <a:xfrm>
+          <a:off x="0" y="0"/>
+          <a:ext cx="0" cy="0"/>
+          <a:chOff x="0" y="0"/>
+          <a:chExt cx="0" cy="0"/>
+        </a:xfrm>
+      </p:grpSpPr>
+      <p:sp>
+        <p:nvSpPr>
+          <p:cNvPr id="2" name="Title 1"/>
+          <p:cNvSpPr>
+            <a:spLocks noGrp="1"/>
+          </p:cNvSpPr>
+          <p:nvPr>
+            <p:ph type="title"/>
+          </p:nvPr>
+        </p:nvSpPr>
+        <p:spPr/>
+        <p:txBody>
+          <a:bodyPr/>
+          <a:lstStyle/>
+          <a:p>
+            <a:r>
+              <a:rPr lang="en-US" dirty="0" smtClean="0"/>
+              <a:t>Spare</a:t>
+            </a:r>
+            <a:endParaRPr lang="en-US" dirty="0"/>
+          </a:p>
+        </p:txBody>
+      </p:sp>
+      <p:sp>
+        <p:nvSpPr>
+          <p:cNvPr id="3" name="Content Placeholder 2"/>
+          <p:cNvSpPr>
+            <a:spLocks noGrp="1"/>
+          </p:cNvSpPr>
+          <p:nvPr>
+            <p:ph idx="1"/>
+          </p:nvPr>
+        </p:nvSpPr>
+        <p:spPr/>
+        <p:txBody>
+          <a:bodyPr/>
+          <a:lstStyle/>
+          <a:p>
+            <a:endParaRPr lang="en-US"/>
+          </a:p>
+        </p:txBody>
+      </p:sp>
+      <p:sp>
+        <p:nvSpPr>
+          <p:cNvPr id="4" name="Footer Placeholder 3"/>
+          <p:cNvSpPr>
+            <a:spLocks noGrp="1"/>
+          </p:cNvSpPr>
+          <p:nvPr>
+            <p:ph type="ftr" sz="quarter" idx="11"/>
+          </p:nvPr>
+        </p:nvSpPr>
+        <p:spPr/>
+        <p:txBody>
+          <a:bodyPr/>
+          <a:lstStyle/>
+          <a:p>
+            <a:r>
+              <a:rPr lang="en-US" smtClean="0"/>
+              <a:t>Status of the AWAKE eBPM studies - E. Senes</a:t>
+            </a:r>
+            <a:endParaRPr lang="en-US" dirty="0"/>
+          </a:p>
+        </p:txBody>
+      </p:sp>
+    </p:spTree>
+    <p:extLst>
+      <p:ext uri="{BB962C8B-B14F-4D97-AF65-F5344CB8AC3E}">
+        <p14:creationId xmlns:p14="http://schemas.microsoft.com/office/powerpoint/2010/main" val="748109384"/>
+      </p:ext>
+    </p:extLst>
+  </p:cSld>
+  <p:clrMapOvr>
+    <a:masterClrMapping/>
+  </p:clrMapOvr>
+</p:sld>
+</file>
+
+<file path=ppt/slides/slide23.xml><?xml version="1.0" encoding="utf-8"?>
+<p:sld xmlns:a="http://schemas.openxmlformats.org/drawingml/2006/main" xmlns:r="http://schemas.openxmlformats.org/officeDocument/2006/relationships" xmlns:p="http://schemas.openxmlformats.org/presentationml/2006/main">
+  <p:cSld>
+    <p:spTree>
+      <p:nvGrpSpPr>
+        <p:cNvPr id="1" name=""/>
+        <p:cNvGrpSpPr/>
+        <p:nvPr/>
+      </p:nvGrpSpPr>
+      <p:grpSpPr>
+        <a:xfrm>
+          <a:off x="0" y="0"/>
+          <a:ext cx="0" cy="0"/>
+          <a:chOff x="0" y="0"/>
+          <a:chExt cx="0" cy="0"/>
+        </a:xfrm>
+      </p:grpSpPr>
+      <p:sp>
+        <p:nvSpPr>
+          <p:cNvPr id="2" name="Title 1"/>
+          <p:cNvSpPr>
+            <a:spLocks noGrp="1"/>
+          </p:cNvSpPr>
+          <p:nvPr>
+            <p:ph type="title"/>
+          </p:nvPr>
+        </p:nvSpPr>
+        <p:spPr/>
+        <p:txBody>
+          <a:bodyPr/>
+          <a:lstStyle/>
+          <a:p>
+            <a:endParaRPr lang="en-US"/>
+          </a:p>
+        </p:txBody>
+      </p:sp>
+      <p:sp>
+        <p:nvSpPr>
+          <p:cNvPr id="3" name="Content Placeholder 2"/>
+          <p:cNvSpPr>
+            <a:spLocks noGrp="1"/>
+          </p:cNvSpPr>
+          <p:nvPr>
+            <p:ph idx="1"/>
+          </p:nvPr>
+        </p:nvSpPr>
+        <p:spPr/>
+        <p:txBody>
+          <a:bodyPr/>
+          <a:lstStyle/>
+          <a:p>
+            <a:endParaRPr lang="en-US"/>
+          </a:p>
+        </p:txBody>
+      </p:sp>
+      <p:sp>
+        <p:nvSpPr>
+          <p:cNvPr id="4" name="Footer Placeholder 3"/>
+          <p:cNvSpPr>
+            <a:spLocks noGrp="1"/>
+          </p:cNvSpPr>
+          <p:nvPr>
+            <p:ph type="ftr" sz="quarter" idx="11"/>
+          </p:nvPr>
+        </p:nvSpPr>
+        <p:spPr/>
+        <p:txBody>
+          <a:bodyPr/>
+          <a:lstStyle/>
+          <a:p>
+            <a:r>
+              <a:rPr lang="en-US" smtClean="0"/>
+              <a:t>Status of the AWAKE eBPM studies - E. Senes</a:t>
+            </a:r>
+            <a:endParaRPr lang="en-US" dirty="0"/>
+          </a:p>
+        </p:txBody>
+      </p:sp>
+      <p:pic>
+        <p:nvPicPr>
+          <p:cNvPr id="5" name="Picture 4"/>
+          <p:cNvPicPr>
+            <a:picLocks noChangeAspect="1"/>
+          </p:cNvPicPr>
+          <p:nvPr/>
+        </p:nvPicPr>
+        <p:blipFill>
+          <a:blip r:embed="rId2">
+            <a:extLst>
+              <a:ext uri="{28A0092B-C50C-407E-A947-70E740481C1C}">
+                <a14:useLocalDpi xmlns:a14="http://schemas.microsoft.com/office/drawing/2010/main" val="0"/>
+              </a:ext>
+            </a:extLst>
+          </a:blip>
+          <a:stretch>
+            <a:fillRect/>
+          </a:stretch>
+        </p:blipFill>
+        <p:spPr>
+          <a:xfrm>
+            <a:off x="0" y="1460500"/>
+            <a:ext cx="9144000" cy="3927894"/>
+          </a:xfrm>
+          <a:prstGeom prst="rect">
+            <a:avLst/>
+          </a:prstGeom>
+        </p:spPr>
+      </p:pic>
+    </p:spTree>
+    <p:extLst>
+      <p:ext uri="{BB962C8B-B14F-4D97-AF65-F5344CB8AC3E}">
+        <p14:creationId xmlns:p14="http://schemas.microsoft.com/office/powerpoint/2010/main" val="2105147350"/>
+      </p:ext>
+    </p:extLst>
+  </p:cSld>
+  <p:clrMapOvr>
+    <a:masterClrMapping/>
+  </p:clrMapOvr>
+</p:sld>
+</file>
+
+<file path=ppt/slides/slide3.xml><?xml version="1.0" encoding="utf-8"?>
+<p:sld xmlns:a="http://schemas.openxmlformats.org/drawingml/2006/main" xmlns:r="http://schemas.openxmlformats.org/officeDocument/2006/relationships" xmlns:p="http://schemas.openxmlformats.org/presentationml/2006/main">
+  <p:cSld>
+    <p:spTree>
+      <p:nvGrpSpPr>
+        <p:cNvPr id="1" name=""/>
+        <p:cNvGrpSpPr/>
+        <p:nvPr/>
+      </p:nvGrpSpPr>
+      <p:grpSpPr>
+        <a:xfrm>
+          <a:off x="0" y="0"/>
+          <a:ext cx="0" cy="0"/>
+          <a:chOff x="0" y="0"/>
+          <a:chExt cx="0" cy="0"/>
+        </a:xfrm>
+      </p:grpSpPr>
+      <p:sp>
+        <p:nvSpPr>
+          <p:cNvPr id="2" name="Title 1"/>
+          <p:cNvSpPr>
+            <a:spLocks noGrp="1"/>
+          </p:cNvSpPr>
+          <p:nvPr>
+            <p:ph type="title"/>
+          </p:nvPr>
+        </p:nvSpPr>
+        <p:spPr>
+          <a:xfrm>
+            <a:off x="511175" y="4053632"/>
+            <a:ext cx="8229600" cy="714996"/>
+          </a:xfrm>
+        </p:spPr>
+        <p:txBody>
+          <a:bodyPr/>
+          <a:lstStyle/>
+          <a:p>
+            <a:pPr algn="l"/>
+            <a:r>
+              <a:rPr lang="en-US" dirty="0" smtClean="0"/>
+              <a:t>Proton bunch spectrum</a:t>
+            </a:r>
+            <a:endParaRPr lang="en-US" dirty="0"/>
+          </a:p>
+        </p:txBody>
+      </p:sp>
+      <p:sp>
+        <p:nvSpPr>
+          <p:cNvPr id="5" name="Footer Placeholder 4"/>
+          <p:cNvSpPr>
+            <a:spLocks noGrp="1"/>
+          </p:cNvSpPr>
+          <p:nvPr>
+            <p:ph type="ftr" sz="quarter" idx="11"/>
+          </p:nvPr>
+        </p:nvSpPr>
+        <p:spPr/>
+        <p:txBody>
+          <a:bodyPr/>
+          <a:lstStyle/>
+          <a:p>
+            <a:r>
+              <a:rPr lang="en-US" smtClean="0"/>
+              <a:t>Status of the AWAKE eBPM studies - E. Senes</a:t>
+            </a:r>
+            <a:endParaRPr lang="en-US" dirty="0"/>
+          </a:p>
+        </p:txBody>
+      </p:sp>
+    </p:spTree>
+    <p:extLst>
+      <p:ext uri="{BB962C8B-B14F-4D97-AF65-F5344CB8AC3E}">
+        <p14:creationId xmlns:p14="http://schemas.microsoft.com/office/powerpoint/2010/main" val="144461143"/>
+      </p:ext>
+    </p:extLst>
+  </p:cSld>
+  <p:clrMapOvr>
+    <a:masterClrMapping/>
+  </p:clrMapOvr>
+  <p:timing>
+    <p:tnLst>
+      <p:par>
+        <p:cTn id="1" dur="indefinite" restart="never" nodeType="tmRoot"/>
+      </p:par>
+    </p:tnLst>
+  </p:timing>
+</p:sld>
+</file>
+
+<file path=ppt/slides/slide4.xml><?xml version="1.0" encoding="utf-8"?>
+<p:sld xmlns:a="http://schemas.openxmlformats.org/drawingml/2006/main" xmlns:r="http://schemas.openxmlformats.org/officeDocument/2006/relationships" xmlns:p="http://schemas.openxmlformats.org/presentationml/2006/main">
+  <p:cSld>
+    <p:spTree>
+      <p:nvGrpSpPr>
+        <p:cNvPr id="1" name=""/>
+        <p:cNvGrpSpPr/>
+        <p:nvPr/>
+      </p:nvGrpSpPr>
+      <p:grpSpPr>
+        <a:xfrm>
+          <a:off x="0" y="0"/>
+          <a:ext cx="0" cy="0"/>
+          <a:chOff x="0" y="0"/>
+          <a:chExt cx="0" cy="0"/>
+        </a:xfrm>
+      </p:grpSpPr>
+      <p:sp>
+        <p:nvSpPr>
+          <p:cNvPr id="2" name="Title 1"/>
+          <p:cNvSpPr>
+            <a:spLocks noGrp="1"/>
+          </p:cNvSpPr>
+          <p:nvPr>
+            <p:ph type="title"/>
+          </p:nvPr>
+        </p:nvSpPr>
+        <p:spPr/>
+        <p:txBody>
+          <a:bodyPr/>
+          <a:lstStyle/>
+          <a:p>
+            <a:r>
+              <a:rPr lang="en-US" dirty="0" smtClean="0"/>
+              <a:t>Proton spectrum: </a:t>
+            </a:r>
+            <a:r>
+              <a:rPr lang="en-US" dirty="0" err="1" smtClean="0"/>
+              <a:t>gaussian</a:t>
+            </a:r>
+            <a:r>
+              <a:rPr lang="en-US" dirty="0" smtClean="0"/>
+              <a:t> beams case</a:t>
+            </a:r>
+            <a:endParaRPr lang="en-US" dirty="0"/>
+          </a:p>
+        </p:txBody>
+      </p:sp>
+      <p:sp>
+        <p:nvSpPr>
+          <p:cNvPr id="5" name="Footer Placeholder 4"/>
+          <p:cNvSpPr>
+            <a:spLocks noGrp="1"/>
+          </p:cNvSpPr>
+          <p:nvPr>
+            <p:ph type="ftr" sz="quarter" idx="11"/>
+          </p:nvPr>
+        </p:nvSpPr>
+        <p:spPr/>
+        <p:txBody>
+          <a:bodyPr/>
+          <a:lstStyle/>
+          <a:p>
+            <a:r>
+              <a:rPr lang="en-US" smtClean="0"/>
+              <a:t>Status of the AWAKE eBPM studies - E. Senes</a:t>
+            </a:r>
+            <a:endParaRPr lang="en-US" dirty="0"/>
+          </a:p>
+        </p:txBody>
+      </p:sp>
+      <p:pic>
+        <p:nvPicPr>
+          <p:cNvPr id="7" name="Picture 6"/>
+          <p:cNvPicPr>
+            <a:picLocks noChangeAspect="1"/>
+          </p:cNvPicPr>
+          <p:nvPr/>
+        </p:nvPicPr>
+        <p:blipFill>
+          <a:blip r:embed="rId2">
+            <a:extLst>
+              <a:ext uri="{28A0092B-C50C-407E-A947-70E740481C1C}">
+                <a14:useLocalDpi xmlns:a14="http://schemas.microsoft.com/office/drawing/2010/main" val="0"/>
+              </a:ext>
+            </a:extLst>
+          </a:blip>
+          <a:stretch>
+            <a:fillRect/>
+          </a:stretch>
+        </p:blipFill>
+        <p:spPr>
+          <a:xfrm>
+            <a:off x="0" y="1097402"/>
+            <a:ext cx="6609347" cy="4406231"/>
+          </a:xfrm>
+          <a:prstGeom prst="rect">
+            <a:avLst/>
+          </a:prstGeom>
+        </p:spPr>
+      </p:pic>
+      <p:sp>
+        <p:nvSpPr>
+          <p:cNvPr id="3" name="Content Placeholder 2"/>
+          <p:cNvSpPr>
+            <a:spLocks noGrp="1"/>
+          </p:cNvSpPr>
+          <p:nvPr>
+            <p:ph idx="1"/>
+          </p:nvPr>
+        </p:nvSpPr>
+        <p:spPr>
+          <a:xfrm>
+            <a:off x="6156176" y="1609029"/>
+            <a:ext cx="2629272" cy="3605903"/>
+          </a:xfrm>
+        </p:spPr>
+        <p:txBody>
+          <a:bodyPr/>
+          <a:lstStyle/>
+          <a:p>
+            <a:pPr marL="0" indent="0">
+              <a:buNone/>
+            </a:pPr>
+            <a:r>
+              <a:rPr lang="en-US" b="1" dirty="0" smtClean="0"/>
+              <a:t>Gaussian case:</a:t>
+            </a:r>
+          </a:p>
+          <a:p>
+            <a:pPr marL="0" indent="0">
+              <a:buNone/>
+            </a:pPr>
+            <a:r>
+              <a:rPr lang="en-US" dirty="0" smtClean="0"/>
+              <a:t>For the present setup: </a:t>
+            </a:r>
+          </a:p>
+          <a:p>
+            <a:r>
+              <a:rPr lang="en-US" dirty="0" smtClean="0"/>
+              <a:t>3e11 protons</a:t>
+            </a:r>
+          </a:p>
+          <a:p>
+            <a:r>
+              <a:rPr lang="en-US" dirty="0" smtClean="0"/>
+              <a:t>600 </a:t>
+            </a:r>
+            <a:r>
+              <a:rPr lang="en-US" dirty="0" err="1" smtClean="0"/>
+              <a:t>pC</a:t>
+            </a:r>
+            <a:r>
+              <a:rPr lang="en-US" dirty="0" smtClean="0"/>
+              <a:t> electrons</a:t>
+            </a:r>
+          </a:p>
+          <a:p>
+            <a:pPr marL="0" indent="0">
+              <a:buNone/>
+            </a:pPr>
+            <a:r>
+              <a:rPr lang="en-US" dirty="0" smtClean="0"/>
+              <a:t>Expected 35-38 dB difference at zero frequency</a:t>
+            </a:r>
+          </a:p>
+        </p:txBody>
+      </p:sp>
+    </p:spTree>
+    <p:extLst>
+      <p:ext uri="{BB962C8B-B14F-4D97-AF65-F5344CB8AC3E}">
+        <p14:creationId xmlns:p14="http://schemas.microsoft.com/office/powerpoint/2010/main" val="1290460415"/>
+      </p:ext>
+    </p:extLst>
+  </p:cSld>
+  <p:clrMapOvr>
+    <a:masterClrMapping/>
+  </p:clrMapOvr>
+  <p:timing>
+    <p:tnLst>
+      <p:par>
+        <p:cTn id="1" dur="indefinite" restart="never" nodeType="tmRoot"/>
+      </p:par>
+    </p:tnLst>
+  </p:timing>
+</p:sld>
+</file>
+
+<file path=ppt/slides/slide5.xml><?xml version="1.0" encoding="utf-8"?>
+<p:sld xmlns:a="http://schemas.openxmlformats.org/drawingml/2006/main" xmlns:r="http://schemas.openxmlformats.org/officeDocument/2006/relationships" xmlns:p="http://schemas.openxmlformats.org/presentationml/2006/main">
+  <p:cSld>
+    <p:spTree>
+      <p:nvGrpSpPr>
+        <p:cNvPr id="1" name=""/>
+        <p:cNvGrpSpPr/>
+        <p:nvPr/>
+      </p:nvGrpSpPr>
+      <p:grpSpPr>
+        <a:xfrm>
+          <a:off x="0" y="0"/>
+          <a:ext cx="0" cy="0"/>
+          <a:chOff x="0" y="0"/>
+          <a:chExt cx="0" cy="0"/>
+        </a:xfrm>
+      </p:grpSpPr>
+      <p:pic>
+        <p:nvPicPr>
+          <p:cNvPr id="7" name="Picture 6"/>
+          <p:cNvPicPr>
+            <a:picLocks noChangeAspect="1"/>
+          </p:cNvPicPr>
+          <p:nvPr/>
+        </p:nvPicPr>
+        <p:blipFill>
+          <a:blip r:embed="rId2">
+            <a:extLst>
+              <a:ext uri="{28A0092B-C50C-407E-A947-70E740481C1C}">
+                <a14:useLocalDpi xmlns:a14="http://schemas.microsoft.com/office/drawing/2010/main" val="0"/>
+              </a:ext>
+            </a:extLst>
+          </a:blip>
+          <a:stretch>
+            <a:fillRect/>
+          </a:stretch>
+        </p:blipFill>
+        <p:spPr>
+          <a:xfrm>
+            <a:off x="4488657" y="1790700"/>
+            <a:ext cx="4566008" cy="4566008"/>
+          </a:xfrm>
+          <a:prstGeom prst="rect">
+            <a:avLst/>
+          </a:prstGeom>
+        </p:spPr>
+      </p:pic>
+      <p:sp>
+        <p:nvSpPr>
+          <p:cNvPr id="2" name="Title 1"/>
+          <p:cNvSpPr>
+            <a:spLocks noGrp="1"/>
+          </p:cNvSpPr>
+          <p:nvPr>
+            <p:ph type="title"/>
+          </p:nvPr>
+        </p:nvSpPr>
+        <p:spPr/>
+        <p:txBody>
+          <a:bodyPr/>
+          <a:lstStyle/>
+          <a:p>
+            <a:r>
+              <a:rPr lang="en-US" dirty="0" smtClean="0"/>
+              <a:t>Streak </a:t>
+            </a:r>
+            <a:r>
+              <a:rPr lang="en-US" smtClean="0"/>
+              <a:t>camera measurements</a:t>
+            </a:r>
+            <a:endParaRPr lang="en-US"/>
+          </a:p>
+        </p:txBody>
+      </p:sp>
+      <p:sp>
+        <p:nvSpPr>
+          <p:cNvPr id="3" name="Content Placeholder 2"/>
+          <p:cNvSpPr>
+            <a:spLocks noGrp="1"/>
+          </p:cNvSpPr>
+          <p:nvPr>
+            <p:ph idx="1"/>
+          </p:nvPr>
+        </p:nvSpPr>
+        <p:spPr>
+          <a:xfrm>
+            <a:off x="457200" y="1316248"/>
+            <a:ext cx="8229600" cy="5165515"/>
+          </a:xfrm>
+        </p:spPr>
+        <p:txBody>
+          <a:bodyPr/>
+          <a:lstStyle/>
+          <a:p>
+            <a:r>
+              <a:rPr lang="en-US" b="1" dirty="0" smtClean="0"/>
+              <a:t>Key question: </a:t>
+            </a:r>
+            <a:r>
+              <a:rPr lang="en-US" dirty="0" smtClean="0"/>
+              <a:t>how long does the proton spectrum extends in the frequency range ?</a:t>
+            </a:r>
+            <a:endParaRPr lang="en-US" dirty="0"/>
+          </a:p>
+        </p:txBody>
+      </p:sp>
+      <p:sp>
+        <p:nvSpPr>
+          <p:cNvPr id="5" name="Footer Placeholder 4"/>
+          <p:cNvSpPr>
+            <a:spLocks noGrp="1"/>
+          </p:cNvSpPr>
+          <p:nvPr>
+            <p:ph type="ftr" sz="quarter" idx="11"/>
+          </p:nvPr>
+        </p:nvSpPr>
+        <p:spPr/>
+        <p:txBody>
+          <a:bodyPr/>
+          <a:lstStyle/>
+          <a:p>
+            <a:r>
+              <a:rPr lang="en-US" smtClean="0"/>
+              <a:t>Status of the AWAKE eBPM studies - E. Senes</a:t>
+            </a:r>
+            <a:endParaRPr lang="en-US" dirty="0"/>
+          </a:p>
+        </p:txBody>
+      </p:sp>
+      <p:pic>
+        <p:nvPicPr>
+          <p:cNvPr id="8" name="Picture 7"/>
+          <p:cNvPicPr>
+            <a:picLocks noChangeAspect="1"/>
+          </p:cNvPicPr>
+          <p:nvPr/>
+        </p:nvPicPr>
+        <p:blipFill>
+          <a:blip r:embed="rId3">
+            <a:extLst>
+              <a:ext uri="{28A0092B-C50C-407E-A947-70E740481C1C}">
+                <a14:useLocalDpi xmlns:a14="http://schemas.microsoft.com/office/drawing/2010/main" val="0"/>
+              </a:ext>
+            </a:extLst>
+          </a:blip>
+          <a:stretch>
+            <a:fillRect/>
+          </a:stretch>
+        </p:blipFill>
+        <p:spPr>
+          <a:xfrm>
+            <a:off x="107950" y="2565400"/>
+            <a:ext cx="4564857" cy="3043238"/>
+          </a:xfrm>
+          <a:prstGeom prst="rect">
+            <a:avLst/>
+          </a:prstGeom>
+        </p:spPr>
+      </p:pic>
+    </p:spTree>
+    <p:extLst>
+      <p:ext uri="{BB962C8B-B14F-4D97-AF65-F5344CB8AC3E}">
+        <p14:creationId xmlns:p14="http://schemas.microsoft.com/office/powerpoint/2010/main" val="1330843852"/>
+      </p:ext>
+    </p:extLst>
+  </p:cSld>
+  <p:clrMapOvr>
+    <a:masterClrMapping/>
+  </p:clrMapOvr>
+  <p:timing>
+    <p:tnLst>
+      <p:par>
+        <p:cTn id="1" dur="indefinite" restart="never" nodeType="tmRoot"/>
+      </p:par>
+    </p:tnLst>
+  </p:timing>
+</p:sld>
+</file>
+
+<file path=ppt/slides/slide6.xml><?xml version="1.0" encoding="utf-8"?>
+<p:sld xmlns:a="http://schemas.openxmlformats.org/drawingml/2006/main" xmlns:r="http://schemas.openxmlformats.org/officeDocument/2006/relationships" xmlns:p="http://schemas.openxmlformats.org/presentationml/2006/main">
+  <p:cSld>
+    <p:spTree>
+      <p:nvGrpSpPr>
+        <p:cNvPr id="1" name=""/>
+        <p:cNvGrpSpPr/>
+        <p:nvPr/>
+      </p:nvGrpSpPr>
+      <p:grpSpPr>
+        <a:xfrm>
+          <a:off x="0" y="0"/>
+          <a:ext cx="0" cy="0"/>
+          <a:chOff x="0" y="0"/>
+          <a:chExt cx="0" cy="0"/>
+        </a:xfrm>
+      </p:grpSpPr>
+      <p:sp>
+        <p:nvSpPr>
+          <p:cNvPr id="2" name="Title 1"/>
+          <p:cNvSpPr>
+            <a:spLocks noGrp="1"/>
+          </p:cNvSpPr>
+          <p:nvPr>
+            <p:ph type="title"/>
+          </p:nvPr>
+        </p:nvSpPr>
+        <p:spPr/>
+        <p:txBody>
+          <a:bodyPr/>
+          <a:lstStyle/>
+          <a:p>
+            <a:r>
+              <a:rPr lang="en-US" dirty="0" smtClean="0"/>
+              <a:t>Streak camera reliability</a:t>
+            </a:r>
+            <a:endParaRPr lang="en-US" dirty="0"/>
+          </a:p>
+        </p:txBody>
+      </p:sp>
+      <p:sp>
+        <p:nvSpPr>
+          <p:cNvPr id="3" name="Content Placeholder 2"/>
+          <p:cNvSpPr>
+            <a:spLocks noGrp="1"/>
+          </p:cNvSpPr>
+          <p:nvPr>
+            <p:ph idx="1"/>
+          </p:nvPr>
+        </p:nvSpPr>
+        <p:spPr>
+          <a:xfrm>
+            <a:off x="457200" y="744747"/>
+            <a:ext cx="8229600" cy="5779877"/>
+          </a:xfrm>
+        </p:spPr>
+        <p:txBody>
+          <a:bodyPr>
+            <a:normAutofit/>
+          </a:bodyPr>
+          <a:lstStyle/>
+          <a:p>
+            <a:r>
+              <a:rPr lang="en-GB" dirty="0" smtClean="0"/>
+              <a:t>The presence of a </a:t>
+            </a:r>
+            <a:r>
+              <a:rPr lang="en-GB" b="1" dirty="0" smtClean="0"/>
+              <a:t>fine structure in the proton bunch is interesting for AWAKE</a:t>
+            </a:r>
+            <a:r>
+              <a:rPr lang="en-GB" dirty="0" smtClean="0"/>
+              <a:t> as it might be the trigger for seeded instability</a:t>
+            </a:r>
+          </a:p>
+          <a:p>
+            <a:r>
+              <a:rPr lang="en-GB" dirty="0" smtClean="0"/>
+              <a:t>The streak camera has been </a:t>
+            </a:r>
+            <a:r>
+              <a:rPr lang="en-GB" b="1" dirty="0" smtClean="0"/>
+              <a:t>well characterised</a:t>
+            </a:r>
+            <a:r>
+              <a:rPr lang="en-GB" dirty="0" smtClean="0"/>
+              <a:t> in a master thesis work</a:t>
+            </a:r>
+          </a:p>
+          <a:p>
+            <a:pPr lvl="1"/>
+            <a:r>
+              <a:rPr lang="en-GB" dirty="0" smtClean="0"/>
+              <a:t>K. </a:t>
+            </a:r>
+            <a:r>
+              <a:rPr lang="en-GB" dirty="0" err="1" smtClean="0"/>
+              <a:t>Rieger</a:t>
+            </a:r>
+            <a:r>
+              <a:rPr lang="en-GB" dirty="0" smtClean="0"/>
+              <a:t>, </a:t>
+            </a:r>
+            <a:r>
+              <a:rPr lang="en-GB" i="1" dirty="0"/>
+              <a:t>Streak cameras and optical transition radiation </a:t>
+            </a:r>
+            <a:r>
+              <a:rPr lang="en-GB" i="1" dirty="0" smtClean="0"/>
+              <a:t>as a </a:t>
+            </a:r>
+            <a:r>
+              <a:rPr lang="en-GB" i="1" dirty="0"/>
+              <a:t>diagnostic for self-modulation of </a:t>
+            </a:r>
+            <a:r>
+              <a:rPr lang="en-GB" i="1" dirty="0" smtClean="0"/>
+              <a:t>charged particle </a:t>
+            </a:r>
+            <a:r>
+              <a:rPr lang="en-GB" i="1" dirty="0"/>
+              <a:t>beams in </a:t>
+            </a:r>
+            <a:r>
+              <a:rPr lang="en-GB" i="1" dirty="0" smtClean="0"/>
+              <a:t>plasmas</a:t>
+            </a:r>
+            <a:r>
+              <a:rPr lang="en-GB" dirty="0" smtClean="0"/>
+              <a:t>, MSc. Thesis, TUM, Munich, Germany, January 2015</a:t>
+            </a:r>
+          </a:p>
+          <a:p>
+            <a:pPr lvl="1"/>
+            <a:r>
+              <a:rPr lang="en-GB" dirty="0" smtClean="0"/>
+              <a:t>K. </a:t>
+            </a:r>
+            <a:r>
+              <a:rPr lang="en-GB" dirty="0" err="1" smtClean="0"/>
+              <a:t>Rieger</a:t>
+            </a:r>
+            <a:r>
+              <a:rPr lang="en-GB" dirty="0" smtClean="0"/>
+              <a:t> et al, </a:t>
+            </a:r>
+            <a:r>
+              <a:rPr lang="en-GB" i="1" dirty="0" smtClean="0"/>
+              <a:t>GHz modulation detection using a streak camera: </a:t>
+            </a:r>
+            <a:r>
+              <a:rPr lang="en-GB" i="1" dirty="0" err="1" smtClean="0"/>
+              <a:t>Suitablilty</a:t>
+            </a:r>
+            <a:r>
+              <a:rPr lang="en-GB" i="1" dirty="0" smtClean="0"/>
+              <a:t> of streak cameras in the AWAKE experiment</a:t>
+            </a:r>
+            <a:r>
+              <a:rPr lang="en-GB" dirty="0" smtClean="0"/>
+              <a:t>, Rev. of Scientific Instr. 88, 025110, 2017, corrected Jan. 2018</a:t>
+            </a:r>
+          </a:p>
+          <a:p>
+            <a:r>
+              <a:rPr lang="en-GB" dirty="0" smtClean="0"/>
+              <a:t>It concludes that the streak camera is capable of resolving light peaks up to ~300 GHz !</a:t>
+            </a:r>
+          </a:p>
+          <a:p>
+            <a:r>
+              <a:rPr lang="en-GB" dirty="0" smtClean="0"/>
+              <a:t>I will use the FFT of dark images to understand the effect of the instrument on the spectrum (frames from </a:t>
+            </a:r>
+            <a:r>
+              <a:rPr lang="en-GB" dirty="0" err="1" smtClean="0"/>
+              <a:t>M.Huther</a:t>
+            </a:r>
+            <a:r>
+              <a:rPr lang="en-GB" dirty="0" smtClean="0"/>
+              <a:t>)</a:t>
+            </a:r>
+          </a:p>
+        </p:txBody>
+      </p:sp>
+      <p:sp>
+        <p:nvSpPr>
+          <p:cNvPr id="5" name="Footer Placeholder 4"/>
+          <p:cNvSpPr>
+            <a:spLocks noGrp="1"/>
+          </p:cNvSpPr>
+          <p:nvPr>
+            <p:ph type="ftr" sz="quarter" idx="11"/>
+          </p:nvPr>
+        </p:nvSpPr>
+        <p:spPr/>
+        <p:txBody>
+          <a:bodyPr/>
+          <a:lstStyle/>
+          <a:p>
+            <a:r>
+              <a:rPr lang="en-US" smtClean="0"/>
+              <a:t>Status of the AWAKE eBPM studies - E. Senes</a:t>
+            </a:r>
+            <a:endParaRPr lang="en-US" dirty="0"/>
+          </a:p>
+        </p:txBody>
+      </p:sp>
+    </p:spTree>
+    <p:extLst>
+      <p:ext uri="{BB962C8B-B14F-4D97-AF65-F5344CB8AC3E}">
+        <p14:creationId xmlns:p14="http://schemas.microsoft.com/office/powerpoint/2010/main" val="1450437059"/>
+      </p:ext>
+    </p:extLst>
+  </p:cSld>
+  <p:clrMapOvr>
+    <a:masterClrMapping/>
+  </p:clrMapOvr>
+  <p:timing>
+    <p:tnLst>
+      <p:par>
+        <p:cTn id="1" dur="indefinite" restart="never" nodeType="tmRoot"/>
+      </p:par>
+    </p:tnLst>
+  </p:timing>
+</p:sld>
+</file>
+
+<file path=ppt/slides/slide7.xml><?xml version="1.0" encoding="utf-8"?>
+<p:sld xmlns:a="http://schemas.openxmlformats.org/drawingml/2006/main" xmlns:r="http://schemas.openxmlformats.org/officeDocument/2006/relationships" xmlns:p="http://schemas.openxmlformats.org/presentationml/2006/main">
+  <p:cSld>
+    <p:spTree>
+      <p:nvGrpSpPr>
+        <p:cNvPr id="1" name=""/>
+        <p:cNvGrpSpPr/>
+        <p:nvPr/>
+      </p:nvGrpSpPr>
+      <p:grpSpPr>
+        <a:xfrm>
+          <a:off x="0" y="0"/>
+          <a:ext cx="0" cy="0"/>
+          <a:chOff x="0" y="0"/>
+          <a:chExt cx="0" cy="0"/>
+        </a:xfrm>
+      </p:grpSpPr>
+      <p:sp>
+        <p:nvSpPr>
+          <p:cNvPr id="2" name="Title 1"/>
+          <p:cNvSpPr>
+            <a:spLocks noGrp="1"/>
+          </p:cNvSpPr>
+          <p:nvPr>
+            <p:ph type="title"/>
+          </p:nvPr>
+        </p:nvSpPr>
+        <p:spPr/>
+        <p:txBody>
+          <a:bodyPr/>
+          <a:lstStyle/>
+          <a:p>
+            <a:r>
+              <a:rPr lang="en-US" dirty="0" smtClean="0"/>
+              <a:t>Streak camera reliability</a:t>
+            </a:r>
+            <a:endParaRPr lang="en-US" dirty="0"/>
+          </a:p>
+        </p:txBody>
+      </p:sp>
+      <p:sp>
+        <p:nvSpPr>
+          <p:cNvPr id="3" name="Content Placeholder 2"/>
+          <p:cNvSpPr>
+            <a:spLocks noGrp="1"/>
+          </p:cNvSpPr>
+          <p:nvPr>
+            <p:ph idx="1"/>
+          </p:nvPr>
+        </p:nvSpPr>
+        <p:spPr>
+          <a:xfrm>
+            <a:off x="457200" y="960648"/>
+            <a:ext cx="8229600" cy="5492688"/>
+          </a:xfrm>
+        </p:spPr>
+        <p:txBody>
+          <a:bodyPr>
+            <a:normAutofit lnSpcReduction="10000"/>
+          </a:bodyPr>
+          <a:lstStyle/>
+          <a:p>
+            <a:r>
+              <a:rPr lang="en-GB" b="1" dirty="0" smtClean="0"/>
+              <a:t>No </a:t>
+            </a:r>
+            <a:r>
+              <a:rPr lang="en-GB" b="1" dirty="0"/>
+              <a:t>suitable instrumentation</a:t>
+            </a:r>
+            <a:r>
+              <a:rPr lang="en-GB" dirty="0"/>
+              <a:t> is installed </a:t>
+            </a:r>
+            <a:r>
+              <a:rPr lang="en-GB" b="1" dirty="0"/>
+              <a:t>in the SPS </a:t>
+            </a:r>
+            <a:r>
+              <a:rPr lang="en-GB" dirty="0"/>
+              <a:t>to investigate in the tens of GHz regime.</a:t>
+            </a:r>
+          </a:p>
+          <a:p>
+            <a:pPr lvl="1"/>
+            <a:r>
+              <a:rPr lang="en-GB" dirty="0"/>
+              <a:t>WCM -3dB </a:t>
+            </a:r>
+            <a:r>
+              <a:rPr lang="en-GB" dirty="0" err="1"/>
+              <a:t>cutoff</a:t>
+            </a:r>
+            <a:r>
+              <a:rPr lang="en-GB" dirty="0"/>
+              <a:t> frequency  is 2.2 GHz, and it is believed that it behaves well up to ~3.5 </a:t>
+            </a:r>
+            <a:r>
+              <a:rPr lang="en-GB" dirty="0" smtClean="0"/>
+              <a:t>GHz ... Definitely not enough</a:t>
+            </a:r>
+          </a:p>
+          <a:p>
+            <a:r>
+              <a:rPr lang="en-GB" dirty="0" smtClean="0"/>
+              <a:t>Other instrumentation at AWAKE ? E.g. heterodyne system could be potentially used, but no protons anymore </a:t>
+            </a:r>
+            <a:r>
+              <a:rPr lang="mr-IN" dirty="0" smtClean="0"/>
+              <a:t>…</a:t>
+            </a:r>
+            <a:endParaRPr lang="en-US" dirty="0" smtClean="0"/>
+          </a:p>
+          <a:p>
+            <a:r>
+              <a:rPr lang="en-GB" dirty="0" smtClean="0"/>
+              <a:t>This analysis was never done before, investigating if something was done for the electrons </a:t>
+            </a:r>
+            <a:r>
+              <a:rPr lang="mr-IN" dirty="0" smtClean="0"/>
+              <a:t>…</a:t>
+            </a:r>
+            <a:endParaRPr lang="en-GB" dirty="0" smtClean="0"/>
+          </a:p>
+          <a:p>
+            <a:r>
+              <a:rPr lang="en-GB" b="1" dirty="0" smtClean="0"/>
+              <a:t>The validation of the reliability of the streak camera is pending. </a:t>
+            </a:r>
+            <a:r>
+              <a:rPr lang="en-GB" dirty="0" smtClean="0"/>
+              <a:t>Hamamatsu experts have been pulled in the loop. </a:t>
+            </a:r>
+          </a:p>
+          <a:p>
+            <a:pPr lvl="1"/>
+            <a:r>
+              <a:rPr lang="en-GB" dirty="0" smtClean="0"/>
+              <a:t>High frequency noise can be introduced by the nature of the streak camera measurement itself. Shot by shot use could be problematic. Normally a very low light is employed and the profiles are averaged in order to resolve the bunch length by fitting (chat with Stefano).</a:t>
+            </a:r>
+          </a:p>
+          <a:p>
+            <a:pPr lvl="1"/>
+            <a:r>
+              <a:rPr lang="en-GB" dirty="0" smtClean="0"/>
+              <a:t>Does being able to resolve 300 GHz keep us safe from these HF components ?</a:t>
+            </a:r>
+          </a:p>
+          <a:p>
+            <a:pPr lvl="1"/>
+            <a:endParaRPr lang="en-GB" dirty="0" smtClean="0"/>
+          </a:p>
+        </p:txBody>
+      </p:sp>
+      <p:sp>
+        <p:nvSpPr>
+          <p:cNvPr id="5" name="Footer Placeholder 4"/>
+          <p:cNvSpPr>
+            <a:spLocks noGrp="1"/>
+          </p:cNvSpPr>
+          <p:nvPr>
+            <p:ph type="ftr" sz="quarter" idx="11"/>
+          </p:nvPr>
+        </p:nvSpPr>
+        <p:spPr/>
+        <p:txBody>
+          <a:bodyPr/>
+          <a:lstStyle/>
+          <a:p>
+            <a:r>
+              <a:rPr lang="en-US" smtClean="0"/>
+              <a:t>Status of the AWAKE eBPM studies - E. Senes</a:t>
+            </a:r>
+            <a:endParaRPr lang="en-US" dirty="0"/>
+          </a:p>
+        </p:txBody>
+      </p:sp>
+    </p:spTree>
+    <p:extLst>
+      <p:ext uri="{BB962C8B-B14F-4D97-AF65-F5344CB8AC3E}">
+        <p14:creationId xmlns:p14="http://schemas.microsoft.com/office/powerpoint/2010/main" val="200247106"/>
+      </p:ext>
+    </p:extLst>
+  </p:cSld>
+  <p:clrMapOvr>
+    <a:masterClrMapping/>
+  </p:clrMapOvr>
+  <p:timing>
+    <p:tnLst>
+      <p:par>
+        <p:cTn id="1" dur="indefinite" restart="never" nodeType="tmRoot"/>
+      </p:par>
+    </p:tnLst>
+  </p:timing>
+</p:sld>
+</file>
+
+<file path=ppt/slides/slide8.xml><?xml version="1.0" encoding="utf-8"?>
+<p:sld xmlns:a="http://schemas.openxmlformats.org/drawingml/2006/main" xmlns:r="http://schemas.openxmlformats.org/officeDocument/2006/relationships" xmlns:p="http://schemas.openxmlformats.org/presentationml/2006/main">
+  <p:cSld>
+    <p:spTree>
+      <p:nvGrpSpPr>
+        <p:cNvPr id="1" name=""/>
+        <p:cNvGrpSpPr/>
+        <p:nvPr/>
+      </p:nvGrpSpPr>
+      <p:grpSpPr>
+        <a:xfrm>
+          <a:off x="0" y="0"/>
+          <a:ext cx="0" cy="0"/>
+          <a:chOff x="0" y="0"/>
+          <a:chExt cx="0" cy="0"/>
+        </a:xfrm>
+      </p:grpSpPr>
+      <p:pic>
+        <p:nvPicPr>
+          <p:cNvPr id="7" name="Picture 6"/>
+          <p:cNvPicPr>
+            <a:picLocks noChangeAspect="1"/>
+          </p:cNvPicPr>
+          <p:nvPr/>
+        </p:nvPicPr>
+        <p:blipFill>
+          <a:blip r:embed="rId2">
+            <a:extLst>
+              <a:ext uri="{28A0092B-C50C-407E-A947-70E740481C1C}">
+                <a14:useLocalDpi xmlns:a14="http://schemas.microsoft.com/office/drawing/2010/main" val="0"/>
+              </a:ext>
+            </a:extLst>
+          </a:blip>
+          <a:stretch>
+            <a:fillRect/>
+          </a:stretch>
+        </p:blipFill>
+        <p:spPr>
+          <a:xfrm>
+            <a:off x="4542634" y="746483"/>
+            <a:ext cx="4979910" cy="4612917"/>
+          </a:xfrm>
+          <a:prstGeom prst="rect">
+            <a:avLst/>
+          </a:prstGeom>
+        </p:spPr>
+      </p:pic>
+      <p:sp>
+        <p:nvSpPr>
+          <p:cNvPr id="2" name="Title 1"/>
+          <p:cNvSpPr>
+            <a:spLocks noGrp="1"/>
+          </p:cNvSpPr>
+          <p:nvPr>
+            <p:ph type="title"/>
+          </p:nvPr>
+        </p:nvSpPr>
+        <p:spPr/>
+        <p:txBody>
+          <a:bodyPr/>
+          <a:lstStyle/>
+          <a:p>
+            <a:r>
+              <a:rPr lang="en-US" dirty="0" smtClean="0"/>
+              <a:t>AWAKE run 2 parameters</a:t>
+            </a:r>
+            <a:endParaRPr lang="en-US" dirty="0"/>
+          </a:p>
+        </p:txBody>
+      </p:sp>
+      <p:sp>
+        <p:nvSpPr>
+          <p:cNvPr id="3" name="Content Placeholder 2"/>
+          <p:cNvSpPr>
+            <a:spLocks noGrp="1"/>
+          </p:cNvSpPr>
+          <p:nvPr>
+            <p:ph idx="1"/>
+          </p:nvPr>
+        </p:nvSpPr>
+        <p:spPr>
+          <a:xfrm>
+            <a:off x="457200" y="960648"/>
+            <a:ext cx="4432300" cy="5656052"/>
+          </a:xfrm>
+        </p:spPr>
+        <p:txBody>
+          <a:bodyPr>
+            <a:normAutofit/>
+          </a:bodyPr>
+          <a:lstStyle/>
+          <a:p>
+            <a:pPr>
+              <a:spcBef>
+                <a:spcPts val="0"/>
+              </a:spcBef>
+            </a:pPr>
+            <a:r>
+              <a:rPr lang="en-US" dirty="0" smtClean="0"/>
+              <a:t>The usual </a:t>
+            </a:r>
+            <a:r>
+              <a:rPr lang="en-US" b="1" dirty="0" smtClean="0"/>
+              <a:t>design parameter frequent variation problem </a:t>
+            </a:r>
+            <a:r>
+              <a:rPr lang="en-US" dirty="0" smtClean="0"/>
+              <a:t>with AWAKE persists. </a:t>
+            </a:r>
+            <a:br>
+              <a:rPr lang="en-US" dirty="0" smtClean="0"/>
+            </a:br>
+            <a:r>
+              <a:rPr lang="en-US" dirty="0" smtClean="0"/>
+              <a:t>Assuming [1]:</a:t>
+            </a:r>
+          </a:p>
+          <a:p>
+            <a:pPr lvl="1">
+              <a:spcBef>
+                <a:spcPts val="0"/>
+              </a:spcBef>
+            </a:pPr>
+            <a:r>
+              <a:rPr lang="en-US" b="1" dirty="0" smtClean="0">
+                <a:solidFill>
+                  <a:srgbClr val="0432FF"/>
+                </a:solidFill>
+              </a:rPr>
+              <a:t>Protons</a:t>
+            </a:r>
+            <a:r>
+              <a:rPr lang="en-US" dirty="0" smtClean="0"/>
+              <a:t> as today</a:t>
+            </a:r>
+          </a:p>
+          <a:p>
+            <a:pPr lvl="2">
+              <a:spcBef>
+                <a:spcPts val="0"/>
+              </a:spcBef>
+            </a:pPr>
+            <a:r>
+              <a:rPr lang="en-US" dirty="0" smtClean="0"/>
+              <a:t>3e11 ppb</a:t>
+            </a:r>
+          </a:p>
+          <a:p>
+            <a:pPr lvl="2">
+              <a:spcBef>
+                <a:spcPts val="0"/>
+              </a:spcBef>
+            </a:pPr>
+            <a:r>
+              <a:rPr lang="en-US" dirty="0" smtClean="0"/>
+              <a:t>1ns bunch length </a:t>
+            </a:r>
+            <a:r>
+              <a:rPr lang="en-US" dirty="0"/>
+              <a:t>(4σ</a:t>
+            </a:r>
+            <a:r>
+              <a:rPr lang="en-US" dirty="0" smtClean="0"/>
+              <a:t>)</a:t>
+            </a:r>
+          </a:p>
+          <a:p>
+            <a:pPr lvl="1">
+              <a:spcBef>
+                <a:spcPts val="0"/>
+              </a:spcBef>
+            </a:pPr>
+            <a:r>
+              <a:rPr lang="en-US" b="1" dirty="0" smtClean="0">
+                <a:solidFill>
+                  <a:srgbClr val="FF0000"/>
+                </a:solidFill>
+              </a:rPr>
+              <a:t>Electrons</a:t>
+            </a:r>
+            <a:r>
+              <a:rPr lang="en-US" dirty="0" smtClean="0">
+                <a:solidFill>
+                  <a:srgbClr val="FF0000"/>
+                </a:solidFill>
+              </a:rPr>
+              <a:t> </a:t>
+            </a:r>
+            <a:r>
+              <a:rPr lang="en-US" dirty="0" smtClean="0"/>
+              <a:t>(worst case): </a:t>
+            </a:r>
+          </a:p>
+          <a:p>
+            <a:pPr lvl="2">
+              <a:spcBef>
+                <a:spcPts val="0"/>
+              </a:spcBef>
+            </a:pPr>
+            <a:r>
+              <a:rPr lang="en-US" dirty="0" smtClean="0"/>
+              <a:t>100 </a:t>
+            </a:r>
+            <a:r>
+              <a:rPr lang="en-US" dirty="0" err="1" smtClean="0"/>
+              <a:t>pC</a:t>
+            </a:r>
+            <a:r>
+              <a:rPr lang="en-US" dirty="0" smtClean="0"/>
+              <a:t> charge</a:t>
+            </a:r>
+          </a:p>
+          <a:p>
+            <a:pPr lvl="2">
+              <a:spcBef>
+                <a:spcPts val="0"/>
+              </a:spcBef>
+            </a:pPr>
+            <a:r>
+              <a:rPr lang="en-US" dirty="0" smtClean="0"/>
+              <a:t>50-100 fs bunch length(4σ)</a:t>
+            </a:r>
+          </a:p>
+          <a:p>
+            <a:pPr>
+              <a:spcBef>
+                <a:spcPts val="0"/>
+              </a:spcBef>
+            </a:pPr>
+            <a:endParaRPr lang="en-US" dirty="0" smtClean="0"/>
+          </a:p>
+          <a:p>
+            <a:pPr>
+              <a:spcBef>
+                <a:spcPts val="0"/>
+              </a:spcBef>
+            </a:pPr>
+            <a:r>
+              <a:rPr lang="en-US" dirty="0" smtClean="0"/>
+              <a:t>At such parameters, the difference between protons and electrons (</a:t>
+            </a:r>
+            <a:r>
+              <a:rPr lang="en-US" dirty="0" err="1" smtClean="0"/>
+              <a:t>gaussian</a:t>
+            </a:r>
+            <a:r>
+              <a:rPr lang="en-US" dirty="0" smtClean="0"/>
+              <a:t> case) is ~55 dB !!</a:t>
+            </a:r>
+            <a:endParaRPr lang="en-US" dirty="0"/>
+          </a:p>
+        </p:txBody>
+      </p:sp>
+      <p:sp>
+        <p:nvSpPr>
+          <p:cNvPr id="5" name="Footer Placeholder 4"/>
+          <p:cNvSpPr>
+            <a:spLocks noGrp="1"/>
+          </p:cNvSpPr>
+          <p:nvPr>
+            <p:ph type="ftr" sz="quarter" idx="11"/>
+          </p:nvPr>
+        </p:nvSpPr>
+        <p:spPr/>
+        <p:txBody>
+          <a:bodyPr/>
+          <a:lstStyle/>
+          <a:p>
+            <a:r>
+              <a:rPr lang="en-US" smtClean="0"/>
+              <a:t>Status of the AWAKE eBPM studies - E. Senes</a:t>
+            </a:r>
+            <a:endParaRPr lang="en-US" dirty="0"/>
+          </a:p>
+        </p:txBody>
+      </p:sp>
+      <p:sp>
+        <p:nvSpPr>
+          <p:cNvPr id="8" name="TextBox 7"/>
+          <p:cNvSpPr txBox="1"/>
+          <p:nvPr/>
+        </p:nvSpPr>
+        <p:spPr>
+          <a:xfrm>
+            <a:off x="5167188" y="5570518"/>
+            <a:ext cx="3760912" cy="954107"/>
+          </a:xfrm>
+          <a:prstGeom prst="rect">
+            <a:avLst/>
+          </a:prstGeom>
+          <a:noFill/>
+        </p:spPr>
+        <p:txBody>
+          <a:bodyPr wrap="square" rtlCol="0">
+            <a:spAutoFit/>
+          </a:bodyPr>
+          <a:lstStyle/>
+          <a:p>
+            <a:r>
+              <a:rPr lang="en-US" sz="1400" dirty="0" smtClean="0"/>
+              <a:t>[1] K. </a:t>
+            </a:r>
+            <a:r>
+              <a:rPr lang="en-US" sz="1400" dirty="0" err="1" smtClean="0"/>
+              <a:t>Pipitone</a:t>
+            </a:r>
+            <a:r>
+              <a:rPr lang="en-US" sz="1400" dirty="0" smtClean="0"/>
+              <a:t> et al., The electron accelerators for the AWAKE experiment at CERN </a:t>
+            </a:r>
+            <a:r>
+              <a:rPr lang="mr-IN" sz="1400" dirty="0" smtClean="0"/>
+              <a:t>–</a:t>
+            </a:r>
+            <a:r>
+              <a:rPr lang="en-US" sz="1400" dirty="0" smtClean="0"/>
+              <a:t> Baseline and future developments, </a:t>
+            </a:r>
+            <a:r>
+              <a:rPr lang="en-US" sz="1400" dirty="0" err="1" smtClean="0"/>
+              <a:t>Nucl</a:t>
+            </a:r>
+            <a:r>
+              <a:rPr lang="en-US" sz="1400" dirty="0" smtClean="0"/>
+              <a:t>. Inst. and Methods A, 909 (2018) 102-106</a:t>
+            </a:r>
+            <a:endParaRPr lang="en-US" sz="1400" dirty="0"/>
+          </a:p>
+        </p:txBody>
+      </p:sp>
+    </p:spTree>
+    <p:extLst>
+      <p:ext uri="{BB962C8B-B14F-4D97-AF65-F5344CB8AC3E}">
+        <p14:creationId xmlns:p14="http://schemas.microsoft.com/office/powerpoint/2010/main" val="468880989"/>
       </p:ext>
     </p:extLst>
   </p:cSld>
@@ -8582,31 +11284,22 @@
             <p:ph type="title"/>
           </p:nvPr>
         </p:nvSpPr>
-        <p:spPr/>
+        <p:spPr>
+          <a:xfrm>
+            <a:off x="511175" y="4053632"/>
+            <a:ext cx="8229600" cy="714996"/>
+          </a:xfrm>
+        </p:spPr>
         <p:txBody>
           <a:bodyPr/>
           <a:lstStyle/>
           <a:p>
-            <a:endParaRPr lang="en-US"/>
-          </a:p>
-        </p:txBody>
-      </p:sp>
-      <p:sp>
-        <p:nvSpPr>
-          <p:cNvPr id="3" name="Content Placeholder 2"/>
-          <p:cNvSpPr>
-            <a:spLocks noGrp="1"/>
-          </p:cNvSpPr>
-          <p:nvPr>
-            <p:ph idx="1"/>
-          </p:nvPr>
-        </p:nvSpPr>
-        <p:spPr/>
-        <p:txBody>
-          <a:bodyPr/>
-          <a:lstStyle/>
-          <a:p>
-            <a:endParaRPr lang="en-US"/>
+            <a:pPr algn="l"/>
+            <a:r>
+              <a:rPr lang="en-US" dirty="0" smtClean="0"/>
+              <a:t>Simulations and measurements</a:t>
+            </a:r>
+            <a:endParaRPr lang="en-US" dirty="0"/>
           </a:p>
         </p:txBody>
       </p:sp>
@@ -8636,7 +11329,7 @@
     </p:spTree>
     <p:extLst>
       <p:ext uri="{BB962C8B-B14F-4D97-AF65-F5344CB8AC3E}">
-        <p14:creationId xmlns:p14="http://schemas.microsoft.com/office/powerpoint/2010/main" val="1523977597"/>
+        <p14:creationId xmlns:p14="http://schemas.microsoft.com/office/powerpoint/2010/main" val="1569225140"/>
       </p:ext>
     </p:extLst>
   </p:cSld>
